--- a/using_git.pptx
+++ b/using_git.pptx
@@ -5,7 +5,7 @@
     <p:sldMasterId id="2147483648" r:id="rId1"/>
   </p:sldMasterIdLst>
   <p:notesMasterIdLst>
-    <p:notesMasterId r:id="rId34"/>
+    <p:notesMasterId r:id="rId40"/>
   </p:notesMasterIdLst>
   <p:sldIdLst>
     <p:sldId id="256" r:id="rId2"/>
@@ -29,17 +29,23 @@
     <p:sldId id="282" r:id="rId20"/>
     <p:sldId id="283" r:id="rId21"/>
     <p:sldId id="276" r:id="rId22"/>
-    <p:sldId id="284" r:id="rId23"/>
-    <p:sldId id="285" r:id="rId24"/>
-    <p:sldId id="286" r:id="rId25"/>
-    <p:sldId id="277" r:id="rId26"/>
-    <p:sldId id="289" r:id="rId27"/>
-    <p:sldId id="291" r:id="rId28"/>
-    <p:sldId id="290" r:id="rId29"/>
-    <p:sldId id="278" r:id="rId30"/>
-    <p:sldId id="279" r:id="rId31"/>
-    <p:sldId id="280" r:id="rId32"/>
-    <p:sldId id="281" r:id="rId33"/>
+    <p:sldId id="292" r:id="rId23"/>
+    <p:sldId id="284" r:id="rId24"/>
+    <p:sldId id="285" r:id="rId25"/>
+    <p:sldId id="286" r:id="rId26"/>
+    <p:sldId id="278" r:id="rId27"/>
+    <p:sldId id="277" r:id="rId28"/>
+    <p:sldId id="289" r:id="rId29"/>
+    <p:sldId id="291" r:id="rId30"/>
+    <p:sldId id="293" r:id="rId31"/>
+    <p:sldId id="279" r:id="rId32"/>
+    <p:sldId id="294" r:id="rId33"/>
+    <p:sldId id="290" r:id="rId34"/>
+    <p:sldId id="296" r:id="rId35"/>
+    <p:sldId id="295" r:id="rId36"/>
+    <p:sldId id="280" r:id="rId37"/>
+    <p:sldId id="297" r:id="rId38"/>
+    <p:sldId id="281" r:id="rId39"/>
   </p:sldIdLst>
   <p:sldSz cx="12192000" cy="6858000"/>
   <p:notesSz cx="6858000" cy="9144000"/>
@@ -228,7 +234,7 @@
           <a:p>
             <a:fld id="{0A02D5C2-A43E-4C9E-BA04-4F76A9711DE5}" type="datetimeFigureOut">
               <a:rPr lang="zh-CN" altLang="en-US" smtClean="0"/>
-              <a:t>2018/11/28</a:t>
+              <a:t>2018/11/29</a:t>
             </a:fld>
             <a:endParaRPr lang="zh-CN" altLang="en-US"/>
           </a:p>
@@ -579,6 +585,90 @@
 </p:notes>
 </file>
 
+<file path=ppt/notesSlides/notesSlide2.xml><?xml version="1.0" encoding="utf-8"?>
+<p:notes xmlns:a="http://schemas.openxmlformats.org/drawingml/2006/main" xmlns:r="http://schemas.openxmlformats.org/officeDocument/2006/relationships" xmlns:p="http://schemas.openxmlformats.org/presentationml/2006/main">
+  <p:cSld>
+    <p:spTree>
+      <p:nvGrpSpPr>
+        <p:cNvPr id="1" name=""/>
+        <p:cNvGrpSpPr/>
+        <p:nvPr/>
+      </p:nvGrpSpPr>
+      <p:grpSpPr>
+        <a:xfrm>
+          <a:off x="0" y="0"/>
+          <a:ext cx="0" cy="0"/>
+          <a:chOff x="0" y="0"/>
+          <a:chExt cx="0" cy="0"/>
+        </a:xfrm>
+      </p:grpSpPr>
+      <p:sp>
+        <p:nvSpPr>
+          <p:cNvPr id="2" name="幻灯片图像占位符 1"/>
+          <p:cNvSpPr>
+            <a:spLocks noGrp="1" noRot="1" noChangeAspect="1"/>
+          </p:cNvSpPr>
+          <p:nvPr>
+            <p:ph type="sldImg"/>
+          </p:nvPr>
+        </p:nvSpPr>
+        <p:spPr/>
+      </p:sp>
+      <p:sp>
+        <p:nvSpPr>
+          <p:cNvPr id="3" name="备注占位符 2"/>
+          <p:cNvSpPr>
+            <a:spLocks noGrp="1"/>
+          </p:cNvSpPr>
+          <p:nvPr>
+            <p:ph type="body" idx="1"/>
+          </p:nvPr>
+        </p:nvSpPr>
+        <p:spPr/>
+        <p:txBody>
+          <a:bodyPr/>
+          <a:lstStyle/>
+          <a:p>
+            <a:endParaRPr lang="zh-CN" altLang="en-US" dirty="0"/>
+          </a:p>
+        </p:txBody>
+      </p:sp>
+      <p:sp>
+        <p:nvSpPr>
+          <p:cNvPr id="4" name="灯片编号占位符 3"/>
+          <p:cNvSpPr>
+            <a:spLocks noGrp="1"/>
+          </p:cNvSpPr>
+          <p:nvPr>
+            <p:ph type="sldNum" sz="quarter" idx="5"/>
+          </p:nvPr>
+        </p:nvSpPr>
+        <p:spPr/>
+        <p:txBody>
+          <a:bodyPr/>
+          <a:lstStyle/>
+          <a:p>
+            <a:fld id="{FFB77CD6-0094-4054-9435-8F7FAE1CD741}" type="slidenum">
+              <a:rPr lang="zh-CN" altLang="en-US" smtClean="0"/>
+              <a:t>33</a:t>
+            </a:fld>
+            <a:endParaRPr lang="zh-CN" altLang="en-US"/>
+          </a:p>
+        </p:txBody>
+      </p:sp>
+    </p:spTree>
+    <p:extLst>
+      <p:ext uri="{BB962C8B-B14F-4D97-AF65-F5344CB8AC3E}">
+        <p14:creationId xmlns:p14="http://schemas.microsoft.com/office/powerpoint/2010/main" val="3591051396"/>
+      </p:ext>
+    </p:extLst>
+  </p:cSld>
+  <p:clrMapOvr>
+    <a:masterClrMapping/>
+  </p:clrMapOvr>
+</p:notes>
+</file>
+
 <file path=ppt/slideLayouts/slideLayout1.xml><?xml version="1.0" encoding="utf-8"?>
 <p:sldLayout xmlns:a="http://schemas.openxmlformats.org/drawingml/2006/main" xmlns:r="http://schemas.openxmlformats.org/officeDocument/2006/relationships" xmlns:p="http://schemas.openxmlformats.org/presentationml/2006/main" type="title" preserve="1">
   <p:cSld name="标题幻灯片">
@@ -601,7 +691,7 @@
           <p:cNvPr id="2" name="标题 1">
             <a:extLst>
               <a:ext uri="{FF2B5EF4-FFF2-40B4-BE49-F238E27FC236}">
-                <a16:creationId xmlns:a16="http://schemas.microsoft.com/office/drawing/2014/main" xmlns="" id="{7044BCB2-042C-43AE-8883-A81EFD359068}"/>
+                <a16:creationId xmlns:a16="http://schemas.microsoft.com/office/drawing/2014/main" id="{7044BCB2-042C-43AE-8883-A81EFD359068}"/>
               </a:ext>
             </a:extLst>
           </p:cNvPr>
@@ -638,7 +728,7 @@
           <p:cNvPr id="3" name="副标题 2">
             <a:extLst>
               <a:ext uri="{FF2B5EF4-FFF2-40B4-BE49-F238E27FC236}">
-                <a16:creationId xmlns:a16="http://schemas.microsoft.com/office/drawing/2014/main" xmlns="" id="{662E3D04-8916-43E4-8C17-FC786DE0B9BB}"/>
+                <a16:creationId xmlns:a16="http://schemas.microsoft.com/office/drawing/2014/main" id="{662E3D04-8916-43E4-8C17-FC786DE0B9BB}"/>
               </a:ext>
             </a:extLst>
           </p:cNvPr>
@@ -708,7 +798,7 @@
           <p:cNvPr id="4" name="日期占位符 3">
             <a:extLst>
               <a:ext uri="{FF2B5EF4-FFF2-40B4-BE49-F238E27FC236}">
-                <a16:creationId xmlns:a16="http://schemas.microsoft.com/office/drawing/2014/main" xmlns="" id="{2E0B7DAA-EA37-44BE-9BA7-952026E6C10B}"/>
+                <a16:creationId xmlns:a16="http://schemas.microsoft.com/office/drawing/2014/main" id="{2E0B7DAA-EA37-44BE-9BA7-952026E6C10B}"/>
               </a:ext>
             </a:extLst>
           </p:cNvPr>
@@ -726,7 +816,7 @@
           <a:p>
             <a:fld id="{C644BD20-44D0-4038-94E9-A3097F45C8CC}" type="datetimeFigureOut">
               <a:rPr lang="zh-CN" altLang="en-US" smtClean="0"/>
-              <a:t>2018/11/28</a:t>
+              <a:t>2018/11/29</a:t>
             </a:fld>
             <a:endParaRPr lang="zh-CN" altLang="en-US"/>
           </a:p>
@@ -737,7 +827,7 @@
           <p:cNvPr id="5" name="页脚占位符 4">
             <a:extLst>
               <a:ext uri="{FF2B5EF4-FFF2-40B4-BE49-F238E27FC236}">
-                <a16:creationId xmlns:a16="http://schemas.microsoft.com/office/drawing/2014/main" xmlns="" id="{E4117DDD-97AB-4A8C-9586-9988908218CE}"/>
+                <a16:creationId xmlns:a16="http://schemas.microsoft.com/office/drawing/2014/main" id="{E4117DDD-97AB-4A8C-9586-9988908218CE}"/>
               </a:ext>
             </a:extLst>
           </p:cNvPr>
@@ -762,7 +852,7 @@
           <p:cNvPr id="6" name="灯片编号占位符 5">
             <a:extLst>
               <a:ext uri="{FF2B5EF4-FFF2-40B4-BE49-F238E27FC236}">
-                <a16:creationId xmlns:a16="http://schemas.microsoft.com/office/drawing/2014/main" xmlns="" id="{D3796EAC-7CFF-44E5-8600-2A5DA28FCEE7}"/>
+                <a16:creationId xmlns:a16="http://schemas.microsoft.com/office/drawing/2014/main" id="{D3796EAC-7CFF-44E5-8600-2A5DA28FCEE7}"/>
               </a:ext>
             </a:extLst>
           </p:cNvPr>
@@ -821,7 +911,7 @@
           <p:cNvPr id="2" name="标题 1">
             <a:extLst>
               <a:ext uri="{FF2B5EF4-FFF2-40B4-BE49-F238E27FC236}">
-                <a16:creationId xmlns:a16="http://schemas.microsoft.com/office/drawing/2014/main" xmlns="" id="{09E48725-1933-472A-82B6-4003886322E6}"/>
+                <a16:creationId xmlns:a16="http://schemas.microsoft.com/office/drawing/2014/main" id="{09E48725-1933-472A-82B6-4003886322E6}"/>
               </a:ext>
             </a:extLst>
           </p:cNvPr>
@@ -849,7 +939,7 @@
           <p:cNvPr id="3" name="竖排文字占位符 2">
             <a:extLst>
               <a:ext uri="{FF2B5EF4-FFF2-40B4-BE49-F238E27FC236}">
-                <a16:creationId xmlns:a16="http://schemas.microsoft.com/office/drawing/2014/main" xmlns="" id="{34AF9D79-5439-48FC-BD54-C9A8301DC0FF}"/>
+                <a16:creationId xmlns:a16="http://schemas.microsoft.com/office/drawing/2014/main" id="{34AF9D79-5439-48FC-BD54-C9A8301DC0FF}"/>
               </a:ext>
             </a:extLst>
           </p:cNvPr>
@@ -906,7 +996,7 @@
           <p:cNvPr id="4" name="日期占位符 3">
             <a:extLst>
               <a:ext uri="{FF2B5EF4-FFF2-40B4-BE49-F238E27FC236}">
-                <a16:creationId xmlns:a16="http://schemas.microsoft.com/office/drawing/2014/main" xmlns="" id="{8EC74483-1D38-493A-83AF-504376074B8D}"/>
+                <a16:creationId xmlns:a16="http://schemas.microsoft.com/office/drawing/2014/main" id="{8EC74483-1D38-493A-83AF-504376074B8D}"/>
               </a:ext>
             </a:extLst>
           </p:cNvPr>
@@ -924,7 +1014,7 @@
           <a:p>
             <a:fld id="{C644BD20-44D0-4038-94E9-A3097F45C8CC}" type="datetimeFigureOut">
               <a:rPr lang="zh-CN" altLang="en-US" smtClean="0"/>
-              <a:t>2018/11/28</a:t>
+              <a:t>2018/11/29</a:t>
             </a:fld>
             <a:endParaRPr lang="zh-CN" altLang="en-US"/>
           </a:p>
@@ -935,7 +1025,7 @@
           <p:cNvPr id="5" name="页脚占位符 4">
             <a:extLst>
               <a:ext uri="{FF2B5EF4-FFF2-40B4-BE49-F238E27FC236}">
-                <a16:creationId xmlns:a16="http://schemas.microsoft.com/office/drawing/2014/main" xmlns="" id="{6206A482-62AF-4865-BB86-FFE1F01AC37D}"/>
+                <a16:creationId xmlns:a16="http://schemas.microsoft.com/office/drawing/2014/main" id="{6206A482-62AF-4865-BB86-FFE1F01AC37D}"/>
               </a:ext>
             </a:extLst>
           </p:cNvPr>
@@ -960,7 +1050,7 @@
           <p:cNvPr id="6" name="灯片编号占位符 5">
             <a:extLst>
               <a:ext uri="{FF2B5EF4-FFF2-40B4-BE49-F238E27FC236}">
-                <a16:creationId xmlns:a16="http://schemas.microsoft.com/office/drawing/2014/main" xmlns="" id="{87EB2F53-9FF0-4455-9FE9-8FC437C39D29}"/>
+                <a16:creationId xmlns:a16="http://schemas.microsoft.com/office/drawing/2014/main" id="{87EB2F53-9FF0-4455-9FE9-8FC437C39D29}"/>
               </a:ext>
             </a:extLst>
           </p:cNvPr>
@@ -1019,7 +1109,7 @@
           <p:cNvPr id="2" name="竖排标题 1">
             <a:extLst>
               <a:ext uri="{FF2B5EF4-FFF2-40B4-BE49-F238E27FC236}">
-                <a16:creationId xmlns:a16="http://schemas.microsoft.com/office/drawing/2014/main" xmlns="" id="{DE3CC716-12C3-4100-84A1-D083A5F2C57C}"/>
+                <a16:creationId xmlns:a16="http://schemas.microsoft.com/office/drawing/2014/main" id="{DE3CC716-12C3-4100-84A1-D083A5F2C57C}"/>
               </a:ext>
             </a:extLst>
           </p:cNvPr>
@@ -1052,7 +1142,7 @@
           <p:cNvPr id="3" name="竖排文字占位符 2">
             <a:extLst>
               <a:ext uri="{FF2B5EF4-FFF2-40B4-BE49-F238E27FC236}">
-                <a16:creationId xmlns:a16="http://schemas.microsoft.com/office/drawing/2014/main" xmlns="" id="{7EF8F5C0-DD97-4251-BA25-1F948C2148DC}"/>
+                <a16:creationId xmlns:a16="http://schemas.microsoft.com/office/drawing/2014/main" id="{7EF8F5C0-DD97-4251-BA25-1F948C2148DC}"/>
               </a:ext>
             </a:extLst>
           </p:cNvPr>
@@ -1114,7 +1204,7 @@
           <p:cNvPr id="4" name="日期占位符 3">
             <a:extLst>
               <a:ext uri="{FF2B5EF4-FFF2-40B4-BE49-F238E27FC236}">
-                <a16:creationId xmlns:a16="http://schemas.microsoft.com/office/drawing/2014/main" xmlns="" id="{75A670AA-9B37-4EBE-B505-57CABFEA509F}"/>
+                <a16:creationId xmlns:a16="http://schemas.microsoft.com/office/drawing/2014/main" id="{75A670AA-9B37-4EBE-B505-57CABFEA509F}"/>
               </a:ext>
             </a:extLst>
           </p:cNvPr>
@@ -1132,7 +1222,7 @@
           <a:p>
             <a:fld id="{C644BD20-44D0-4038-94E9-A3097F45C8CC}" type="datetimeFigureOut">
               <a:rPr lang="zh-CN" altLang="en-US" smtClean="0"/>
-              <a:t>2018/11/28</a:t>
+              <a:t>2018/11/29</a:t>
             </a:fld>
             <a:endParaRPr lang="zh-CN" altLang="en-US"/>
           </a:p>
@@ -1143,7 +1233,7 @@
           <p:cNvPr id="5" name="页脚占位符 4">
             <a:extLst>
               <a:ext uri="{FF2B5EF4-FFF2-40B4-BE49-F238E27FC236}">
-                <a16:creationId xmlns:a16="http://schemas.microsoft.com/office/drawing/2014/main" xmlns="" id="{B1D7A3E4-5B67-438F-96C7-23B1D792AD6F}"/>
+                <a16:creationId xmlns:a16="http://schemas.microsoft.com/office/drawing/2014/main" id="{B1D7A3E4-5B67-438F-96C7-23B1D792AD6F}"/>
               </a:ext>
             </a:extLst>
           </p:cNvPr>
@@ -1168,7 +1258,7 @@
           <p:cNvPr id="6" name="灯片编号占位符 5">
             <a:extLst>
               <a:ext uri="{FF2B5EF4-FFF2-40B4-BE49-F238E27FC236}">
-                <a16:creationId xmlns:a16="http://schemas.microsoft.com/office/drawing/2014/main" xmlns="" id="{B0273346-8262-40D7-9F2E-34F2844B98D6}"/>
+                <a16:creationId xmlns:a16="http://schemas.microsoft.com/office/drawing/2014/main" id="{B0273346-8262-40D7-9F2E-34F2844B98D6}"/>
               </a:ext>
             </a:extLst>
           </p:cNvPr>
@@ -1227,7 +1317,7 @@
           <p:cNvPr id="2" name="标题 1">
             <a:extLst>
               <a:ext uri="{FF2B5EF4-FFF2-40B4-BE49-F238E27FC236}">
-                <a16:creationId xmlns:a16="http://schemas.microsoft.com/office/drawing/2014/main" xmlns="" id="{F09DCBC2-3C9F-4ECD-8DB9-FF31A89C97CA}"/>
+                <a16:creationId xmlns:a16="http://schemas.microsoft.com/office/drawing/2014/main" id="{F09DCBC2-3C9F-4ECD-8DB9-FF31A89C97CA}"/>
               </a:ext>
             </a:extLst>
           </p:cNvPr>
@@ -1255,7 +1345,7 @@
           <p:cNvPr id="3" name="内容占位符 2">
             <a:extLst>
               <a:ext uri="{FF2B5EF4-FFF2-40B4-BE49-F238E27FC236}">
-                <a16:creationId xmlns:a16="http://schemas.microsoft.com/office/drawing/2014/main" xmlns="" id="{06121898-DCEF-41C6-B727-D89872E06A93}"/>
+                <a16:creationId xmlns:a16="http://schemas.microsoft.com/office/drawing/2014/main" id="{06121898-DCEF-41C6-B727-D89872E06A93}"/>
               </a:ext>
             </a:extLst>
           </p:cNvPr>
@@ -1312,7 +1402,7 @@
           <p:cNvPr id="4" name="日期占位符 3">
             <a:extLst>
               <a:ext uri="{FF2B5EF4-FFF2-40B4-BE49-F238E27FC236}">
-                <a16:creationId xmlns:a16="http://schemas.microsoft.com/office/drawing/2014/main" xmlns="" id="{975C3C0D-A507-44F4-B673-FCB436CC042B}"/>
+                <a16:creationId xmlns:a16="http://schemas.microsoft.com/office/drawing/2014/main" id="{975C3C0D-A507-44F4-B673-FCB436CC042B}"/>
               </a:ext>
             </a:extLst>
           </p:cNvPr>
@@ -1330,7 +1420,7 @@
           <a:p>
             <a:fld id="{C644BD20-44D0-4038-94E9-A3097F45C8CC}" type="datetimeFigureOut">
               <a:rPr lang="zh-CN" altLang="en-US" smtClean="0"/>
-              <a:t>2018/11/28</a:t>
+              <a:t>2018/11/29</a:t>
             </a:fld>
             <a:endParaRPr lang="zh-CN" altLang="en-US"/>
           </a:p>
@@ -1341,7 +1431,7 @@
           <p:cNvPr id="5" name="页脚占位符 4">
             <a:extLst>
               <a:ext uri="{FF2B5EF4-FFF2-40B4-BE49-F238E27FC236}">
-                <a16:creationId xmlns:a16="http://schemas.microsoft.com/office/drawing/2014/main" xmlns="" id="{5010E27F-DDA5-42A8-9B95-3FB014BCF168}"/>
+                <a16:creationId xmlns:a16="http://schemas.microsoft.com/office/drawing/2014/main" id="{5010E27F-DDA5-42A8-9B95-3FB014BCF168}"/>
               </a:ext>
             </a:extLst>
           </p:cNvPr>
@@ -1366,7 +1456,7 @@
           <p:cNvPr id="6" name="灯片编号占位符 5">
             <a:extLst>
               <a:ext uri="{FF2B5EF4-FFF2-40B4-BE49-F238E27FC236}">
-                <a16:creationId xmlns:a16="http://schemas.microsoft.com/office/drawing/2014/main" xmlns="" id="{B554A336-F87C-4855-ADB9-A8B6764CAD0A}"/>
+                <a16:creationId xmlns:a16="http://schemas.microsoft.com/office/drawing/2014/main" id="{B554A336-F87C-4855-ADB9-A8B6764CAD0A}"/>
               </a:ext>
             </a:extLst>
           </p:cNvPr>
@@ -1425,7 +1515,7 @@
           <p:cNvPr id="2" name="标题 1">
             <a:extLst>
               <a:ext uri="{FF2B5EF4-FFF2-40B4-BE49-F238E27FC236}">
-                <a16:creationId xmlns:a16="http://schemas.microsoft.com/office/drawing/2014/main" xmlns="" id="{8FFEF0E2-999E-438F-AAF9-85BC00DD45D0}"/>
+                <a16:creationId xmlns:a16="http://schemas.microsoft.com/office/drawing/2014/main" id="{8FFEF0E2-999E-438F-AAF9-85BC00DD45D0}"/>
               </a:ext>
             </a:extLst>
           </p:cNvPr>
@@ -1462,7 +1552,7 @@
           <p:cNvPr id="3" name="文本占位符 2">
             <a:extLst>
               <a:ext uri="{FF2B5EF4-FFF2-40B4-BE49-F238E27FC236}">
-                <a16:creationId xmlns:a16="http://schemas.microsoft.com/office/drawing/2014/main" xmlns="" id="{EC7DEC8D-04C0-4484-A756-3976477B2E66}"/>
+                <a16:creationId xmlns:a16="http://schemas.microsoft.com/office/drawing/2014/main" id="{EC7DEC8D-04C0-4484-A756-3976477B2E66}"/>
               </a:ext>
             </a:extLst>
           </p:cNvPr>
@@ -1587,7 +1677,7 @@
           <p:cNvPr id="4" name="日期占位符 3">
             <a:extLst>
               <a:ext uri="{FF2B5EF4-FFF2-40B4-BE49-F238E27FC236}">
-                <a16:creationId xmlns:a16="http://schemas.microsoft.com/office/drawing/2014/main" xmlns="" id="{93610AFE-F914-40D7-AB90-0BE29752D72C}"/>
+                <a16:creationId xmlns:a16="http://schemas.microsoft.com/office/drawing/2014/main" id="{93610AFE-F914-40D7-AB90-0BE29752D72C}"/>
               </a:ext>
             </a:extLst>
           </p:cNvPr>
@@ -1605,7 +1695,7 @@
           <a:p>
             <a:fld id="{C644BD20-44D0-4038-94E9-A3097F45C8CC}" type="datetimeFigureOut">
               <a:rPr lang="zh-CN" altLang="en-US" smtClean="0"/>
-              <a:t>2018/11/28</a:t>
+              <a:t>2018/11/29</a:t>
             </a:fld>
             <a:endParaRPr lang="zh-CN" altLang="en-US"/>
           </a:p>
@@ -1616,7 +1706,7 @@
           <p:cNvPr id="5" name="页脚占位符 4">
             <a:extLst>
               <a:ext uri="{FF2B5EF4-FFF2-40B4-BE49-F238E27FC236}">
-                <a16:creationId xmlns:a16="http://schemas.microsoft.com/office/drawing/2014/main" xmlns="" id="{179B637A-AEC6-4787-A3F4-7D46F32E8EE9}"/>
+                <a16:creationId xmlns:a16="http://schemas.microsoft.com/office/drawing/2014/main" id="{179B637A-AEC6-4787-A3F4-7D46F32E8EE9}"/>
               </a:ext>
             </a:extLst>
           </p:cNvPr>
@@ -1641,7 +1731,7 @@
           <p:cNvPr id="6" name="灯片编号占位符 5">
             <a:extLst>
               <a:ext uri="{FF2B5EF4-FFF2-40B4-BE49-F238E27FC236}">
-                <a16:creationId xmlns:a16="http://schemas.microsoft.com/office/drawing/2014/main" xmlns="" id="{E3D2DD4F-A861-48D3-991D-6A2AA9ACC1F4}"/>
+                <a16:creationId xmlns:a16="http://schemas.microsoft.com/office/drawing/2014/main" id="{E3D2DD4F-A861-48D3-991D-6A2AA9ACC1F4}"/>
               </a:ext>
             </a:extLst>
           </p:cNvPr>
@@ -1700,7 +1790,7 @@
           <p:cNvPr id="2" name="标题 1">
             <a:extLst>
               <a:ext uri="{FF2B5EF4-FFF2-40B4-BE49-F238E27FC236}">
-                <a16:creationId xmlns:a16="http://schemas.microsoft.com/office/drawing/2014/main" xmlns="" id="{143FD66A-704C-4372-B93D-071A7047EA15}"/>
+                <a16:creationId xmlns:a16="http://schemas.microsoft.com/office/drawing/2014/main" id="{143FD66A-704C-4372-B93D-071A7047EA15}"/>
               </a:ext>
             </a:extLst>
           </p:cNvPr>
@@ -1728,7 +1818,7 @@
           <p:cNvPr id="3" name="内容占位符 2">
             <a:extLst>
               <a:ext uri="{FF2B5EF4-FFF2-40B4-BE49-F238E27FC236}">
-                <a16:creationId xmlns:a16="http://schemas.microsoft.com/office/drawing/2014/main" xmlns="" id="{A21AF224-4817-4300-8ED1-5CEE99260904}"/>
+                <a16:creationId xmlns:a16="http://schemas.microsoft.com/office/drawing/2014/main" id="{A21AF224-4817-4300-8ED1-5CEE99260904}"/>
               </a:ext>
             </a:extLst>
           </p:cNvPr>
@@ -1790,7 +1880,7 @@
           <p:cNvPr id="4" name="内容占位符 3">
             <a:extLst>
               <a:ext uri="{FF2B5EF4-FFF2-40B4-BE49-F238E27FC236}">
-                <a16:creationId xmlns:a16="http://schemas.microsoft.com/office/drawing/2014/main" xmlns="" id="{0AC223CC-734E-4028-8B5D-019B8B06F722}"/>
+                <a16:creationId xmlns:a16="http://schemas.microsoft.com/office/drawing/2014/main" id="{0AC223CC-734E-4028-8B5D-019B8B06F722}"/>
               </a:ext>
             </a:extLst>
           </p:cNvPr>
@@ -1852,7 +1942,7 @@
           <p:cNvPr id="5" name="日期占位符 4">
             <a:extLst>
               <a:ext uri="{FF2B5EF4-FFF2-40B4-BE49-F238E27FC236}">
-                <a16:creationId xmlns:a16="http://schemas.microsoft.com/office/drawing/2014/main" xmlns="" id="{249FD5CA-CAFA-46EE-9C28-0FCB7D24909A}"/>
+                <a16:creationId xmlns:a16="http://schemas.microsoft.com/office/drawing/2014/main" id="{249FD5CA-CAFA-46EE-9C28-0FCB7D24909A}"/>
               </a:ext>
             </a:extLst>
           </p:cNvPr>
@@ -1870,7 +1960,7 @@
           <a:p>
             <a:fld id="{C644BD20-44D0-4038-94E9-A3097F45C8CC}" type="datetimeFigureOut">
               <a:rPr lang="zh-CN" altLang="en-US" smtClean="0"/>
-              <a:t>2018/11/28</a:t>
+              <a:t>2018/11/29</a:t>
             </a:fld>
             <a:endParaRPr lang="zh-CN" altLang="en-US"/>
           </a:p>
@@ -1881,7 +1971,7 @@
           <p:cNvPr id="6" name="页脚占位符 5">
             <a:extLst>
               <a:ext uri="{FF2B5EF4-FFF2-40B4-BE49-F238E27FC236}">
-                <a16:creationId xmlns:a16="http://schemas.microsoft.com/office/drawing/2014/main" xmlns="" id="{56825C09-3C8F-4FDE-9028-0EC4DA6A0A65}"/>
+                <a16:creationId xmlns:a16="http://schemas.microsoft.com/office/drawing/2014/main" id="{56825C09-3C8F-4FDE-9028-0EC4DA6A0A65}"/>
               </a:ext>
             </a:extLst>
           </p:cNvPr>
@@ -1906,7 +1996,7 @@
           <p:cNvPr id="7" name="灯片编号占位符 6">
             <a:extLst>
               <a:ext uri="{FF2B5EF4-FFF2-40B4-BE49-F238E27FC236}">
-                <a16:creationId xmlns:a16="http://schemas.microsoft.com/office/drawing/2014/main" xmlns="" id="{5BB147AD-02CB-4FEF-9803-3AD747F4A9DA}"/>
+                <a16:creationId xmlns:a16="http://schemas.microsoft.com/office/drawing/2014/main" id="{5BB147AD-02CB-4FEF-9803-3AD747F4A9DA}"/>
               </a:ext>
             </a:extLst>
           </p:cNvPr>
@@ -1965,7 +2055,7 @@
           <p:cNvPr id="2" name="标题 1">
             <a:extLst>
               <a:ext uri="{FF2B5EF4-FFF2-40B4-BE49-F238E27FC236}">
-                <a16:creationId xmlns:a16="http://schemas.microsoft.com/office/drawing/2014/main" xmlns="" id="{34267D9E-06D9-4EF2-A0E8-79C7096F8883}"/>
+                <a16:creationId xmlns:a16="http://schemas.microsoft.com/office/drawing/2014/main" id="{34267D9E-06D9-4EF2-A0E8-79C7096F8883}"/>
               </a:ext>
             </a:extLst>
           </p:cNvPr>
@@ -1998,7 +2088,7 @@
           <p:cNvPr id="3" name="文本占位符 2">
             <a:extLst>
               <a:ext uri="{FF2B5EF4-FFF2-40B4-BE49-F238E27FC236}">
-                <a16:creationId xmlns:a16="http://schemas.microsoft.com/office/drawing/2014/main" xmlns="" id="{B09CBB3F-04ED-4E96-85BC-45D2FE8ADEED}"/>
+                <a16:creationId xmlns:a16="http://schemas.microsoft.com/office/drawing/2014/main" id="{B09CBB3F-04ED-4E96-85BC-45D2FE8ADEED}"/>
               </a:ext>
             </a:extLst>
           </p:cNvPr>
@@ -2069,7 +2159,7 @@
           <p:cNvPr id="4" name="内容占位符 3">
             <a:extLst>
               <a:ext uri="{FF2B5EF4-FFF2-40B4-BE49-F238E27FC236}">
-                <a16:creationId xmlns:a16="http://schemas.microsoft.com/office/drawing/2014/main" xmlns="" id="{66ED13ED-265D-4C02-B04A-2DC92E4D28A5}"/>
+                <a16:creationId xmlns:a16="http://schemas.microsoft.com/office/drawing/2014/main" id="{66ED13ED-265D-4C02-B04A-2DC92E4D28A5}"/>
               </a:ext>
             </a:extLst>
           </p:cNvPr>
@@ -2131,7 +2221,7 @@
           <p:cNvPr id="5" name="文本占位符 4">
             <a:extLst>
               <a:ext uri="{FF2B5EF4-FFF2-40B4-BE49-F238E27FC236}">
-                <a16:creationId xmlns:a16="http://schemas.microsoft.com/office/drawing/2014/main" xmlns="" id="{AF143136-1F37-41CF-AEAA-FCAA842E5CD4}"/>
+                <a16:creationId xmlns:a16="http://schemas.microsoft.com/office/drawing/2014/main" id="{AF143136-1F37-41CF-AEAA-FCAA842E5CD4}"/>
               </a:ext>
             </a:extLst>
           </p:cNvPr>
@@ -2202,7 +2292,7 @@
           <p:cNvPr id="6" name="内容占位符 5">
             <a:extLst>
               <a:ext uri="{FF2B5EF4-FFF2-40B4-BE49-F238E27FC236}">
-                <a16:creationId xmlns:a16="http://schemas.microsoft.com/office/drawing/2014/main" xmlns="" id="{EF7ABDDA-2961-4E13-89FF-843F08F6AE09}"/>
+                <a16:creationId xmlns:a16="http://schemas.microsoft.com/office/drawing/2014/main" id="{EF7ABDDA-2961-4E13-89FF-843F08F6AE09}"/>
               </a:ext>
             </a:extLst>
           </p:cNvPr>
@@ -2264,7 +2354,7 @@
           <p:cNvPr id="7" name="日期占位符 6">
             <a:extLst>
               <a:ext uri="{FF2B5EF4-FFF2-40B4-BE49-F238E27FC236}">
-                <a16:creationId xmlns:a16="http://schemas.microsoft.com/office/drawing/2014/main" xmlns="" id="{D43BFE62-F4DC-4ABC-A464-371FF95799C2}"/>
+                <a16:creationId xmlns:a16="http://schemas.microsoft.com/office/drawing/2014/main" id="{D43BFE62-F4DC-4ABC-A464-371FF95799C2}"/>
               </a:ext>
             </a:extLst>
           </p:cNvPr>
@@ -2282,7 +2372,7 @@
           <a:p>
             <a:fld id="{C644BD20-44D0-4038-94E9-A3097F45C8CC}" type="datetimeFigureOut">
               <a:rPr lang="zh-CN" altLang="en-US" smtClean="0"/>
-              <a:t>2018/11/28</a:t>
+              <a:t>2018/11/29</a:t>
             </a:fld>
             <a:endParaRPr lang="zh-CN" altLang="en-US"/>
           </a:p>
@@ -2293,7 +2383,7 @@
           <p:cNvPr id="8" name="页脚占位符 7">
             <a:extLst>
               <a:ext uri="{FF2B5EF4-FFF2-40B4-BE49-F238E27FC236}">
-                <a16:creationId xmlns:a16="http://schemas.microsoft.com/office/drawing/2014/main" xmlns="" id="{086EE1FA-143B-4CE2-9DBF-64A45E0315E3}"/>
+                <a16:creationId xmlns:a16="http://schemas.microsoft.com/office/drawing/2014/main" id="{086EE1FA-143B-4CE2-9DBF-64A45E0315E3}"/>
               </a:ext>
             </a:extLst>
           </p:cNvPr>
@@ -2318,7 +2408,7 @@
           <p:cNvPr id="9" name="灯片编号占位符 8">
             <a:extLst>
               <a:ext uri="{FF2B5EF4-FFF2-40B4-BE49-F238E27FC236}">
-                <a16:creationId xmlns:a16="http://schemas.microsoft.com/office/drawing/2014/main" xmlns="" id="{351D4531-8456-433C-83F1-59DFEE1208E7}"/>
+                <a16:creationId xmlns:a16="http://schemas.microsoft.com/office/drawing/2014/main" id="{351D4531-8456-433C-83F1-59DFEE1208E7}"/>
               </a:ext>
             </a:extLst>
           </p:cNvPr>
@@ -2377,7 +2467,7 @@
           <p:cNvPr id="2" name="标题 1">
             <a:extLst>
               <a:ext uri="{FF2B5EF4-FFF2-40B4-BE49-F238E27FC236}">
-                <a16:creationId xmlns:a16="http://schemas.microsoft.com/office/drawing/2014/main" xmlns="" id="{16F4C699-002A-4B86-AF6B-2EB9D59D136D}"/>
+                <a16:creationId xmlns:a16="http://schemas.microsoft.com/office/drawing/2014/main" id="{16F4C699-002A-4B86-AF6B-2EB9D59D136D}"/>
               </a:ext>
             </a:extLst>
           </p:cNvPr>
@@ -2405,7 +2495,7 @@
           <p:cNvPr id="3" name="日期占位符 2">
             <a:extLst>
               <a:ext uri="{FF2B5EF4-FFF2-40B4-BE49-F238E27FC236}">
-                <a16:creationId xmlns:a16="http://schemas.microsoft.com/office/drawing/2014/main" xmlns="" id="{86777CDD-E07E-45E9-9191-44C58ADA654C}"/>
+                <a16:creationId xmlns:a16="http://schemas.microsoft.com/office/drawing/2014/main" id="{86777CDD-E07E-45E9-9191-44C58ADA654C}"/>
               </a:ext>
             </a:extLst>
           </p:cNvPr>
@@ -2423,7 +2513,7 @@
           <a:p>
             <a:fld id="{C644BD20-44D0-4038-94E9-A3097F45C8CC}" type="datetimeFigureOut">
               <a:rPr lang="zh-CN" altLang="en-US" smtClean="0"/>
-              <a:t>2018/11/28</a:t>
+              <a:t>2018/11/29</a:t>
             </a:fld>
             <a:endParaRPr lang="zh-CN" altLang="en-US"/>
           </a:p>
@@ -2434,7 +2524,7 @@
           <p:cNvPr id="4" name="页脚占位符 3">
             <a:extLst>
               <a:ext uri="{FF2B5EF4-FFF2-40B4-BE49-F238E27FC236}">
-                <a16:creationId xmlns:a16="http://schemas.microsoft.com/office/drawing/2014/main" xmlns="" id="{067DCFFC-4B6F-45D6-9EB4-08DFCC5354E3}"/>
+                <a16:creationId xmlns:a16="http://schemas.microsoft.com/office/drawing/2014/main" id="{067DCFFC-4B6F-45D6-9EB4-08DFCC5354E3}"/>
               </a:ext>
             </a:extLst>
           </p:cNvPr>
@@ -2459,7 +2549,7 @@
           <p:cNvPr id="5" name="灯片编号占位符 4">
             <a:extLst>
               <a:ext uri="{FF2B5EF4-FFF2-40B4-BE49-F238E27FC236}">
-                <a16:creationId xmlns:a16="http://schemas.microsoft.com/office/drawing/2014/main" xmlns="" id="{C012F4C3-B876-498A-9A10-ACB421C1F579}"/>
+                <a16:creationId xmlns:a16="http://schemas.microsoft.com/office/drawing/2014/main" id="{C012F4C3-B876-498A-9A10-ACB421C1F579}"/>
               </a:ext>
             </a:extLst>
           </p:cNvPr>
@@ -2518,7 +2608,7 @@
           <p:cNvPr id="2" name="日期占位符 1">
             <a:extLst>
               <a:ext uri="{FF2B5EF4-FFF2-40B4-BE49-F238E27FC236}">
-                <a16:creationId xmlns:a16="http://schemas.microsoft.com/office/drawing/2014/main" xmlns="" id="{240A8293-E280-4781-90D3-BE7F240B9893}"/>
+                <a16:creationId xmlns:a16="http://schemas.microsoft.com/office/drawing/2014/main" id="{240A8293-E280-4781-90D3-BE7F240B9893}"/>
               </a:ext>
             </a:extLst>
           </p:cNvPr>
@@ -2536,7 +2626,7 @@
           <a:p>
             <a:fld id="{C644BD20-44D0-4038-94E9-A3097F45C8CC}" type="datetimeFigureOut">
               <a:rPr lang="zh-CN" altLang="en-US" smtClean="0"/>
-              <a:t>2018/11/28</a:t>
+              <a:t>2018/11/29</a:t>
             </a:fld>
             <a:endParaRPr lang="zh-CN" altLang="en-US"/>
           </a:p>
@@ -2547,7 +2637,7 @@
           <p:cNvPr id="3" name="页脚占位符 2">
             <a:extLst>
               <a:ext uri="{FF2B5EF4-FFF2-40B4-BE49-F238E27FC236}">
-                <a16:creationId xmlns:a16="http://schemas.microsoft.com/office/drawing/2014/main" xmlns="" id="{D3C48F1A-05C2-41A9-BA9C-F12DEAE3CAD2}"/>
+                <a16:creationId xmlns:a16="http://schemas.microsoft.com/office/drawing/2014/main" id="{D3C48F1A-05C2-41A9-BA9C-F12DEAE3CAD2}"/>
               </a:ext>
             </a:extLst>
           </p:cNvPr>
@@ -2572,7 +2662,7 @@
           <p:cNvPr id="4" name="灯片编号占位符 3">
             <a:extLst>
               <a:ext uri="{FF2B5EF4-FFF2-40B4-BE49-F238E27FC236}">
-                <a16:creationId xmlns:a16="http://schemas.microsoft.com/office/drawing/2014/main" xmlns="" id="{E741DD6E-F035-4C0B-A0BA-83E81E4B4422}"/>
+                <a16:creationId xmlns:a16="http://schemas.microsoft.com/office/drawing/2014/main" id="{E741DD6E-F035-4C0B-A0BA-83E81E4B4422}"/>
               </a:ext>
             </a:extLst>
           </p:cNvPr>
@@ -2631,7 +2721,7 @@
           <p:cNvPr id="2" name="标题 1">
             <a:extLst>
               <a:ext uri="{FF2B5EF4-FFF2-40B4-BE49-F238E27FC236}">
-                <a16:creationId xmlns:a16="http://schemas.microsoft.com/office/drawing/2014/main" xmlns="" id="{EDAB6619-2368-44CF-9056-FCEAEBC75795}"/>
+                <a16:creationId xmlns:a16="http://schemas.microsoft.com/office/drawing/2014/main" id="{EDAB6619-2368-44CF-9056-FCEAEBC75795}"/>
               </a:ext>
             </a:extLst>
           </p:cNvPr>
@@ -2668,7 +2758,7 @@
           <p:cNvPr id="3" name="内容占位符 2">
             <a:extLst>
               <a:ext uri="{FF2B5EF4-FFF2-40B4-BE49-F238E27FC236}">
-                <a16:creationId xmlns:a16="http://schemas.microsoft.com/office/drawing/2014/main" xmlns="" id="{B8FA17FE-BF07-45C5-9719-4601D6593939}"/>
+                <a16:creationId xmlns:a16="http://schemas.microsoft.com/office/drawing/2014/main" id="{B8FA17FE-BF07-45C5-9719-4601D6593939}"/>
               </a:ext>
             </a:extLst>
           </p:cNvPr>
@@ -2758,7 +2848,7 @@
           <p:cNvPr id="4" name="文本占位符 3">
             <a:extLst>
               <a:ext uri="{FF2B5EF4-FFF2-40B4-BE49-F238E27FC236}">
-                <a16:creationId xmlns:a16="http://schemas.microsoft.com/office/drawing/2014/main" xmlns="" id="{3EDD9014-DFBB-4A24-9121-4F8535792558}"/>
+                <a16:creationId xmlns:a16="http://schemas.microsoft.com/office/drawing/2014/main" id="{3EDD9014-DFBB-4A24-9121-4F8535792558}"/>
               </a:ext>
             </a:extLst>
           </p:cNvPr>
@@ -2829,7 +2919,7 @@
           <p:cNvPr id="5" name="日期占位符 4">
             <a:extLst>
               <a:ext uri="{FF2B5EF4-FFF2-40B4-BE49-F238E27FC236}">
-                <a16:creationId xmlns:a16="http://schemas.microsoft.com/office/drawing/2014/main" xmlns="" id="{1EC27A94-E214-450E-BA28-F06AF627D545}"/>
+                <a16:creationId xmlns:a16="http://schemas.microsoft.com/office/drawing/2014/main" id="{1EC27A94-E214-450E-BA28-F06AF627D545}"/>
               </a:ext>
             </a:extLst>
           </p:cNvPr>
@@ -2847,7 +2937,7 @@
           <a:p>
             <a:fld id="{C644BD20-44D0-4038-94E9-A3097F45C8CC}" type="datetimeFigureOut">
               <a:rPr lang="zh-CN" altLang="en-US" smtClean="0"/>
-              <a:t>2018/11/28</a:t>
+              <a:t>2018/11/29</a:t>
             </a:fld>
             <a:endParaRPr lang="zh-CN" altLang="en-US"/>
           </a:p>
@@ -2858,7 +2948,7 @@
           <p:cNvPr id="6" name="页脚占位符 5">
             <a:extLst>
               <a:ext uri="{FF2B5EF4-FFF2-40B4-BE49-F238E27FC236}">
-                <a16:creationId xmlns:a16="http://schemas.microsoft.com/office/drawing/2014/main" xmlns="" id="{C781FF70-9202-4CE3-846C-225CBA8D0649}"/>
+                <a16:creationId xmlns:a16="http://schemas.microsoft.com/office/drawing/2014/main" id="{C781FF70-9202-4CE3-846C-225CBA8D0649}"/>
               </a:ext>
             </a:extLst>
           </p:cNvPr>
@@ -2883,7 +2973,7 @@
           <p:cNvPr id="7" name="灯片编号占位符 6">
             <a:extLst>
               <a:ext uri="{FF2B5EF4-FFF2-40B4-BE49-F238E27FC236}">
-                <a16:creationId xmlns:a16="http://schemas.microsoft.com/office/drawing/2014/main" xmlns="" id="{C20179E8-0004-4E2A-841E-908C6A6861B8}"/>
+                <a16:creationId xmlns:a16="http://schemas.microsoft.com/office/drawing/2014/main" id="{C20179E8-0004-4E2A-841E-908C6A6861B8}"/>
               </a:ext>
             </a:extLst>
           </p:cNvPr>
@@ -2942,7 +3032,7 @@
           <p:cNvPr id="2" name="标题 1">
             <a:extLst>
               <a:ext uri="{FF2B5EF4-FFF2-40B4-BE49-F238E27FC236}">
-                <a16:creationId xmlns:a16="http://schemas.microsoft.com/office/drawing/2014/main" xmlns="" id="{74F3044D-815C-4537-A666-FFBF734A62BF}"/>
+                <a16:creationId xmlns:a16="http://schemas.microsoft.com/office/drawing/2014/main" id="{74F3044D-815C-4537-A666-FFBF734A62BF}"/>
               </a:ext>
             </a:extLst>
           </p:cNvPr>
@@ -2979,7 +3069,7 @@
           <p:cNvPr id="3" name="图片占位符 2">
             <a:extLst>
               <a:ext uri="{FF2B5EF4-FFF2-40B4-BE49-F238E27FC236}">
-                <a16:creationId xmlns:a16="http://schemas.microsoft.com/office/drawing/2014/main" xmlns="" id="{3B8C8BC5-F9B3-40C5-8139-D69B4E891F12}"/>
+                <a16:creationId xmlns:a16="http://schemas.microsoft.com/office/drawing/2014/main" id="{3B8C8BC5-F9B3-40C5-8139-D69B4E891F12}"/>
               </a:ext>
             </a:extLst>
           </p:cNvPr>
@@ -3046,7 +3136,7 @@
           <p:cNvPr id="4" name="文本占位符 3">
             <a:extLst>
               <a:ext uri="{FF2B5EF4-FFF2-40B4-BE49-F238E27FC236}">
-                <a16:creationId xmlns:a16="http://schemas.microsoft.com/office/drawing/2014/main" xmlns="" id="{B45388DF-2E1C-4192-81D4-DFC6DB418F3F}"/>
+                <a16:creationId xmlns:a16="http://schemas.microsoft.com/office/drawing/2014/main" id="{B45388DF-2E1C-4192-81D4-DFC6DB418F3F}"/>
               </a:ext>
             </a:extLst>
           </p:cNvPr>
@@ -3117,7 +3207,7 @@
           <p:cNvPr id="5" name="日期占位符 4">
             <a:extLst>
               <a:ext uri="{FF2B5EF4-FFF2-40B4-BE49-F238E27FC236}">
-                <a16:creationId xmlns:a16="http://schemas.microsoft.com/office/drawing/2014/main" xmlns="" id="{2D734718-2E1E-457E-847D-DEAD4A5AD00D}"/>
+                <a16:creationId xmlns:a16="http://schemas.microsoft.com/office/drawing/2014/main" id="{2D734718-2E1E-457E-847D-DEAD4A5AD00D}"/>
               </a:ext>
             </a:extLst>
           </p:cNvPr>
@@ -3135,7 +3225,7 @@
           <a:p>
             <a:fld id="{C644BD20-44D0-4038-94E9-A3097F45C8CC}" type="datetimeFigureOut">
               <a:rPr lang="zh-CN" altLang="en-US" smtClean="0"/>
-              <a:t>2018/11/28</a:t>
+              <a:t>2018/11/29</a:t>
             </a:fld>
             <a:endParaRPr lang="zh-CN" altLang="en-US"/>
           </a:p>
@@ -3146,7 +3236,7 @@
           <p:cNvPr id="6" name="页脚占位符 5">
             <a:extLst>
               <a:ext uri="{FF2B5EF4-FFF2-40B4-BE49-F238E27FC236}">
-                <a16:creationId xmlns:a16="http://schemas.microsoft.com/office/drawing/2014/main" xmlns="" id="{FD6C6301-D7B6-4185-8554-A53DD5734081}"/>
+                <a16:creationId xmlns:a16="http://schemas.microsoft.com/office/drawing/2014/main" id="{FD6C6301-D7B6-4185-8554-A53DD5734081}"/>
               </a:ext>
             </a:extLst>
           </p:cNvPr>
@@ -3171,7 +3261,7 @@
           <p:cNvPr id="7" name="灯片编号占位符 6">
             <a:extLst>
               <a:ext uri="{FF2B5EF4-FFF2-40B4-BE49-F238E27FC236}">
-                <a16:creationId xmlns:a16="http://schemas.microsoft.com/office/drawing/2014/main" xmlns="" id="{6627AB79-6B49-4693-96D7-C5A062EDD486}"/>
+                <a16:creationId xmlns:a16="http://schemas.microsoft.com/office/drawing/2014/main" id="{6627AB79-6B49-4693-96D7-C5A062EDD486}"/>
               </a:ext>
             </a:extLst>
           </p:cNvPr>
@@ -3235,7 +3325,7 @@
           <p:cNvPr id="2" name="标题占位符 1">
             <a:extLst>
               <a:ext uri="{FF2B5EF4-FFF2-40B4-BE49-F238E27FC236}">
-                <a16:creationId xmlns:a16="http://schemas.microsoft.com/office/drawing/2014/main" xmlns="" id="{082734F7-517D-4A0A-9EAC-2A8BE9ACC40D}"/>
+                <a16:creationId xmlns:a16="http://schemas.microsoft.com/office/drawing/2014/main" id="{082734F7-517D-4A0A-9EAC-2A8BE9ACC40D}"/>
               </a:ext>
             </a:extLst>
           </p:cNvPr>
@@ -3273,7 +3363,7 @@
           <p:cNvPr id="3" name="文本占位符 2">
             <a:extLst>
               <a:ext uri="{FF2B5EF4-FFF2-40B4-BE49-F238E27FC236}">
-                <a16:creationId xmlns:a16="http://schemas.microsoft.com/office/drawing/2014/main" xmlns="" id="{9FDDBEB1-A287-4FD5-8DA5-E8D5431E3937}"/>
+                <a16:creationId xmlns:a16="http://schemas.microsoft.com/office/drawing/2014/main" id="{9FDDBEB1-A287-4FD5-8DA5-E8D5431E3937}"/>
               </a:ext>
             </a:extLst>
           </p:cNvPr>
@@ -3340,7 +3430,7 @@
           <p:cNvPr id="4" name="日期占位符 3">
             <a:extLst>
               <a:ext uri="{FF2B5EF4-FFF2-40B4-BE49-F238E27FC236}">
-                <a16:creationId xmlns:a16="http://schemas.microsoft.com/office/drawing/2014/main" xmlns="" id="{3B6A491F-EE08-48AD-8D03-A70CABF22D3F}"/>
+                <a16:creationId xmlns:a16="http://schemas.microsoft.com/office/drawing/2014/main" id="{3B6A491F-EE08-48AD-8D03-A70CABF22D3F}"/>
               </a:ext>
             </a:extLst>
           </p:cNvPr>
@@ -3376,7 +3466,7 @@
           <a:p>
             <a:fld id="{C644BD20-44D0-4038-94E9-A3097F45C8CC}" type="datetimeFigureOut">
               <a:rPr lang="zh-CN" altLang="en-US" smtClean="0"/>
-              <a:t>2018/11/28</a:t>
+              <a:t>2018/11/29</a:t>
             </a:fld>
             <a:endParaRPr lang="zh-CN" altLang="en-US"/>
           </a:p>
@@ -3387,7 +3477,7 @@
           <p:cNvPr id="5" name="页脚占位符 4">
             <a:extLst>
               <a:ext uri="{FF2B5EF4-FFF2-40B4-BE49-F238E27FC236}">
-                <a16:creationId xmlns:a16="http://schemas.microsoft.com/office/drawing/2014/main" xmlns="" id="{06130D3F-B722-4BE5-8876-2EA53324485E}"/>
+                <a16:creationId xmlns:a16="http://schemas.microsoft.com/office/drawing/2014/main" id="{06130D3F-B722-4BE5-8876-2EA53324485E}"/>
               </a:ext>
             </a:extLst>
           </p:cNvPr>
@@ -3430,7 +3520,7 @@
           <p:cNvPr id="6" name="灯片编号占位符 5">
             <a:extLst>
               <a:ext uri="{FF2B5EF4-FFF2-40B4-BE49-F238E27FC236}">
-                <a16:creationId xmlns:a16="http://schemas.microsoft.com/office/drawing/2014/main" xmlns="" id="{16203E28-AB90-4F94-8E4A-379C4F81F561}"/>
+                <a16:creationId xmlns:a16="http://schemas.microsoft.com/office/drawing/2014/main" id="{16203E28-AB90-4F94-8E4A-379C4F81F561}"/>
               </a:ext>
             </a:extLst>
           </p:cNvPr>
@@ -3798,7 +3888,7 @@
           <p:cNvPr id="2" name="标题 1">
             <a:extLst>
               <a:ext uri="{FF2B5EF4-FFF2-40B4-BE49-F238E27FC236}">
-                <a16:creationId xmlns:a16="http://schemas.microsoft.com/office/drawing/2014/main" xmlns="" id="{7C1B3437-F901-430F-A20A-5F39FBF083E8}"/>
+                <a16:creationId xmlns:a16="http://schemas.microsoft.com/office/drawing/2014/main" id="{7C1B3437-F901-430F-A20A-5F39FBF083E8}"/>
               </a:ext>
             </a:extLst>
           </p:cNvPr>
@@ -3830,7 +3920,7 @@
           <p:cNvPr id="3" name="副标题 2">
             <a:extLst>
               <a:ext uri="{FF2B5EF4-FFF2-40B4-BE49-F238E27FC236}">
-                <a16:creationId xmlns:a16="http://schemas.microsoft.com/office/drawing/2014/main" xmlns="" id="{C2E76827-10F2-4A8D-9160-4055EDCEA050}"/>
+                <a16:creationId xmlns:a16="http://schemas.microsoft.com/office/drawing/2014/main" id="{C2E76827-10F2-4A8D-9160-4055EDCEA050}"/>
               </a:ext>
             </a:extLst>
           </p:cNvPr>
@@ -3889,7 +3979,7 @@
           <p:cNvPr id="2" name="标题 1">
             <a:extLst>
               <a:ext uri="{FF2B5EF4-FFF2-40B4-BE49-F238E27FC236}">
-                <a16:creationId xmlns:a16="http://schemas.microsoft.com/office/drawing/2014/main" xmlns="" id="{36F1F517-6737-4685-A312-CEABAFF80994}"/>
+                <a16:creationId xmlns:a16="http://schemas.microsoft.com/office/drawing/2014/main" id="{36F1F517-6737-4685-A312-CEABAFF80994}"/>
               </a:ext>
             </a:extLst>
           </p:cNvPr>
@@ -3921,7 +4011,7 @@
           <p:cNvPr id="3" name="内容占位符 2">
             <a:extLst>
               <a:ext uri="{FF2B5EF4-FFF2-40B4-BE49-F238E27FC236}">
-                <a16:creationId xmlns:a16="http://schemas.microsoft.com/office/drawing/2014/main" xmlns="" id="{C76CF721-9F87-4C37-854B-743F43361521}"/>
+                <a16:creationId xmlns:a16="http://schemas.microsoft.com/office/drawing/2014/main" id="{C76CF721-9F87-4C37-854B-743F43361521}"/>
               </a:ext>
             </a:extLst>
           </p:cNvPr>
@@ -4035,7 +4125,7 @@
           <p:cNvPr id="5" name="Picture 2" descr="http://chping.website/images/git/git_img1.png">
             <a:extLst>
               <a:ext uri="{FF2B5EF4-FFF2-40B4-BE49-F238E27FC236}">
-                <a16:creationId xmlns:a16="http://schemas.microsoft.com/office/drawing/2014/main" xmlns="" id="{0ECF5BDA-3092-4938-80F2-9C899B39E2FA}"/>
+                <a16:creationId xmlns:a16="http://schemas.microsoft.com/office/drawing/2014/main" id="{0ECF5BDA-3092-4938-80F2-9C899B39E2FA}"/>
               </a:ext>
             </a:extLst>
           </p:cNvPr>
@@ -4112,7 +4202,7 @@
           <p:cNvPr id="2" name="标题 1">
             <a:extLst>
               <a:ext uri="{FF2B5EF4-FFF2-40B4-BE49-F238E27FC236}">
-                <a16:creationId xmlns:a16="http://schemas.microsoft.com/office/drawing/2014/main" xmlns="" id="{0608876D-33FE-4E3D-BFB4-28FFEBED3E51}"/>
+                <a16:creationId xmlns:a16="http://schemas.microsoft.com/office/drawing/2014/main" id="{0608876D-33FE-4E3D-BFB4-28FFEBED3E51}"/>
               </a:ext>
             </a:extLst>
           </p:cNvPr>
@@ -4144,7 +4234,7 @@
           <p:cNvPr id="4" name="表格 3">
             <a:extLst>
               <a:ext uri="{FF2B5EF4-FFF2-40B4-BE49-F238E27FC236}">
-                <a16:creationId xmlns:a16="http://schemas.microsoft.com/office/drawing/2014/main" xmlns="" id="{D7D0F83E-15F3-4CCC-B882-EC664A5F6EF7}"/>
+                <a16:creationId xmlns:a16="http://schemas.microsoft.com/office/drawing/2014/main" id="{D7D0F83E-15F3-4CCC-B882-EC664A5F6EF7}"/>
               </a:ext>
             </a:extLst>
           </p:cNvPr>
@@ -4173,14 +4263,14 @@
                 <a:gridCol w="1554578">
                   <a:extLst>
                     <a:ext uri="{9D8B030D-6E8A-4147-A177-3AD203B41FA5}">
-                      <a16:colId xmlns:a16="http://schemas.microsoft.com/office/drawing/2014/main" xmlns="" val="2936999390"/>
+                      <a16:colId xmlns:a16="http://schemas.microsoft.com/office/drawing/2014/main" val="2936999390"/>
                     </a:ext>
                   </a:extLst>
                 </a:gridCol>
                 <a:gridCol w="6573422">
                   <a:extLst>
                     <a:ext uri="{9D8B030D-6E8A-4147-A177-3AD203B41FA5}">
-                      <a16:colId xmlns:a16="http://schemas.microsoft.com/office/drawing/2014/main" xmlns="" val="3969583795"/>
+                      <a16:colId xmlns:a16="http://schemas.microsoft.com/office/drawing/2014/main" val="3969583795"/>
                     </a:ext>
                   </a:extLst>
                 </a:gridCol>
@@ -4218,7 +4308,7 @@
                 </a:tc>
                 <a:extLst>
                   <a:ext uri="{0D108BD9-81ED-4DB2-BD59-A6C34878D82A}">
-                    <a16:rowId xmlns:a16="http://schemas.microsoft.com/office/drawing/2014/main" xmlns="" val="746181096"/>
+                    <a16:rowId xmlns:a16="http://schemas.microsoft.com/office/drawing/2014/main" val="746181096"/>
                   </a:ext>
                 </a:extLst>
               </a:tr>
@@ -4270,7 +4360,7 @@
                 </a:tc>
                 <a:extLst>
                   <a:ext uri="{0D108BD9-81ED-4DB2-BD59-A6C34878D82A}">
-                    <a16:rowId xmlns:a16="http://schemas.microsoft.com/office/drawing/2014/main" xmlns="" val="1419196499"/>
+                    <a16:rowId xmlns:a16="http://schemas.microsoft.com/office/drawing/2014/main" val="1419196499"/>
                   </a:ext>
                 </a:extLst>
               </a:tr>
@@ -4322,7 +4412,7 @@
                 </a:tc>
                 <a:extLst>
                   <a:ext uri="{0D108BD9-81ED-4DB2-BD59-A6C34878D82A}">
-                    <a16:rowId xmlns:a16="http://schemas.microsoft.com/office/drawing/2014/main" xmlns="" val="1661427430"/>
+                    <a16:rowId xmlns:a16="http://schemas.microsoft.com/office/drawing/2014/main" val="1661427430"/>
                   </a:ext>
                 </a:extLst>
               </a:tr>
@@ -4382,7 +4472,7 @@
                 </a:tc>
                 <a:extLst>
                   <a:ext uri="{0D108BD9-81ED-4DB2-BD59-A6C34878D82A}">
-                    <a16:rowId xmlns:a16="http://schemas.microsoft.com/office/drawing/2014/main" xmlns="" val="2129716907"/>
+                    <a16:rowId xmlns:a16="http://schemas.microsoft.com/office/drawing/2014/main" val="2129716907"/>
                   </a:ext>
                 </a:extLst>
               </a:tr>
@@ -4432,7 +4522,7 @@
                 </a:tc>
                 <a:extLst>
                   <a:ext uri="{0D108BD9-81ED-4DB2-BD59-A6C34878D82A}">
-                    <a16:rowId xmlns:a16="http://schemas.microsoft.com/office/drawing/2014/main" xmlns="" val="3552340925"/>
+                    <a16:rowId xmlns:a16="http://schemas.microsoft.com/office/drawing/2014/main" val="3552340925"/>
                   </a:ext>
                 </a:extLst>
               </a:tr>
@@ -4482,7 +4572,7 @@
                 </a:tc>
                 <a:extLst>
                   <a:ext uri="{0D108BD9-81ED-4DB2-BD59-A6C34878D82A}">
-                    <a16:rowId xmlns:a16="http://schemas.microsoft.com/office/drawing/2014/main" xmlns="" val="3263814931"/>
+                    <a16:rowId xmlns:a16="http://schemas.microsoft.com/office/drawing/2014/main" val="3263814931"/>
                   </a:ext>
                 </a:extLst>
               </a:tr>
@@ -4532,7 +4622,7 @@
                 </a:tc>
                 <a:extLst>
                   <a:ext uri="{0D108BD9-81ED-4DB2-BD59-A6C34878D82A}">
-                    <a16:rowId xmlns:a16="http://schemas.microsoft.com/office/drawing/2014/main" xmlns="" val="1718611265"/>
+                    <a16:rowId xmlns:a16="http://schemas.microsoft.com/office/drawing/2014/main" val="1718611265"/>
                   </a:ext>
                 </a:extLst>
               </a:tr>
@@ -4582,7 +4672,7 @@
                 </a:tc>
                 <a:extLst>
                   <a:ext uri="{0D108BD9-81ED-4DB2-BD59-A6C34878D82A}">
-                    <a16:rowId xmlns:a16="http://schemas.microsoft.com/office/drawing/2014/main" xmlns="" val="3534578178"/>
+                    <a16:rowId xmlns:a16="http://schemas.microsoft.com/office/drawing/2014/main" val="3534578178"/>
                   </a:ext>
                 </a:extLst>
               </a:tr>
@@ -4633,7 +4723,7 @@
                 </a:tc>
                 <a:extLst>
                   <a:ext uri="{0D108BD9-81ED-4DB2-BD59-A6C34878D82A}">
-                    <a16:rowId xmlns:a16="http://schemas.microsoft.com/office/drawing/2014/main" xmlns="" val="1216283886"/>
+                    <a16:rowId xmlns:a16="http://schemas.microsoft.com/office/drawing/2014/main" val="1216283886"/>
                   </a:ext>
                 </a:extLst>
               </a:tr>
@@ -4684,7 +4774,7 @@
                 </a:tc>
                 <a:extLst>
                   <a:ext uri="{0D108BD9-81ED-4DB2-BD59-A6C34878D82A}">
-                    <a16:rowId xmlns:a16="http://schemas.microsoft.com/office/drawing/2014/main" xmlns="" val="2591325899"/>
+                    <a16:rowId xmlns:a16="http://schemas.microsoft.com/office/drawing/2014/main" val="2591325899"/>
                   </a:ext>
                 </a:extLst>
               </a:tr>
@@ -4743,7 +4833,7 @@
                 </a:tc>
                 <a:extLst>
                   <a:ext uri="{0D108BD9-81ED-4DB2-BD59-A6C34878D82A}">
-                    <a16:rowId xmlns:a16="http://schemas.microsoft.com/office/drawing/2014/main" xmlns="" val="2718891614"/>
+                    <a16:rowId xmlns:a16="http://schemas.microsoft.com/office/drawing/2014/main" val="2718891614"/>
                   </a:ext>
                 </a:extLst>
               </a:tr>
@@ -4785,17 +4875,16 @@
                     <a:lstStyle/>
                     <a:p>
                       <a:r>
-                        <a:rPr lang="zh-CN" altLang="en-US" dirty="0" smtClean="0"/>
+                        <a:rPr lang="zh-CN" altLang="en-US" dirty="0"/>
                         <a:t>添加标签</a:t>
                       </a:r>
-                      <a:endParaRPr lang="zh-CN" altLang="en-US" dirty="0"/>
                     </a:p>
                   </a:txBody>
                   <a:tcPr/>
                 </a:tc>
                 <a:extLst>
                   <a:ext uri="{0D108BD9-81ED-4DB2-BD59-A6C34878D82A}">
-                    <a16:rowId xmlns:a16="http://schemas.microsoft.com/office/drawing/2014/main" xmlns="" val="788308873"/>
+                    <a16:rowId xmlns:a16="http://schemas.microsoft.com/office/drawing/2014/main" val="788308873"/>
                   </a:ext>
                 </a:extLst>
               </a:tr>
@@ -4823,11 +4912,11 @@
                         <a:defRPr/>
                       </a:pPr>
                       <a:r>
-                        <a:rPr lang="en-US" altLang="zh-CN" dirty="0" err="1" smtClean="0"/>
+                        <a:rPr lang="en-US" altLang="zh-CN" dirty="0" err="1"/>
                         <a:t>git</a:t>
                       </a:r>
                       <a:r>
-                        <a:rPr lang="en-US" altLang="zh-CN" dirty="0" smtClean="0"/>
+                        <a:rPr lang="en-US" altLang="zh-CN" dirty="0"/>
                         <a:t> fetch</a:t>
                       </a:r>
                       <a:endParaRPr lang="zh-CN" altLang="en-US" dirty="0"/>
@@ -4841,14 +4930,18 @@
                     <a:lstStyle/>
                     <a:p>
                       <a:r>
-                        <a:rPr lang="zh-CN" altLang="en-US" dirty="0" smtClean="0"/>
+                        <a:rPr lang="zh-CN" altLang="en-US" dirty="0"/>
                         <a:t>从远程仓库获取本地仓库没有的分支和标签</a:t>
                       </a:r>
-                      <a:endParaRPr lang="zh-CN" altLang="en-US" dirty="0"/>
                     </a:p>
                   </a:txBody>
                   <a:tcPr/>
                 </a:tc>
+                <a:extLst>
+                  <a:ext uri="{0D108BD9-81ED-4DB2-BD59-A6C34878D82A}">
+                    <a16:rowId xmlns:a16="http://schemas.microsoft.com/office/drawing/2014/main" val="10012"/>
+                  </a:ext>
+                </a:extLst>
               </a:tr>
             </a:tbl>
           </a:graphicData>
@@ -4889,7 +4982,7 @@
           <p:cNvPr id="2" name="标题 1">
             <a:extLst>
               <a:ext uri="{FF2B5EF4-FFF2-40B4-BE49-F238E27FC236}">
-                <a16:creationId xmlns:a16="http://schemas.microsoft.com/office/drawing/2014/main" xmlns="" id="{ABE1DCDD-79C6-44FA-9D6D-C8EAAB251B86}"/>
+                <a16:creationId xmlns:a16="http://schemas.microsoft.com/office/drawing/2014/main" id="{ABE1DCDD-79C6-44FA-9D6D-C8EAAB251B86}"/>
               </a:ext>
             </a:extLst>
           </p:cNvPr>
@@ -4929,7 +5022,7 @@
           <p:cNvPr id="4" name="图片 3">
             <a:extLst>
               <a:ext uri="{FF2B5EF4-FFF2-40B4-BE49-F238E27FC236}">
-                <a16:creationId xmlns:a16="http://schemas.microsoft.com/office/drawing/2014/main" xmlns="" id="{670202B9-FE9C-439E-AFDF-685558CE5BDE}"/>
+                <a16:creationId xmlns:a16="http://schemas.microsoft.com/office/drawing/2014/main" id="{670202B9-FE9C-439E-AFDF-685558CE5BDE}"/>
               </a:ext>
             </a:extLst>
           </p:cNvPr>
@@ -4989,7 +5082,7 @@
           <p:cNvPr id="2" name="标题 1">
             <a:extLst>
               <a:ext uri="{FF2B5EF4-FFF2-40B4-BE49-F238E27FC236}">
-                <a16:creationId xmlns:a16="http://schemas.microsoft.com/office/drawing/2014/main" xmlns="" id="{F24A6C0E-4DC5-48F0-A304-F60598FEFFA4}"/>
+                <a16:creationId xmlns:a16="http://schemas.microsoft.com/office/drawing/2014/main" id="{F24A6C0E-4DC5-48F0-A304-F60598FEFFA4}"/>
               </a:ext>
             </a:extLst>
           </p:cNvPr>
@@ -5029,7 +5122,7 @@
           <p:cNvPr id="4" name="图片 3">
             <a:extLst>
               <a:ext uri="{FF2B5EF4-FFF2-40B4-BE49-F238E27FC236}">
-                <a16:creationId xmlns:a16="http://schemas.microsoft.com/office/drawing/2014/main" xmlns="" id="{B7C3CF60-F3F3-4681-873F-6F8EDC1C79F0}"/>
+                <a16:creationId xmlns:a16="http://schemas.microsoft.com/office/drawing/2014/main" id="{B7C3CF60-F3F3-4681-873F-6F8EDC1C79F0}"/>
               </a:ext>
             </a:extLst>
           </p:cNvPr>
@@ -5089,7 +5182,7 @@
           <p:cNvPr id="2" name="标题 1">
             <a:extLst>
               <a:ext uri="{FF2B5EF4-FFF2-40B4-BE49-F238E27FC236}">
-                <a16:creationId xmlns:a16="http://schemas.microsoft.com/office/drawing/2014/main" xmlns="" id="{CF70BB77-D6D6-4BE8-9C5E-607250C1DB00}"/>
+                <a16:creationId xmlns:a16="http://schemas.microsoft.com/office/drawing/2014/main" id="{CF70BB77-D6D6-4BE8-9C5E-607250C1DB00}"/>
               </a:ext>
             </a:extLst>
           </p:cNvPr>
@@ -5121,7 +5214,7 @@
           <p:cNvPr id="8" name="矩形 7">
             <a:extLst>
               <a:ext uri="{FF2B5EF4-FFF2-40B4-BE49-F238E27FC236}">
-                <a16:creationId xmlns:a16="http://schemas.microsoft.com/office/drawing/2014/main" xmlns="" id="{A017BC66-3574-420A-A8B6-96BD7A7E005A}"/>
+                <a16:creationId xmlns:a16="http://schemas.microsoft.com/office/drawing/2014/main" id="{A017BC66-3574-420A-A8B6-96BD7A7E005A}"/>
               </a:ext>
             </a:extLst>
           </p:cNvPr>
@@ -5228,15 +5321,6 @@
             </a:endParaRPr>
           </a:p>
           <a:p>
-            <a:r>
-              <a:rPr lang="zh-CN" altLang="en-US" dirty="0">
-                <a:solidFill>
-                  <a:srgbClr val="24292E"/>
-                </a:solidFill>
-                <a:latin typeface="Consolas" panose="020B0609020204030204" pitchFamily="49" charset="0"/>
-              </a:rPr>
-              <a:t/>
-            </a:r>
             <a:br>
               <a:rPr lang="zh-CN" altLang="en-US" dirty="0">
                 <a:solidFill>
@@ -5333,15 +5417,6 @@
             </a:endParaRPr>
           </a:p>
           <a:p>
-            <a:r>
-              <a:rPr lang="zh-CN" altLang="en-US" dirty="0">
-                <a:solidFill>
-                  <a:srgbClr val="24292E"/>
-                </a:solidFill>
-                <a:latin typeface="Consolas" panose="020B0609020204030204" pitchFamily="49" charset="0"/>
-              </a:rPr>
-              <a:t/>
-            </a:r>
             <a:br>
               <a:rPr lang="zh-CN" altLang="en-US" dirty="0">
                 <a:solidFill>
@@ -5491,7 +5566,7 @@
           <p:cNvPr id="2" name="标题 1">
             <a:extLst>
               <a:ext uri="{FF2B5EF4-FFF2-40B4-BE49-F238E27FC236}">
-                <a16:creationId xmlns:a16="http://schemas.microsoft.com/office/drawing/2014/main" xmlns="" id="{8DAFE4CC-8247-4B2F-8A82-E90AA4E35AA0}"/>
+                <a16:creationId xmlns:a16="http://schemas.microsoft.com/office/drawing/2014/main" id="{8DAFE4CC-8247-4B2F-8A82-E90AA4E35AA0}"/>
               </a:ext>
             </a:extLst>
           </p:cNvPr>
@@ -5523,7 +5598,7 @@
           <p:cNvPr id="3" name="内容占位符 2">
             <a:extLst>
               <a:ext uri="{FF2B5EF4-FFF2-40B4-BE49-F238E27FC236}">
-                <a16:creationId xmlns:a16="http://schemas.microsoft.com/office/drawing/2014/main" xmlns="" id="{589376C7-1FB4-4418-A812-4714163B2851}"/>
+                <a16:creationId xmlns:a16="http://schemas.microsoft.com/office/drawing/2014/main" id="{589376C7-1FB4-4418-A812-4714163B2851}"/>
               </a:ext>
             </a:extLst>
           </p:cNvPr>
@@ -5553,13 +5628,9 @@
             </a:r>
             <a:r>
               <a:rPr lang="en-US" altLang="zh-CN" dirty="0"/>
-              <a:t> </a:t>
-            </a:r>
-            <a:r>
-              <a:rPr lang="en-US" altLang="zh-CN" dirty="0" smtClean="0"/>
-              <a:t>tag</a:t>
-            </a:r>
-            <a:endParaRPr lang="zh-CN" altLang="en-US" dirty="0" smtClean="0"/>
+              <a:t> tag</a:t>
+            </a:r>
+            <a:endParaRPr lang="zh-CN" altLang="en-US" dirty="0"/>
           </a:p>
           <a:p>
             <a:pPr lvl="1"/>
@@ -5576,21 +5647,16 @@
             <a:pPr lvl="1"/>
             <a:r>
               <a:rPr lang="en-US" altLang="zh-CN" dirty="0"/>
-              <a:t>git tag </a:t>
-            </a:r>
-            <a:r>
-              <a:rPr lang="en-US" altLang="zh-CN" dirty="0" smtClean="0"/>
-              <a:t>v1.1</a:t>
-            </a:r>
-            <a:endParaRPr lang="zh-CN" altLang="en-US" dirty="0" smtClean="0"/>
+              <a:t>git tag v1.1</a:t>
+            </a:r>
+            <a:endParaRPr lang="zh-CN" altLang="en-US" dirty="0"/>
           </a:p>
           <a:p>
             <a:pPr lvl="1"/>
             <a:r>
-              <a:rPr lang="zh-CN" altLang="en-US" dirty="0" smtClean="0"/>
+              <a:rPr lang="zh-CN" altLang="en-US" dirty="0"/>
               <a:t>对某个提交的引用</a:t>
             </a:r>
-            <a:endParaRPr lang="zh-CN" altLang="en-US" dirty="0" smtClean="0"/>
           </a:p>
           <a:p>
             <a:pPr lvl="1"/>
@@ -5607,18 +5673,14 @@
             <a:pPr lvl="1"/>
             <a:r>
               <a:rPr lang="en-US" altLang="zh-CN" dirty="0"/>
-              <a:t>git tag -a v1.4 -m ‘my version 1.4</a:t>
-            </a:r>
-            <a:r>
-              <a:rPr lang="en-US" altLang="zh-CN" dirty="0" smtClean="0"/>
-              <a:t>’</a:t>
-            </a:r>
-            <a:endParaRPr lang="zh-CN" altLang="en-US" dirty="0" smtClean="0"/>
+              <a:t>git tag -a v1.4 -m ‘my version 1.4’</a:t>
+            </a:r>
+            <a:endParaRPr lang="zh-CN" altLang="en-US" dirty="0"/>
           </a:p>
           <a:p>
             <a:pPr lvl="1"/>
             <a:r>
-              <a:rPr lang="zh-CN" altLang="en-US" dirty="0" smtClean="0"/>
+              <a:rPr lang="zh-CN" altLang="en-US" dirty="0"/>
               <a:t>完整的对象</a:t>
             </a:r>
             <a:endParaRPr lang="en-US" altLang="zh-CN" dirty="0"/>
@@ -5677,16 +5739,8 @@
           <a:lstStyle/>
           <a:p>
             <a:r>
-              <a:rPr kumimoji="1" lang="en-US" altLang="zh-CN" dirty="0" err="1" smtClean="0"/>
-              <a:t>G</a:t>
-            </a:r>
-            <a:r>
-              <a:rPr kumimoji="1" lang="en-US" altLang="zh-CN" dirty="0" err="1" smtClean="0"/>
-              <a:t>it</a:t>
-            </a:r>
-            <a:r>
-              <a:rPr kumimoji="1" lang="en-US" altLang="zh-CN" dirty="0" smtClean="0"/>
-              <a:t> fetch</a:t>
+              <a:rPr kumimoji="1" lang="en-US" altLang="zh-CN" dirty="0"/>
+              <a:t>Git fetch</a:t>
             </a:r>
             <a:endParaRPr kumimoji="1" lang="zh-CN" altLang="en-US" dirty="0"/>
           </a:p>
@@ -5707,7 +5761,34 @@
           <a:bodyPr/>
           <a:lstStyle/>
           <a:p>
-            <a:endParaRPr kumimoji="1" lang="zh-CN" altLang="en-US"/>
+            <a:r>
+              <a:rPr kumimoji="1" lang="zh-CN" altLang="en-US" dirty="0"/>
+              <a:t>获取远程仓库有本地仓库没有的分支和标签</a:t>
+            </a:r>
+            <a:endParaRPr kumimoji="1" lang="en-US" altLang="zh-CN" dirty="0"/>
+          </a:p>
+          <a:p>
+            <a:r>
+              <a:rPr kumimoji="1" lang="en-US" altLang="zh-CN" dirty="0"/>
+              <a:t>git fetch</a:t>
+            </a:r>
+          </a:p>
+          <a:p>
+            <a:endParaRPr kumimoji="1" lang="en-US" altLang="zh-CN" dirty="0"/>
+          </a:p>
+          <a:p>
+            <a:r>
+              <a:rPr kumimoji="1" lang="zh-CN" altLang="en-US" dirty="0"/>
+              <a:t>最常用的场景是</a:t>
+            </a:r>
+            <a:r>
+              <a:rPr kumimoji="1" lang="en-US" altLang="zh-CN" dirty="0"/>
+              <a:t>clone</a:t>
+            </a:r>
+            <a:r>
+              <a:rPr kumimoji="1" lang="zh-CN" altLang="en-US" dirty="0"/>
+              <a:t>了一个分支，但是想获取另外的分支</a:t>
+            </a:r>
           </a:p>
         </p:txBody>
       </p:sp>
@@ -5746,7 +5827,7 @@
           <p:cNvPr id="2" name="标题 1">
             <a:extLst>
               <a:ext uri="{FF2B5EF4-FFF2-40B4-BE49-F238E27FC236}">
-                <a16:creationId xmlns:a16="http://schemas.microsoft.com/office/drawing/2014/main" xmlns="" id="{16BA664A-18F0-4DFA-AE3F-1F0E1B35C30E}"/>
+                <a16:creationId xmlns:a16="http://schemas.microsoft.com/office/drawing/2014/main" id="{16BA664A-18F0-4DFA-AE3F-1F0E1B35C30E}"/>
               </a:ext>
             </a:extLst>
           </p:cNvPr>
@@ -5778,7 +5859,7 @@
           <p:cNvPr id="3" name="内容占位符 2">
             <a:extLst>
               <a:ext uri="{FF2B5EF4-FFF2-40B4-BE49-F238E27FC236}">
-                <a16:creationId xmlns:a16="http://schemas.microsoft.com/office/drawing/2014/main" xmlns="" id="{694A9721-0EDB-4D41-B34F-1AD1D6C5CD94}"/>
+                <a16:creationId xmlns:a16="http://schemas.microsoft.com/office/drawing/2014/main" id="{694A9721-0EDB-4D41-B34F-1AD1D6C5CD94}"/>
               </a:ext>
             </a:extLst>
           </p:cNvPr>
@@ -5845,19 +5926,14 @@
           <a:p>
             <a:r>
               <a:rPr lang="en-US" altLang="zh-CN" dirty="0"/>
-              <a:t>Cherry </a:t>
-            </a:r>
-            <a:r>
-              <a:rPr lang="en-US" altLang="zh-CN" dirty="0" smtClean="0"/>
-              <a:t>pick</a:t>
-            </a:r>
-          </a:p>
-          <a:p>
-            <a:r>
-              <a:rPr lang="en-US" altLang="zh-CN" dirty="0" smtClean="0"/>
+              <a:t>Cherry pick</a:t>
+            </a:r>
+          </a:p>
+          <a:p>
+            <a:r>
+              <a:rPr lang="en-US" altLang="zh-CN" dirty="0"/>
               <a:t>rebase</a:t>
             </a:r>
-            <a:endParaRPr lang="en-US" altLang="zh-CN" dirty="0"/>
           </a:p>
           <a:p>
             <a:endParaRPr lang="en-US" altLang="zh-CN" dirty="0"/>
@@ -5905,7 +5981,7 @@
           <p:cNvPr id="2" name="标题 1">
             <a:extLst>
               <a:ext uri="{FF2B5EF4-FFF2-40B4-BE49-F238E27FC236}">
-                <a16:creationId xmlns:a16="http://schemas.microsoft.com/office/drawing/2014/main" xmlns="" id="{BA580E90-B3FF-44E6-B3DC-4848A7010113}"/>
+                <a16:creationId xmlns:a16="http://schemas.microsoft.com/office/drawing/2014/main" id="{BA580E90-B3FF-44E6-B3DC-4848A7010113}"/>
               </a:ext>
             </a:extLst>
           </p:cNvPr>
@@ -5933,7 +6009,7 @@
           <p:cNvPr id="3" name="内容占位符 2">
             <a:extLst>
               <a:ext uri="{FF2B5EF4-FFF2-40B4-BE49-F238E27FC236}">
-                <a16:creationId xmlns:a16="http://schemas.microsoft.com/office/drawing/2014/main" xmlns="" id="{407AC736-9E32-4F5F-BC26-2FBEFD9B9077}"/>
+                <a16:creationId xmlns:a16="http://schemas.microsoft.com/office/drawing/2014/main" id="{407AC736-9E32-4F5F-BC26-2FBEFD9B9077}"/>
               </a:ext>
             </a:extLst>
           </p:cNvPr>
@@ -5950,33 +6026,33 @@
           <a:lstStyle/>
           <a:p>
             <a:r>
-              <a:rPr lang="zh-CN" altLang="en-US" dirty="0" smtClean="0"/>
+              <a:rPr lang="zh-CN" altLang="en-US" dirty="0"/>
               <a:t>使用</a:t>
             </a:r>
             <a:r>
-              <a:rPr lang="en-US" altLang="zh-CN" dirty="0" smtClean="0"/>
+              <a:rPr lang="en-US" altLang="zh-CN" dirty="0"/>
               <a:t>.</a:t>
             </a:r>
             <a:r>
-              <a:rPr lang="en-US" altLang="zh-CN" dirty="0" err="1" smtClean="0"/>
+              <a:rPr lang="en-US" altLang="zh-CN" dirty="0" err="1"/>
               <a:t>gitignore</a:t>
             </a:r>
             <a:r>
-              <a:rPr lang="zh-CN" altLang="en-US" dirty="0" smtClean="0"/>
+              <a:rPr lang="zh-CN" altLang="en-US" dirty="0"/>
               <a:t>可以使</a:t>
             </a:r>
             <a:r>
-              <a:rPr lang="en-US" altLang="zh-CN" dirty="0" err="1" smtClean="0"/>
+              <a:rPr lang="en-US" altLang="zh-CN" dirty="0" err="1"/>
               <a:t>git</a:t>
             </a:r>
             <a:r>
-              <a:rPr lang="zh-CN" altLang="en-US" dirty="0" smtClean="0"/>
+              <a:rPr lang="zh-CN" altLang="en-US" dirty="0"/>
               <a:t>将一些文件不纳入版本控制</a:t>
             </a:r>
           </a:p>
           <a:p>
             <a:r>
-              <a:rPr lang="zh-CN" altLang="en-US" dirty="0" smtClean="0"/>
+              <a:rPr lang="zh-CN" altLang="en-US" dirty="0"/>
               <a:t>一些临时文件，数据库文件，本地脚本等</a:t>
             </a:r>
           </a:p>
@@ -6013,6 +6089,51 @@
           </a:ln>
         </p:spPr>
       </p:pic>
+      <p:sp>
+        <p:nvSpPr>
+          <p:cNvPr id="5" name="矩形: 圆角 4">
+            <a:extLst>
+              <a:ext uri="{FF2B5EF4-FFF2-40B4-BE49-F238E27FC236}">
+                <a16:creationId xmlns:a16="http://schemas.microsoft.com/office/drawing/2014/main" id="{9F2D9566-2365-45C8-AE11-F559BF65AA36}"/>
+              </a:ext>
+            </a:extLst>
+          </p:cNvPr>
+          <p:cNvSpPr/>
+          <p:nvPr/>
+        </p:nvSpPr>
+        <p:spPr>
+          <a:xfrm>
+            <a:off x="6764784" y="5850384"/>
+            <a:ext cx="896645" cy="326579"/>
+          </a:xfrm>
+          <a:prstGeom prst="roundRect">
+            <a:avLst/>
+          </a:prstGeom>
+          <a:noFill/>
+        </p:spPr>
+        <p:style>
+          <a:lnRef idx="2">
+            <a:schemeClr val="accent2"/>
+          </a:lnRef>
+          <a:fillRef idx="1">
+            <a:schemeClr val="lt1"/>
+          </a:fillRef>
+          <a:effectRef idx="0">
+            <a:schemeClr val="accent2"/>
+          </a:effectRef>
+          <a:fontRef idx="minor">
+            <a:schemeClr val="dk1"/>
+          </a:fontRef>
+        </p:style>
+        <p:txBody>
+          <a:bodyPr rtlCol="0" anchor="ctr"/>
+          <a:lstStyle/>
+          <a:p>
+            <a:pPr algn="ctr"/>
+            <a:endParaRPr lang="zh-CN" altLang="en-US"/>
+          </a:p>
+        </p:txBody>
+      </p:sp>
     </p:spTree>
     <p:extLst>
       <p:ext uri="{BB962C8B-B14F-4D97-AF65-F5344CB8AC3E}">
@@ -6067,6 +6188,96 @@
           </a:prstGeom>
         </p:spPr>
       </p:pic>
+      <p:sp>
+        <p:nvSpPr>
+          <p:cNvPr id="2" name="矩形: 圆角 1">
+            <a:extLst>
+              <a:ext uri="{FF2B5EF4-FFF2-40B4-BE49-F238E27FC236}">
+                <a16:creationId xmlns:a16="http://schemas.microsoft.com/office/drawing/2014/main" id="{85181AEE-E293-4026-A0A6-CB13AA12B1AE}"/>
+              </a:ext>
+            </a:extLst>
+          </p:cNvPr>
+          <p:cNvSpPr/>
+          <p:nvPr/>
+        </p:nvSpPr>
+        <p:spPr>
+          <a:xfrm>
+            <a:off x="1908699" y="710214"/>
+            <a:ext cx="2405849" cy="301840"/>
+          </a:xfrm>
+          <a:prstGeom prst="roundRect">
+            <a:avLst/>
+          </a:prstGeom>
+          <a:noFill/>
+        </p:spPr>
+        <p:style>
+          <a:lnRef idx="2">
+            <a:schemeClr val="accent2"/>
+          </a:lnRef>
+          <a:fillRef idx="1">
+            <a:schemeClr val="lt1"/>
+          </a:fillRef>
+          <a:effectRef idx="0">
+            <a:schemeClr val="accent2"/>
+          </a:effectRef>
+          <a:fontRef idx="minor">
+            <a:schemeClr val="dk1"/>
+          </a:fontRef>
+        </p:style>
+        <p:txBody>
+          <a:bodyPr rtlCol="0" anchor="ctr"/>
+          <a:lstStyle/>
+          <a:p>
+            <a:pPr algn="ctr"/>
+            <a:endParaRPr lang="zh-CN" altLang="en-US"/>
+          </a:p>
+        </p:txBody>
+      </p:sp>
+      <p:sp>
+        <p:nvSpPr>
+          <p:cNvPr id="3" name="矩形: 圆角 2">
+            <a:extLst>
+              <a:ext uri="{FF2B5EF4-FFF2-40B4-BE49-F238E27FC236}">
+                <a16:creationId xmlns:a16="http://schemas.microsoft.com/office/drawing/2014/main" id="{2097F608-42D2-4FEE-9737-92B730D750E6}"/>
+              </a:ext>
+            </a:extLst>
+          </p:cNvPr>
+          <p:cNvSpPr/>
+          <p:nvPr/>
+        </p:nvSpPr>
+        <p:spPr>
+          <a:xfrm>
+            <a:off x="4314548" y="710214"/>
+            <a:ext cx="2325949" cy="301840"/>
+          </a:xfrm>
+          <a:prstGeom prst="roundRect">
+            <a:avLst/>
+          </a:prstGeom>
+          <a:noFill/>
+        </p:spPr>
+        <p:style>
+          <a:lnRef idx="2">
+            <a:schemeClr val="accent2"/>
+          </a:lnRef>
+          <a:fillRef idx="1">
+            <a:schemeClr val="lt1"/>
+          </a:fillRef>
+          <a:effectRef idx="0">
+            <a:schemeClr val="accent2"/>
+          </a:effectRef>
+          <a:fontRef idx="minor">
+            <a:schemeClr val="dk1"/>
+          </a:fontRef>
+        </p:style>
+        <p:txBody>
+          <a:bodyPr rtlCol="0" anchor="ctr"/>
+          <a:lstStyle/>
+          <a:p>
+            <a:pPr algn="ctr"/>
+            <a:endParaRPr lang="zh-CN" altLang="en-US"/>
+          </a:p>
+        </p:txBody>
+      </p:sp>
     </p:spTree>
     <p:extLst>
       <p:ext uri="{BB962C8B-B14F-4D97-AF65-F5344CB8AC3E}">
@@ -6102,7 +6313,7 @@
           <p:cNvPr id="2" name="标题 1">
             <a:extLst>
               <a:ext uri="{FF2B5EF4-FFF2-40B4-BE49-F238E27FC236}">
-                <a16:creationId xmlns:a16="http://schemas.microsoft.com/office/drawing/2014/main" xmlns="" id="{86AF61BC-A334-4606-B4C1-2850054D0AB1}"/>
+                <a16:creationId xmlns:a16="http://schemas.microsoft.com/office/drawing/2014/main" id="{86AF61BC-A334-4606-B4C1-2850054D0AB1}"/>
               </a:ext>
             </a:extLst>
           </p:cNvPr>
@@ -6130,7 +6341,7 @@
           <p:cNvPr id="3" name="内容占位符 2">
             <a:extLst>
               <a:ext uri="{FF2B5EF4-FFF2-40B4-BE49-F238E27FC236}">
-                <a16:creationId xmlns:a16="http://schemas.microsoft.com/office/drawing/2014/main" xmlns="" id="{47412E12-BE8D-424C-AD03-47159A41D6DE}"/>
+                <a16:creationId xmlns:a16="http://schemas.microsoft.com/office/drawing/2014/main" id="{47412E12-BE8D-424C-AD03-47159A41D6DE}"/>
               </a:ext>
             </a:extLst>
           </p:cNvPr>
@@ -6240,14 +6451,79 @@
         </p:blipFill>
         <p:spPr>
           <a:xfrm>
-            <a:off x="952500" y="2271183"/>
+            <a:off x="926976" y="2789869"/>
             <a:ext cx="9575800" cy="1739900"/>
           </a:xfrm>
           <a:prstGeom prst="rect">
             <a:avLst/>
           </a:prstGeom>
+          <a:solidFill>
+            <a:srgbClr val="FFFFFF">
+              <a:shade val="85000"/>
+            </a:srgbClr>
+          </a:solidFill>
+          <a:ln w="88900" cap="sq">
+            <a:solidFill>
+              <a:srgbClr val="FFFFFF"/>
+            </a:solidFill>
+            <a:miter lim="800000"/>
+          </a:ln>
+          <a:effectLst>
+            <a:outerShdw blurRad="55000" dist="18000" dir="5400000" algn="tl" rotWithShape="0">
+              <a:srgbClr val="000000">
+                <a:alpha val="40000"/>
+              </a:srgbClr>
+            </a:outerShdw>
+          </a:effectLst>
+          <a:scene3d>
+            <a:camera prst="orthographicFront"/>
+            <a:lightRig rig="twoPt" dir="t">
+              <a:rot lat="0" lon="0" rev="7200000"/>
+            </a:lightRig>
+          </a:scene3d>
+          <a:sp3d>
+            <a:bevelT w="25400" h="19050"/>
+            <a:contourClr>
+              <a:srgbClr val="FFFFFF"/>
+            </a:contourClr>
+          </a:sp3d>
         </p:spPr>
       </p:pic>
+      <p:sp>
+        <p:nvSpPr>
+          <p:cNvPr id="2" name="标题 1">
+            <a:extLst>
+              <a:ext uri="{FF2B5EF4-FFF2-40B4-BE49-F238E27FC236}">
+                <a16:creationId xmlns:a16="http://schemas.microsoft.com/office/drawing/2014/main" id="{1965889D-A525-4316-A9FF-DDA603B67D73}"/>
+              </a:ext>
+            </a:extLst>
+          </p:cNvPr>
+          <p:cNvSpPr>
+            <a:spLocks noGrp="1"/>
+          </p:cNvSpPr>
+          <p:nvPr>
+            <p:ph type="title"/>
+          </p:nvPr>
+        </p:nvSpPr>
+        <p:spPr>
+          <a:xfrm>
+            <a:off x="838200" y="862274"/>
+            <a:ext cx="10515600" cy="1325563"/>
+          </a:xfrm>
+        </p:spPr>
+        <p:txBody>
+          <a:bodyPr>
+            <a:normAutofit/>
+          </a:bodyPr>
+          <a:lstStyle/>
+          <a:p>
+            <a:r>
+              <a:rPr lang="zh-CN" altLang="en-US" sz="3600" dirty="0"/>
+              <a:t>如何忽略已经纳入版本管理的文件？</a:t>
+            </a:r>
+          </a:p>
+        </p:txBody>
+      </p:sp>
     </p:spTree>
     <p:extLst>
       <p:ext uri="{BB962C8B-B14F-4D97-AF65-F5344CB8AC3E}">
@@ -6283,7 +6559,7 @@
           <p:cNvPr id="2" name="标题 1">
             <a:extLst>
               <a:ext uri="{FF2B5EF4-FFF2-40B4-BE49-F238E27FC236}">
-                <a16:creationId xmlns:a16="http://schemas.microsoft.com/office/drawing/2014/main" xmlns="" id="{D656C41B-50BE-419D-BD7E-BD3A6D4F4BD0}"/>
+                <a16:creationId xmlns:a16="http://schemas.microsoft.com/office/drawing/2014/main" id="{D656C41B-50BE-419D-BD7E-BD3A6D4F4BD0}"/>
               </a:ext>
             </a:extLst>
           </p:cNvPr>
@@ -6294,7 +6570,12 @@
             <p:ph type="title"/>
           </p:nvPr>
         </p:nvSpPr>
-        <p:spPr/>
+        <p:spPr>
+          <a:xfrm>
+            <a:off x="673408" y="152061"/>
+            <a:ext cx="10515600" cy="1325563"/>
+          </a:xfrm>
+        </p:spPr>
         <p:txBody>
           <a:bodyPr/>
           <a:lstStyle/>
@@ -6305,7 +6586,7 @@
             </a:r>
             <a:r>
               <a:rPr lang="en-US" altLang="zh-CN" dirty="0"/>
-              <a:t>remote</a:t>
+              <a:t>Remote</a:t>
             </a:r>
             <a:endParaRPr lang="zh-CN" altLang="en-US" dirty="0"/>
           </a:p>
@@ -6316,7 +6597,7 @@
           <p:cNvPr id="3" name="内容占位符 2">
             <a:extLst>
               <a:ext uri="{FF2B5EF4-FFF2-40B4-BE49-F238E27FC236}">
-                <a16:creationId xmlns:a16="http://schemas.microsoft.com/office/drawing/2014/main" xmlns="" id="{D4B7392F-22E1-4CDF-83B6-7CCEC22932D9}"/>
+                <a16:creationId xmlns:a16="http://schemas.microsoft.com/office/drawing/2014/main" id="{D4B7392F-22E1-4CDF-83B6-7CCEC22932D9}"/>
               </a:ext>
             </a:extLst>
           </p:cNvPr>
@@ -6327,85 +6608,121 @@
             <p:ph idx="1"/>
           </p:nvPr>
         </p:nvSpPr>
-        <p:spPr/>
-        <p:txBody>
-          <a:bodyPr/>
-          <a:lstStyle/>
-          <a:p>
-            <a:r>
-              <a:rPr lang="en-US" altLang="zh-CN" dirty="0" smtClean="0"/>
-              <a:t>remote</a:t>
-            </a:r>
-            <a:r>
-              <a:rPr lang="zh-CN" altLang="en-US" dirty="0" smtClean="0"/>
-              <a:t>即远程仓库，如果我们</a:t>
-            </a:r>
-            <a:r>
-              <a:rPr lang="en-US" altLang="zh-CN" dirty="0" smtClean="0"/>
-              <a:t>clone</a:t>
-            </a:r>
-            <a:r>
-              <a:rPr lang="zh-CN" altLang="en-US" dirty="0" smtClean="0"/>
-              <a:t>了一个仓库，那么默认的</a:t>
-            </a:r>
-            <a:r>
-              <a:rPr lang="en-US" altLang="zh-CN" dirty="0" smtClean="0"/>
-              <a:t>remote</a:t>
-            </a:r>
-            <a:r>
-              <a:rPr lang="zh-CN" altLang="en-US" dirty="0" smtClean="0"/>
-              <a:t>就会是</a:t>
-            </a:r>
-            <a:r>
-              <a:rPr lang="en-US" altLang="zh-CN" dirty="0" smtClean="0"/>
-              <a:t>clone</a:t>
-            </a:r>
-            <a:r>
-              <a:rPr lang="zh-CN" altLang="en-US" dirty="0" smtClean="0"/>
-              <a:t>的那个，默认的</a:t>
-            </a:r>
-            <a:r>
-              <a:rPr lang="en-US" altLang="zh-CN" dirty="0" smtClean="0"/>
-              <a:t>remote</a:t>
-            </a:r>
-            <a:r>
-              <a:rPr lang="zh-CN" altLang="en-US" dirty="0" smtClean="0"/>
-              <a:t>名为</a:t>
-            </a:r>
-            <a:r>
-              <a:rPr lang="en-US" altLang="zh-CN" dirty="0" smtClean="0"/>
-              <a:t>origin</a:t>
-            </a:r>
-          </a:p>
-          <a:p>
-            <a:endParaRPr lang="zh-CN" altLang="en-US" dirty="0"/>
-          </a:p>
-        </p:txBody>
-      </p:sp>
-      <p:pic>
-        <p:nvPicPr>
-          <p:cNvPr id="4" name="图片 3"/>
-          <p:cNvPicPr>
-            <a:picLocks noChangeAspect="1"/>
-          </p:cNvPicPr>
-          <p:nvPr/>
-        </p:nvPicPr>
-        <p:blipFill>
-          <a:blip r:embed="rId2"/>
-          <a:stretch>
-            <a:fillRect/>
-          </a:stretch>
-        </p:blipFill>
         <p:spPr>
           <a:xfrm>
-            <a:off x="390502" y="3044559"/>
-            <a:ext cx="11410996" cy="1324239"/>
+            <a:off x="935854" y="1253330"/>
+            <a:ext cx="10515600" cy="4659197"/>
           </a:xfrm>
-          <a:prstGeom prst="rect">
-            <a:avLst/>
-          </a:prstGeom>
         </p:spPr>
-      </p:pic>
+        <p:txBody>
+          <a:bodyPr>
+            <a:normAutofit/>
+          </a:bodyPr>
+          <a:lstStyle/>
+          <a:p>
+            <a:r>
+              <a:rPr lang="en-US" altLang="zh-CN" dirty="0"/>
+              <a:t>git remote  </a:t>
+            </a:r>
+            <a:r>
+              <a:rPr lang="zh-CN" altLang="en-US" dirty="0"/>
+              <a:t>查看当前的远程库</a:t>
+            </a:r>
+            <a:endParaRPr lang="en-US" altLang="zh-CN" dirty="0"/>
+          </a:p>
+          <a:p>
+            <a:r>
+              <a:rPr lang="en-US" altLang="zh-CN" dirty="0"/>
+              <a:t>git remote -v  </a:t>
+            </a:r>
+            <a:r>
+              <a:rPr lang="zh-CN" altLang="en-US" dirty="0"/>
+              <a:t>查看当前的远程库</a:t>
+            </a:r>
+            <a:endParaRPr lang="en-US" altLang="zh-CN" dirty="0"/>
+          </a:p>
+          <a:p>
+            <a:r>
+              <a:rPr lang="en-US" altLang="zh-CN" dirty="0"/>
+              <a:t>git remote add  &lt;name&gt; &lt;</a:t>
+            </a:r>
+            <a:r>
+              <a:rPr lang="en-US" altLang="zh-CN" dirty="0" err="1"/>
+              <a:t>url</a:t>
+            </a:r>
+            <a:r>
+              <a:rPr lang="en-US" altLang="zh-CN" dirty="0"/>
+              <a:t>&gt; </a:t>
+            </a:r>
+            <a:r>
+              <a:rPr lang="zh-CN" altLang="en-US" dirty="0"/>
+              <a:t>添加远程仓库</a:t>
+            </a:r>
+            <a:endParaRPr lang="en-US" altLang="zh-CN" dirty="0"/>
+          </a:p>
+          <a:p>
+            <a:r>
+              <a:rPr lang="en-US" altLang="zh-CN" dirty="0"/>
+              <a:t>git remote rename &lt;old-name&gt; &lt;new-name&gt;</a:t>
+            </a:r>
+            <a:r>
+              <a:rPr lang="zh-CN" altLang="en-US" dirty="0"/>
+              <a:t>重命名远程仓库</a:t>
+            </a:r>
+            <a:endParaRPr lang="en-US" altLang="zh-CN" dirty="0"/>
+          </a:p>
+          <a:p>
+            <a:r>
+              <a:rPr lang="en-US" altLang="zh-CN" dirty="0"/>
+              <a:t>git remote rm &lt;remote-name&gt;   </a:t>
+            </a:r>
+            <a:r>
+              <a:rPr lang="zh-CN" altLang="en-US" dirty="0"/>
+              <a:t>删除远程仓库</a:t>
+            </a:r>
+            <a:endParaRPr lang="en-US" altLang="zh-CN" dirty="0"/>
+          </a:p>
+          <a:p>
+            <a:r>
+              <a:rPr lang="en-US" altLang="zh-CN" dirty="0"/>
+              <a:t>git remote show &lt;remote-name&gt;  </a:t>
+            </a:r>
+            <a:r>
+              <a:rPr lang="zh-CN" altLang="en-US" dirty="0"/>
+              <a:t>显示远程仓库信息</a:t>
+            </a:r>
+            <a:endParaRPr lang="en-US" altLang="zh-CN" dirty="0"/>
+          </a:p>
+          <a:p>
+            <a:r>
+              <a:rPr lang="en-US" altLang="zh-CN" dirty="0"/>
+              <a:t>git push [&lt;remote-name&gt; [branch]]  </a:t>
+            </a:r>
+            <a:r>
+              <a:rPr lang="zh-CN" altLang="en-US" dirty="0"/>
+              <a:t>推送</a:t>
+            </a:r>
+            <a:endParaRPr lang="en-US" altLang="zh-CN" dirty="0"/>
+          </a:p>
+          <a:p>
+            <a:r>
+              <a:rPr lang="en-US" altLang="zh-CN" dirty="0"/>
+              <a:t>git fetch [&lt;remote-name&gt;]  </a:t>
+            </a:r>
+            <a:r>
+              <a:rPr lang="zh-CN" altLang="en-US" dirty="0"/>
+              <a:t>拉取</a:t>
+            </a:r>
+            <a:endParaRPr lang="en-US" altLang="zh-CN" dirty="0"/>
+          </a:p>
+          <a:p>
+            <a:endParaRPr lang="en-US" altLang="zh-CN" dirty="0"/>
+          </a:p>
+          <a:p>
+            <a:endParaRPr lang="zh-CN" altLang="en-US" dirty="0"/>
+          </a:p>
+        </p:txBody>
+      </p:sp>
     </p:spTree>
     <p:extLst>
       <p:ext uri="{BB962C8B-B14F-4D97-AF65-F5344CB8AC3E}">
@@ -6438,56 +6755,161 @@
       </p:grpSpPr>
       <p:pic>
         <p:nvPicPr>
-          <p:cNvPr id="4" name="图片 3"/>
+          <p:cNvPr id="4" name="图片 3">
+            <a:extLst>
+              <a:ext uri="{FF2B5EF4-FFF2-40B4-BE49-F238E27FC236}">
+                <a16:creationId xmlns:a16="http://schemas.microsoft.com/office/drawing/2014/main" id="{1E8795BD-208B-444C-91BB-F15EDF49AC1B}"/>
+              </a:ext>
+            </a:extLst>
+          </p:cNvPr>
           <p:cNvPicPr>
             <a:picLocks noChangeAspect="1"/>
           </p:cNvPicPr>
           <p:nvPr/>
         </p:nvPicPr>
-        <p:blipFill>
+        <p:blipFill rotWithShape="1">
           <a:blip r:embed="rId2"/>
-          <a:stretch>
-            <a:fillRect/>
-          </a:stretch>
+          <a:srcRect r="6845"/>
+          <a:stretch/>
         </p:blipFill>
         <p:spPr>
           <a:xfrm>
-            <a:off x="590550" y="1056217"/>
-            <a:ext cx="10299700" cy="1257300"/>
+            <a:off x="781050" y="5403548"/>
+            <a:ext cx="10629900" cy="1324239"/>
           </a:xfrm>
           <a:prstGeom prst="rect">
             <a:avLst/>
           </a:prstGeom>
+          <a:solidFill>
+            <a:srgbClr val="FFFFFF">
+              <a:shade val="85000"/>
+            </a:srgbClr>
+          </a:solidFill>
+          <a:ln w="88900" cap="sq">
+            <a:solidFill>
+              <a:srgbClr val="FFFFFF"/>
+            </a:solidFill>
+            <a:miter lim="800000"/>
+          </a:ln>
+          <a:effectLst>
+            <a:outerShdw blurRad="55000" dist="18000" dir="5400000" algn="tl" rotWithShape="0">
+              <a:srgbClr val="000000">
+                <a:alpha val="40000"/>
+              </a:srgbClr>
+            </a:outerShdw>
+          </a:effectLst>
+          <a:scene3d>
+            <a:camera prst="orthographicFront"/>
+            <a:lightRig rig="twoPt" dir="t">
+              <a:rot lat="0" lon="0" rev="7200000"/>
+            </a:lightRig>
+          </a:scene3d>
+          <a:sp3d>
+            <a:bevelT w="25400" h="19050"/>
+            <a:contourClr>
+              <a:srgbClr val="FFFFFF"/>
+            </a:contourClr>
+          </a:sp3d>
         </p:spPr>
       </p:pic>
+      <p:sp>
+        <p:nvSpPr>
+          <p:cNvPr id="5" name="标题 4">
+            <a:extLst>
+              <a:ext uri="{FF2B5EF4-FFF2-40B4-BE49-F238E27FC236}">
+                <a16:creationId xmlns:a16="http://schemas.microsoft.com/office/drawing/2014/main" id="{6377032C-228C-449E-80EA-B520ABF44E82}"/>
+              </a:ext>
+            </a:extLst>
+          </p:cNvPr>
+          <p:cNvSpPr>
+            <a:spLocks noGrp="1"/>
+          </p:cNvSpPr>
+          <p:nvPr>
+            <p:ph type="title"/>
+          </p:nvPr>
+        </p:nvSpPr>
+        <p:spPr>
+          <a:xfrm>
+            <a:off x="838200" y="365125"/>
+            <a:ext cx="10515600" cy="1325563"/>
+          </a:xfrm>
+        </p:spPr>
+        <p:txBody>
+          <a:bodyPr>
+            <a:normAutofit/>
+          </a:bodyPr>
+          <a:lstStyle/>
+          <a:p>
+            <a:r>
+              <a:rPr lang="zh-CN" altLang="en-US" sz="3600" dirty="0"/>
+              <a:t>查看当前的远程库</a:t>
+            </a:r>
+          </a:p>
+        </p:txBody>
+      </p:sp>
       <p:pic>
         <p:nvPicPr>
-          <p:cNvPr id="5" name="图片 4"/>
+          <p:cNvPr id="7" name="图片 6">
+            <a:extLst>
+              <a:ext uri="{FF2B5EF4-FFF2-40B4-BE49-F238E27FC236}">
+                <a16:creationId xmlns:a16="http://schemas.microsoft.com/office/drawing/2014/main" id="{D67C6B31-791B-4876-92E1-E7FAC4A3CAD1}"/>
+              </a:ext>
+            </a:extLst>
+          </p:cNvPr>
           <p:cNvPicPr>
             <a:picLocks noChangeAspect="1"/>
           </p:cNvPicPr>
           <p:nvPr/>
         </p:nvPicPr>
-        <p:blipFill>
+        <p:blipFill rotWithShape="1">
           <a:blip r:embed="rId3"/>
-          <a:stretch>
-            <a:fillRect/>
-          </a:stretch>
+          <a:srcRect t="2800" b="17697"/>
+          <a:stretch/>
         </p:blipFill>
         <p:spPr>
           <a:xfrm>
-            <a:off x="590550" y="3141133"/>
-            <a:ext cx="10299700" cy="1727200"/>
+            <a:off x="838200" y="1529178"/>
+            <a:ext cx="10629900" cy="3657600"/>
           </a:xfrm>
           <a:prstGeom prst="rect">
             <a:avLst/>
           </a:prstGeom>
+          <a:solidFill>
+            <a:srgbClr val="FFFFFF">
+              <a:shade val="85000"/>
+            </a:srgbClr>
+          </a:solidFill>
+          <a:ln w="88900" cap="sq">
+            <a:solidFill>
+              <a:srgbClr val="FFFFFF"/>
+            </a:solidFill>
+            <a:miter lim="800000"/>
+          </a:ln>
+          <a:effectLst>
+            <a:outerShdw blurRad="55000" dist="18000" dir="5400000" algn="tl" rotWithShape="0">
+              <a:srgbClr val="000000">
+                <a:alpha val="40000"/>
+              </a:srgbClr>
+            </a:outerShdw>
+          </a:effectLst>
+          <a:scene3d>
+            <a:camera prst="orthographicFront"/>
+            <a:lightRig rig="twoPt" dir="t">
+              <a:rot lat="0" lon="0" rev="7200000"/>
+            </a:lightRig>
+          </a:scene3d>
+          <a:sp3d>
+            <a:bevelT w="25400" h="19050"/>
+            <a:contourClr>
+              <a:srgbClr val="FFFFFF"/>
+            </a:contourClr>
+          </a:sp3d>
         </p:spPr>
       </p:pic>
     </p:spTree>
     <p:extLst>
       <p:ext uri="{BB962C8B-B14F-4D97-AF65-F5344CB8AC3E}">
-        <p14:creationId xmlns:p14="http://schemas.microsoft.com/office/powerpoint/2010/main" val="673042748"/>
+        <p14:creationId xmlns:p14="http://schemas.microsoft.com/office/powerpoint/2010/main" val="3303003759"/>
       </p:ext>
     </p:extLst>
   </p:cSld>
@@ -6514,25 +6936,6 @@
           <a:chExt cx="0" cy="0"/>
         </a:xfrm>
       </p:grpSpPr>
-      <p:sp>
-        <p:nvSpPr>
-          <p:cNvPr id="2" name="标题 1"/>
-          <p:cNvSpPr>
-            <a:spLocks noGrp="1"/>
-          </p:cNvSpPr>
-          <p:nvPr>
-            <p:ph type="title"/>
-          </p:nvPr>
-        </p:nvSpPr>
-        <p:spPr/>
-        <p:txBody>
-          <a:bodyPr/>
-          <a:lstStyle/>
-          <a:p>
-            <a:endParaRPr kumimoji="1" lang="zh-CN" altLang="en-US" dirty="0"/>
-          </a:p>
-        </p:txBody>
-      </p:sp>
       <p:pic>
         <p:nvPicPr>
           <p:cNvPr id="4" name="图片 3"/>
@@ -6549,7 +6952,203 @@
         </p:blipFill>
         <p:spPr>
           <a:xfrm>
-            <a:off x="838200" y="2224617"/>
+            <a:off x="838200" y="1537762"/>
+            <a:ext cx="10299700" cy="1257300"/>
+          </a:xfrm>
+          <a:prstGeom prst="rect">
+            <a:avLst/>
+          </a:prstGeom>
+        </p:spPr>
+      </p:pic>
+      <p:pic>
+        <p:nvPicPr>
+          <p:cNvPr id="5" name="图片 4"/>
+          <p:cNvPicPr>
+            <a:picLocks noChangeAspect="1"/>
+          </p:cNvPicPr>
+          <p:nvPr/>
+        </p:nvPicPr>
+        <p:blipFill>
+          <a:blip r:embed="rId3"/>
+          <a:stretch>
+            <a:fillRect/>
+          </a:stretch>
+        </p:blipFill>
+        <p:spPr>
+          <a:xfrm>
+            <a:off x="838200" y="4456638"/>
+            <a:ext cx="10299700" cy="1727200"/>
+          </a:xfrm>
+          <a:prstGeom prst="rect">
+            <a:avLst/>
+          </a:prstGeom>
+        </p:spPr>
+      </p:pic>
+      <p:sp>
+        <p:nvSpPr>
+          <p:cNvPr id="2" name="标题 1">
+            <a:extLst>
+              <a:ext uri="{FF2B5EF4-FFF2-40B4-BE49-F238E27FC236}">
+                <a16:creationId xmlns:a16="http://schemas.microsoft.com/office/drawing/2014/main" id="{FB5767FF-AA23-4454-B8FD-20AADA223983}"/>
+              </a:ext>
+            </a:extLst>
+          </p:cNvPr>
+          <p:cNvSpPr>
+            <a:spLocks noGrp="1"/>
+          </p:cNvSpPr>
+          <p:nvPr>
+            <p:ph type="title"/>
+          </p:nvPr>
+        </p:nvSpPr>
+        <p:spPr>
+          <a:xfrm>
+            <a:off x="730250" y="400565"/>
+            <a:ext cx="10515600" cy="1325563"/>
+          </a:xfrm>
+        </p:spPr>
+        <p:txBody>
+          <a:bodyPr>
+            <a:normAutofit/>
+          </a:bodyPr>
+          <a:lstStyle/>
+          <a:p>
+            <a:r>
+              <a:rPr lang="zh-CN" altLang="en-US" sz="2800" dirty="0"/>
+              <a:t>重命名远程仓库</a:t>
+            </a:r>
+          </a:p>
+        </p:txBody>
+      </p:sp>
+      <p:sp>
+        <p:nvSpPr>
+          <p:cNvPr id="6" name="标题 1">
+            <a:extLst>
+              <a:ext uri="{FF2B5EF4-FFF2-40B4-BE49-F238E27FC236}">
+                <a16:creationId xmlns:a16="http://schemas.microsoft.com/office/drawing/2014/main" id="{46AA0B4C-9C31-46B1-9A2A-33661FE5F080}"/>
+              </a:ext>
+            </a:extLst>
+          </p:cNvPr>
+          <p:cNvSpPr txBox="1">
+            <a:spLocks/>
+          </p:cNvSpPr>
+          <p:nvPr/>
+        </p:nvSpPr>
+        <p:spPr>
+          <a:xfrm>
+            <a:off x="812497" y="3429000"/>
+            <a:ext cx="10515600" cy="1325563"/>
+          </a:xfrm>
+          <a:prstGeom prst="rect">
+            <a:avLst/>
+          </a:prstGeom>
+        </p:spPr>
+        <p:txBody>
+          <a:bodyPr vert="horz" lIns="91440" tIns="45720" rIns="91440" bIns="45720" rtlCol="0" anchor="ctr">
+            <a:normAutofit/>
+          </a:bodyPr>
+          <a:lstStyle>
+            <a:lvl1pPr algn="l" defTabSz="914400" rtl="0" eaLnBrk="1" latinLnBrk="0" hangingPunct="1">
+              <a:lnSpc>
+                <a:spcPct val="90000"/>
+              </a:lnSpc>
+              <a:spcBef>
+                <a:spcPct val="0"/>
+              </a:spcBef>
+              <a:buNone/>
+              <a:defRPr sz="4400" kern="1200">
+                <a:solidFill>
+                  <a:schemeClr val="tx1"/>
+                </a:solidFill>
+                <a:latin typeface="+mj-lt"/>
+                <a:ea typeface="+mj-ea"/>
+                <a:cs typeface="+mj-cs"/>
+              </a:defRPr>
+            </a:lvl1pPr>
+          </a:lstStyle>
+          <a:p>
+            <a:r>
+              <a:rPr lang="zh-CN" altLang="en-US" sz="2800" dirty="0"/>
+              <a:t>添加第二个远程仓库</a:t>
+            </a:r>
+          </a:p>
+        </p:txBody>
+      </p:sp>
+    </p:spTree>
+    <p:extLst>
+      <p:ext uri="{BB962C8B-B14F-4D97-AF65-F5344CB8AC3E}">
+        <p14:creationId xmlns:p14="http://schemas.microsoft.com/office/powerpoint/2010/main" val="673042748"/>
+      </p:ext>
+    </p:extLst>
+  </p:cSld>
+  <p:clrMapOvr>
+    <a:masterClrMapping/>
+  </p:clrMapOvr>
+</p:sld>
+</file>
+
+<file path=ppt/slides/slide24.xml><?xml version="1.0" encoding="utf-8"?>
+<p:sld xmlns:a="http://schemas.openxmlformats.org/drawingml/2006/main" xmlns:r="http://schemas.openxmlformats.org/officeDocument/2006/relationships" xmlns:p="http://schemas.openxmlformats.org/presentationml/2006/main">
+  <p:cSld>
+    <p:spTree>
+      <p:nvGrpSpPr>
+        <p:cNvPr id="1" name=""/>
+        <p:cNvGrpSpPr/>
+        <p:nvPr/>
+      </p:nvGrpSpPr>
+      <p:grpSpPr>
+        <a:xfrm>
+          <a:off x="0" y="0"/>
+          <a:ext cx="0" cy="0"/>
+          <a:chOff x="0" y="0"/>
+          <a:chExt cx="0" cy="0"/>
+        </a:xfrm>
+      </p:grpSpPr>
+      <p:sp>
+        <p:nvSpPr>
+          <p:cNvPr id="2" name="标题 1"/>
+          <p:cNvSpPr>
+            <a:spLocks noGrp="1"/>
+          </p:cNvSpPr>
+          <p:nvPr>
+            <p:ph type="title"/>
+          </p:nvPr>
+        </p:nvSpPr>
+        <p:spPr>
+          <a:xfrm>
+            <a:off x="642892" y="338492"/>
+            <a:ext cx="10515600" cy="1325563"/>
+          </a:xfrm>
+        </p:spPr>
+        <p:txBody>
+          <a:bodyPr>
+            <a:normAutofit/>
+          </a:bodyPr>
+          <a:lstStyle/>
+          <a:p>
+            <a:r>
+              <a:rPr kumimoji="1" lang="zh-CN" altLang="en-US" sz="2800" dirty="0"/>
+              <a:t>显式的推送信息到某个远程仓库</a:t>
+            </a:r>
+          </a:p>
+        </p:txBody>
+      </p:sp>
+      <p:pic>
+        <p:nvPicPr>
+          <p:cNvPr id="4" name="图片 3"/>
+          <p:cNvPicPr>
+            <a:picLocks noChangeAspect="1"/>
+          </p:cNvPicPr>
+          <p:nvPr/>
+        </p:nvPicPr>
+        <p:blipFill>
+          <a:blip r:embed="rId2"/>
+          <a:stretch>
+            <a:fillRect/>
+          </a:stretch>
+        </p:blipFill>
+        <p:spPr>
+          <a:xfrm>
+            <a:off x="750842" y="1425627"/>
             <a:ext cx="10299700" cy="2476500"/>
           </a:xfrm>
           <a:prstGeom prst="rect">
@@ -6570,7 +7169,7 @@
 </p:sld>
 </file>
 
-<file path=ppt/slides/slide24.xml><?xml version="1.0" encoding="utf-8"?>
+<file path=ppt/slides/slide25.xml><?xml version="1.0" encoding="utf-8"?>
 <p:sld xmlns:a="http://schemas.openxmlformats.org/drawingml/2006/main" xmlns:r="http://schemas.openxmlformats.org/officeDocument/2006/relationships" xmlns:p="http://schemas.openxmlformats.org/presentationml/2006/main">
   <p:cSld>
     <p:spTree>
@@ -6621,17 +7220,10 @@
   <p:clrMapOvr>
     <a:masterClrMapping/>
   </p:clrMapOvr>
-  <p:timing>
-    <p:tnLst>
-      <p:par>
-        <p:cTn id="1" dur="indefinite" restart="never" nodeType="tmRoot"/>
-      </p:par>
-    </p:tnLst>
-  </p:timing>
 </p:sld>
 </file>
 
-<file path=ppt/slides/slide25.xml><?xml version="1.0" encoding="utf-8"?>
+<file path=ppt/slides/slide26.xml><?xml version="1.0" encoding="utf-8"?>
 <p:sld xmlns:a="http://schemas.openxmlformats.org/drawingml/2006/main" xmlns:r="http://schemas.openxmlformats.org/officeDocument/2006/relationships" xmlns:p="http://schemas.openxmlformats.org/presentationml/2006/main">
   <p:cSld>
     <p:spTree>
@@ -6653,7 +7245,7 @@
           <p:cNvPr id="2" name="标题 1">
             <a:extLst>
               <a:ext uri="{FF2B5EF4-FFF2-40B4-BE49-F238E27FC236}">
-                <a16:creationId xmlns:a16="http://schemas.microsoft.com/office/drawing/2014/main" xmlns="" id="{4B09B5B7-0277-4BA7-AB53-B74091205FB6}"/>
+                <a16:creationId xmlns:a16="http://schemas.microsoft.com/office/drawing/2014/main" id="{18D9C9C7-1AB1-4C5B-8DE9-1AB9713C0CA4}"/>
               </a:ext>
             </a:extLst>
           </p:cNvPr>
@@ -6665,6 +7257,150 @@
           </p:nvPr>
         </p:nvSpPr>
         <p:spPr/>
+        <p:txBody>
+          <a:bodyPr/>
+          <a:lstStyle/>
+          <a:p>
+            <a:r>
+              <a:rPr lang="en-US" altLang="zh-CN" dirty="0"/>
+              <a:t>Git</a:t>
+            </a:r>
+            <a:r>
+              <a:rPr lang="zh-CN" altLang="en-US" dirty="0"/>
+              <a:t>储藏区</a:t>
+            </a:r>
+          </a:p>
+        </p:txBody>
+      </p:sp>
+      <p:sp>
+        <p:nvSpPr>
+          <p:cNvPr id="3" name="内容占位符 2">
+            <a:extLst>
+              <a:ext uri="{FF2B5EF4-FFF2-40B4-BE49-F238E27FC236}">
+                <a16:creationId xmlns:a16="http://schemas.microsoft.com/office/drawing/2014/main" id="{ED789114-E2A3-4CE3-9748-2C64FE76AA1F}"/>
+              </a:ext>
+            </a:extLst>
+          </p:cNvPr>
+          <p:cNvSpPr>
+            <a:spLocks noGrp="1"/>
+          </p:cNvSpPr>
+          <p:nvPr>
+            <p:ph idx="1"/>
+          </p:nvPr>
+        </p:nvSpPr>
+        <p:spPr/>
+        <p:txBody>
+          <a:bodyPr/>
+          <a:lstStyle/>
+          <a:p>
+            <a:r>
+              <a:rPr lang="en-US" altLang="zh-CN" sz="2400" dirty="0"/>
+              <a:t>git stash  </a:t>
+            </a:r>
+            <a:r>
+              <a:rPr lang="zh-CN" altLang="en-US" sz="2000" dirty="0"/>
+              <a:t>将工作区的更改放入储藏区</a:t>
+            </a:r>
+            <a:endParaRPr lang="en-US" altLang="zh-CN" sz="2000" dirty="0"/>
+          </a:p>
+          <a:p>
+            <a:r>
+              <a:rPr lang="en-US" altLang="zh-CN" sz="2400" dirty="0"/>
+              <a:t>git stash list  </a:t>
+            </a:r>
+            <a:r>
+              <a:rPr lang="zh-CN" altLang="en-US" sz="2000" dirty="0"/>
+              <a:t>查看所有储藏区列表</a:t>
+            </a:r>
+            <a:endParaRPr lang="en-US" altLang="zh-CN" dirty="0"/>
+          </a:p>
+          <a:p>
+            <a:r>
+              <a:rPr lang="en-US" altLang="zh-CN" sz="2400" dirty="0"/>
+              <a:t>git stash pop [stash@{0}] </a:t>
+            </a:r>
+            <a:r>
+              <a:rPr lang="zh-CN" altLang="en-US" sz="2000" dirty="0"/>
+              <a:t>取出储藏区中最近的内容，并应用到当前工作区</a:t>
+            </a:r>
+            <a:endParaRPr lang="en-US" altLang="zh-CN" dirty="0"/>
+          </a:p>
+          <a:p>
+            <a:r>
+              <a:rPr lang="en-US" altLang="zh-CN" sz="2400" dirty="0"/>
+              <a:t>git stash apply [stash@{0}] </a:t>
+            </a:r>
+            <a:r>
+              <a:rPr lang="zh-CN" altLang="en-US" sz="2000" dirty="0"/>
+              <a:t>应用储藏区中的内容到当前工作区</a:t>
+            </a:r>
+            <a:endParaRPr lang="en-US" altLang="zh-CN" dirty="0"/>
+          </a:p>
+          <a:p>
+            <a:r>
+              <a:rPr lang="en-US" altLang="zh-CN" sz="2400" dirty="0"/>
+              <a:t>git stash drop [stash@{0}] </a:t>
+            </a:r>
+            <a:r>
+              <a:rPr lang="zh-CN" altLang="en-US" sz="2000" dirty="0"/>
+              <a:t>删除储藏区中的内容</a:t>
+            </a:r>
+            <a:endParaRPr lang="zh-CN" altLang="en-US" sz="2400" dirty="0"/>
+          </a:p>
+        </p:txBody>
+      </p:sp>
+    </p:spTree>
+    <p:extLst>
+      <p:ext uri="{BB962C8B-B14F-4D97-AF65-F5344CB8AC3E}">
+        <p14:creationId xmlns:p14="http://schemas.microsoft.com/office/powerpoint/2010/main" val="3947759081"/>
+      </p:ext>
+    </p:extLst>
+  </p:cSld>
+  <p:clrMapOvr>
+    <a:masterClrMapping/>
+  </p:clrMapOvr>
+</p:sld>
+</file>
+
+<file path=ppt/slides/slide27.xml><?xml version="1.0" encoding="utf-8"?>
+<p:sld xmlns:a="http://schemas.openxmlformats.org/drawingml/2006/main" xmlns:r="http://schemas.openxmlformats.org/officeDocument/2006/relationships" xmlns:p="http://schemas.openxmlformats.org/presentationml/2006/main">
+  <p:cSld>
+    <p:spTree>
+      <p:nvGrpSpPr>
+        <p:cNvPr id="1" name=""/>
+        <p:cNvGrpSpPr/>
+        <p:nvPr/>
+      </p:nvGrpSpPr>
+      <p:grpSpPr>
+        <a:xfrm>
+          <a:off x="0" y="0"/>
+          <a:ext cx="0" cy="0"/>
+          <a:chOff x="0" y="0"/>
+          <a:chExt cx="0" cy="0"/>
+        </a:xfrm>
+      </p:grpSpPr>
+      <p:sp>
+        <p:nvSpPr>
+          <p:cNvPr id="2" name="标题 1">
+            <a:extLst>
+              <a:ext uri="{FF2B5EF4-FFF2-40B4-BE49-F238E27FC236}">
+                <a16:creationId xmlns:a16="http://schemas.microsoft.com/office/drawing/2014/main" id="{4B09B5B7-0277-4BA7-AB53-B74091205FB6}"/>
+              </a:ext>
+            </a:extLst>
+          </p:cNvPr>
+          <p:cNvSpPr>
+            <a:spLocks noGrp="1"/>
+          </p:cNvSpPr>
+          <p:nvPr>
+            <p:ph type="title"/>
+          </p:nvPr>
+        </p:nvSpPr>
+        <p:spPr>
+          <a:xfrm>
+            <a:off x="536359" y="192618"/>
+            <a:ext cx="10515600" cy="1325563"/>
+          </a:xfrm>
+        </p:spPr>
         <p:txBody>
           <a:bodyPr/>
           <a:lstStyle/>
@@ -6699,7 +7435,7 @@
         </p:blipFill>
         <p:spPr bwMode="auto">
           <a:xfrm>
-            <a:off x="447674" y="1690688"/>
+            <a:off x="253300" y="1262881"/>
             <a:ext cx="2181225" cy="1095375"/>
           </a:xfrm>
           <a:prstGeom prst="rect">
@@ -6740,7 +7476,7 @@
         </p:blipFill>
         <p:spPr bwMode="auto">
           <a:xfrm>
-            <a:off x="4433357" y="1592262"/>
+            <a:off x="4462851" y="1186790"/>
             <a:ext cx="2181225" cy="1771650"/>
           </a:xfrm>
           <a:prstGeom prst="rect">
@@ -6781,7 +7517,7 @@
         </p:blipFill>
         <p:spPr bwMode="auto">
           <a:xfrm>
-            <a:off x="8246533" y="1636713"/>
+            <a:off x="8766288" y="1006110"/>
             <a:ext cx="2943225" cy="1781175"/>
           </a:xfrm>
           <a:prstGeom prst="rect">
@@ -6822,7 +7558,7 @@
         </p:blipFill>
         <p:spPr bwMode="auto">
           <a:xfrm>
-            <a:off x="447674" y="4284133"/>
+            <a:off x="9170635" y="4133120"/>
             <a:ext cx="2962275" cy="2409825"/>
           </a:xfrm>
           <a:prstGeom prst="rect">
@@ -6863,8 +7599,8 @@
         </p:blipFill>
         <p:spPr bwMode="auto">
           <a:xfrm>
-            <a:off x="4433357" y="3788833"/>
-            <a:ext cx="2952750" cy="2905125"/>
+            <a:off x="4557813" y="3624973"/>
+            <a:ext cx="2733370" cy="2689283"/>
           </a:xfrm>
           <a:prstGeom prst="rect">
             <a:avLst/>
@@ -6904,8 +7640,8 @@
         </p:blipFill>
         <p:spPr bwMode="auto">
           <a:xfrm>
-            <a:off x="8246533" y="4317470"/>
-            <a:ext cx="3695700" cy="2343150"/>
+            <a:off x="14700" y="3655005"/>
+            <a:ext cx="3247733" cy="2059130"/>
           </a:xfrm>
           <a:prstGeom prst="rect">
             <a:avLst/>
@@ -6922,190 +7658,433 @@
           </a:extLst>
         </p:spPr>
       </p:pic>
+      <p:sp>
+        <p:nvSpPr>
+          <p:cNvPr id="3" name="文本框 2">
+            <a:extLst>
+              <a:ext uri="{FF2B5EF4-FFF2-40B4-BE49-F238E27FC236}">
+                <a16:creationId xmlns:a16="http://schemas.microsoft.com/office/drawing/2014/main" id="{235A4B06-6E5C-46E8-8C50-69B94A9EEFDC}"/>
+              </a:ext>
+            </a:extLst>
+          </p:cNvPr>
+          <p:cNvSpPr txBox="1"/>
+          <p:nvPr/>
+        </p:nvSpPr>
+        <p:spPr>
+          <a:xfrm>
+            <a:off x="2610157" y="1561246"/>
+            <a:ext cx="1677062" cy="307777"/>
+          </a:xfrm>
+          <a:prstGeom prst="rect">
+            <a:avLst/>
+          </a:prstGeom>
+          <a:blipFill>
+            <a:blip r:embed="rId8"/>
+            <a:tile tx="0" ty="0" sx="100000" sy="100000" flip="none" algn="tl"/>
+          </a:blipFill>
+        </p:spPr>
+        <p:txBody>
+          <a:bodyPr wrap="none" rtlCol="0">
+            <a:spAutoFit/>
+          </a:bodyPr>
+          <a:lstStyle/>
+          <a:p>
+            <a:r>
+              <a:rPr lang="en-US" altLang="zh-CN" sz="1400" dirty="0"/>
+              <a:t>git checkout -b iss53</a:t>
+            </a:r>
+            <a:endParaRPr lang="zh-CN" altLang="en-US" sz="1400" dirty="0"/>
+          </a:p>
+        </p:txBody>
+      </p:sp>
+      <p:sp>
+        <p:nvSpPr>
+          <p:cNvPr id="4" name="文本框 3">
+            <a:extLst>
+              <a:ext uri="{FF2B5EF4-FFF2-40B4-BE49-F238E27FC236}">
+                <a16:creationId xmlns:a16="http://schemas.microsoft.com/office/drawing/2014/main" id="{00241000-DD0B-4A39-9378-E7A5500DD487}"/>
+              </a:ext>
+            </a:extLst>
+          </p:cNvPr>
+          <p:cNvSpPr txBox="1"/>
+          <p:nvPr/>
+        </p:nvSpPr>
+        <p:spPr>
+          <a:xfrm>
+            <a:off x="6755907" y="1535967"/>
+            <a:ext cx="1544012" cy="307777"/>
+          </a:xfrm>
+          <a:prstGeom prst="rect">
+            <a:avLst/>
+          </a:prstGeom>
+          <a:blipFill>
+            <a:blip r:embed="rId8"/>
+            <a:tile tx="0" ty="0" sx="100000" sy="100000" flip="none" algn="tl"/>
+          </a:blipFill>
+        </p:spPr>
+        <p:txBody>
+          <a:bodyPr wrap="none" rtlCol="0">
+            <a:spAutoFit/>
+          </a:bodyPr>
+          <a:lstStyle/>
+          <a:p>
+            <a:r>
+              <a:rPr lang="en-US" altLang="zh-CN" sz="1400" dirty="0"/>
+              <a:t>git commit -m ‘c3’</a:t>
+            </a:r>
+          </a:p>
+        </p:txBody>
+      </p:sp>
+      <p:sp>
+        <p:nvSpPr>
+          <p:cNvPr id="11" name="文本框 10">
+            <a:extLst>
+              <a:ext uri="{FF2B5EF4-FFF2-40B4-BE49-F238E27FC236}">
+                <a16:creationId xmlns:a16="http://schemas.microsoft.com/office/drawing/2014/main" id="{225392F0-1926-4754-97B4-072F4F2561B7}"/>
+              </a:ext>
+            </a:extLst>
+          </p:cNvPr>
+          <p:cNvSpPr txBox="1"/>
+          <p:nvPr/>
+        </p:nvSpPr>
+        <p:spPr>
+          <a:xfrm>
+            <a:off x="10184574" y="2924299"/>
+            <a:ext cx="1734770" cy="738664"/>
+          </a:xfrm>
+          <a:prstGeom prst="rect">
+            <a:avLst/>
+          </a:prstGeom>
+          <a:blipFill>
+            <a:blip r:embed="rId8"/>
+            <a:tile tx="0" ty="0" sx="100000" sy="100000" flip="none" algn="tl"/>
+          </a:blipFill>
+        </p:spPr>
+        <p:txBody>
+          <a:bodyPr wrap="none" rtlCol="0">
+            <a:spAutoFit/>
+          </a:bodyPr>
+          <a:lstStyle/>
+          <a:p>
+            <a:r>
+              <a:rPr lang="en-US" altLang="zh-CN" sz="1400" dirty="0"/>
+              <a:t>git checkout master</a:t>
+            </a:r>
+          </a:p>
+          <a:p>
+            <a:r>
+              <a:rPr lang="en-US" altLang="zh-CN" sz="1400" dirty="0"/>
+              <a:t>git checkout -b hotfix</a:t>
+            </a:r>
+          </a:p>
+          <a:p>
+            <a:r>
+              <a:rPr lang="en-US" altLang="zh-CN" sz="1400" dirty="0"/>
+              <a:t>git commit -m ‘c4’</a:t>
+            </a:r>
+            <a:endParaRPr lang="zh-CN" altLang="en-US" sz="1400" dirty="0"/>
+          </a:p>
+        </p:txBody>
+      </p:sp>
+      <p:sp>
+        <p:nvSpPr>
+          <p:cNvPr id="12" name="文本框 11">
+            <a:extLst>
+              <a:ext uri="{FF2B5EF4-FFF2-40B4-BE49-F238E27FC236}">
+                <a16:creationId xmlns:a16="http://schemas.microsoft.com/office/drawing/2014/main" id="{59B9D95E-8CB9-48C5-8107-7375DEEFCCA3}"/>
+              </a:ext>
+            </a:extLst>
+          </p:cNvPr>
+          <p:cNvSpPr txBox="1"/>
+          <p:nvPr/>
+        </p:nvSpPr>
+        <p:spPr>
+          <a:xfrm>
+            <a:off x="7333419" y="4564970"/>
+            <a:ext cx="1756738" cy="523220"/>
+          </a:xfrm>
+          <a:prstGeom prst="rect">
+            <a:avLst/>
+          </a:prstGeom>
+          <a:blipFill>
+            <a:blip r:embed="rId8"/>
+            <a:tile tx="0" ty="0" sx="100000" sy="100000" flip="none" algn="tl"/>
+          </a:blipFill>
+        </p:spPr>
+        <p:txBody>
+          <a:bodyPr wrap="square" rtlCol="0">
+            <a:spAutoFit/>
+          </a:bodyPr>
+          <a:lstStyle/>
+          <a:p>
+            <a:r>
+              <a:rPr lang="en-US" altLang="zh-CN" sz="1400" dirty="0"/>
+              <a:t>git checkout master</a:t>
+            </a:r>
+          </a:p>
+          <a:p>
+            <a:r>
+              <a:rPr lang="en-US" altLang="zh-CN" sz="1400" dirty="0"/>
+              <a:t>git merge hotfix</a:t>
+            </a:r>
+          </a:p>
+        </p:txBody>
+      </p:sp>
+      <p:sp>
+        <p:nvSpPr>
+          <p:cNvPr id="13" name="文本框 12">
+            <a:extLst>
+              <a:ext uri="{FF2B5EF4-FFF2-40B4-BE49-F238E27FC236}">
+                <a16:creationId xmlns:a16="http://schemas.microsoft.com/office/drawing/2014/main" id="{F44BC661-7964-4D19-A937-49345AC8FF56}"/>
+              </a:ext>
+            </a:extLst>
+          </p:cNvPr>
+          <p:cNvSpPr txBox="1"/>
+          <p:nvPr/>
+        </p:nvSpPr>
+        <p:spPr>
+          <a:xfrm>
+            <a:off x="3148319" y="3750892"/>
+            <a:ext cx="1902374" cy="738664"/>
+          </a:xfrm>
+          <a:prstGeom prst="rect">
+            <a:avLst/>
+          </a:prstGeom>
+          <a:blipFill>
+            <a:blip r:embed="rId8"/>
+            <a:tile tx="0" ty="0" sx="100000" sy="100000" flip="none" algn="tl"/>
+          </a:blipFill>
+        </p:spPr>
+        <p:txBody>
+          <a:bodyPr wrap="square" rtlCol="0">
+            <a:spAutoFit/>
+          </a:bodyPr>
+          <a:lstStyle/>
+          <a:p>
+            <a:r>
+              <a:rPr lang="en-US" altLang="zh-CN" sz="1400" dirty="0"/>
+              <a:t>git branch -d hotfix</a:t>
+            </a:r>
+          </a:p>
+          <a:p>
+            <a:r>
+              <a:rPr lang="en-US" altLang="zh-CN" sz="1400" dirty="0"/>
+              <a:t>git checkout iss53</a:t>
+            </a:r>
+          </a:p>
+          <a:p>
+            <a:r>
+              <a:rPr lang="en-US" altLang="zh-CN" sz="1400" dirty="0"/>
+              <a:t>git commit -m ‘c5’</a:t>
+            </a:r>
+          </a:p>
+        </p:txBody>
+      </p:sp>
+      <p:cxnSp>
+        <p:nvCxnSpPr>
+          <p:cNvPr id="6" name="直接箭头连接符 5">
+            <a:extLst>
+              <a:ext uri="{FF2B5EF4-FFF2-40B4-BE49-F238E27FC236}">
+                <a16:creationId xmlns:a16="http://schemas.microsoft.com/office/drawing/2014/main" id="{311A1E1E-B2D1-4F08-AF9D-E2DBAFE196AD}"/>
+              </a:ext>
+            </a:extLst>
+          </p:cNvPr>
+          <p:cNvCxnSpPr/>
+          <p:nvPr/>
+        </p:nvCxnSpPr>
+        <p:spPr>
+          <a:xfrm>
+            <a:off x="2805344" y="1978408"/>
+            <a:ext cx="1481875" cy="0"/>
+          </a:xfrm>
+          <a:prstGeom prst="straightConnector1">
+            <a:avLst/>
+          </a:prstGeom>
+          <a:ln>
+            <a:tailEnd type="triangle"/>
+          </a:ln>
+        </p:spPr>
+        <p:style>
+          <a:lnRef idx="1">
+            <a:schemeClr val="accent1"/>
+          </a:lnRef>
+          <a:fillRef idx="0">
+            <a:schemeClr val="accent1"/>
+          </a:fillRef>
+          <a:effectRef idx="0">
+            <a:schemeClr val="accent1"/>
+          </a:effectRef>
+          <a:fontRef idx="minor">
+            <a:schemeClr val="tx1"/>
+          </a:fontRef>
+        </p:style>
+      </p:cxnSp>
+      <p:cxnSp>
+        <p:nvCxnSpPr>
+          <p:cNvPr id="8" name="直接箭头连接符 7">
+            <a:extLst>
+              <a:ext uri="{FF2B5EF4-FFF2-40B4-BE49-F238E27FC236}">
+                <a16:creationId xmlns:a16="http://schemas.microsoft.com/office/drawing/2014/main" id="{399E95B4-8C3A-45F6-8FDE-C930EBF0C10F}"/>
+              </a:ext>
+            </a:extLst>
+          </p:cNvPr>
+          <p:cNvCxnSpPr>
+            <a:cxnSpLocks/>
+          </p:cNvCxnSpPr>
+          <p:nvPr/>
+        </p:nvCxnSpPr>
+        <p:spPr>
+          <a:xfrm>
+            <a:off x="6755907" y="1936239"/>
+            <a:ext cx="1731145" cy="0"/>
+          </a:xfrm>
+          <a:prstGeom prst="straightConnector1">
+            <a:avLst/>
+          </a:prstGeom>
+          <a:ln>
+            <a:tailEnd type="triangle"/>
+          </a:ln>
+        </p:spPr>
+        <p:style>
+          <a:lnRef idx="1">
+            <a:schemeClr val="accent1"/>
+          </a:lnRef>
+          <a:fillRef idx="0">
+            <a:schemeClr val="accent1"/>
+          </a:fillRef>
+          <a:effectRef idx="0">
+            <a:schemeClr val="accent1"/>
+          </a:effectRef>
+          <a:fontRef idx="minor">
+            <a:schemeClr val="tx1"/>
+          </a:fontRef>
+        </p:style>
+      </p:cxnSp>
+      <p:cxnSp>
+        <p:nvCxnSpPr>
+          <p:cNvPr id="10" name="直接箭头连接符 9">
+            <a:extLst>
+              <a:ext uri="{FF2B5EF4-FFF2-40B4-BE49-F238E27FC236}">
+                <a16:creationId xmlns:a16="http://schemas.microsoft.com/office/drawing/2014/main" id="{DA37F4C2-A050-4669-AB6F-BDEECB5DA8C4}"/>
+              </a:ext>
+            </a:extLst>
+          </p:cNvPr>
+          <p:cNvCxnSpPr>
+            <a:cxnSpLocks/>
+          </p:cNvCxnSpPr>
+          <p:nvPr/>
+        </p:nvCxnSpPr>
+        <p:spPr>
+          <a:xfrm>
+            <a:off x="10058400" y="2627049"/>
+            <a:ext cx="0" cy="1506071"/>
+          </a:xfrm>
+          <a:prstGeom prst="straightConnector1">
+            <a:avLst/>
+          </a:prstGeom>
+          <a:ln>
+            <a:tailEnd type="triangle"/>
+          </a:ln>
+        </p:spPr>
+        <p:style>
+          <a:lnRef idx="1">
+            <a:schemeClr val="accent1"/>
+          </a:lnRef>
+          <a:fillRef idx="0">
+            <a:schemeClr val="accent1"/>
+          </a:fillRef>
+          <a:effectRef idx="0">
+            <a:schemeClr val="accent1"/>
+          </a:effectRef>
+          <a:fontRef idx="minor">
+            <a:schemeClr val="tx1"/>
+          </a:fontRef>
+        </p:style>
+      </p:cxnSp>
+      <p:cxnSp>
+        <p:nvCxnSpPr>
+          <p:cNvPr id="17" name="直接箭头连接符 16">
+            <a:extLst>
+              <a:ext uri="{FF2B5EF4-FFF2-40B4-BE49-F238E27FC236}">
+                <a16:creationId xmlns:a16="http://schemas.microsoft.com/office/drawing/2014/main" id="{7092E842-CDAE-47B8-B092-642F58CF229D}"/>
+              </a:ext>
+            </a:extLst>
+          </p:cNvPr>
+          <p:cNvCxnSpPr>
+            <a:cxnSpLocks/>
+          </p:cNvCxnSpPr>
+          <p:nvPr/>
+        </p:nvCxnSpPr>
+        <p:spPr>
+          <a:xfrm flipH="1">
+            <a:off x="7261934" y="5190922"/>
+            <a:ext cx="1740023" cy="0"/>
+          </a:xfrm>
+          <a:prstGeom prst="straightConnector1">
+            <a:avLst/>
+          </a:prstGeom>
+          <a:ln>
+            <a:tailEnd type="triangle"/>
+          </a:ln>
+        </p:spPr>
+        <p:style>
+          <a:lnRef idx="1">
+            <a:schemeClr val="accent1"/>
+          </a:lnRef>
+          <a:fillRef idx="0">
+            <a:schemeClr val="accent1"/>
+          </a:fillRef>
+          <a:effectRef idx="0">
+            <a:schemeClr val="accent1"/>
+          </a:effectRef>
+          <a:fontRef idx="minor">
+            <a:schemeClr val="tx1"/>
+          </a:fontRef>
+        </p:style>
+      </p:cxnSp>
+      <p:cxnSp>
+        <p:nvCxnSpPr>
+          <p:cNvPr id="25" name="直接箭头连接符 24">
+            <a:extLst>
+              <a:ext uri="{FF2B5EF4-FFF2-40B4-BE49-F238E27FC236}">
+                <a16:creationId xmlns:a16="http://schemas.microsoft.com/office/drawing/2014/main" id="{DAD88904-3D98-4AD0-9C2B-2F536F517336}"/>
+              </a:ext>
+            </a:extLst>
+          </p:cNvPr>
+          <p:cNvCxnSpPr/>
+          <p:nvPr/>
+        </p:nvCxnSpPr>
+        <p:spPr>
+          <a:xfrm flipH="1">
+            <a:off x="3045886" y="4564970"/>
+            <a:ext cx="1902374" cy="0"/>
+          </a:xfrm>
+          <a:prstGeom prst="straightConnector1">
+            <a:avLst/>
+          </a:prstGeom>
+          <a:ln>
+            <a:tailEnd type="triangle"/>
+          </a:ln>
+        </p:spPr>
+        <p:style>
+          <a:lnRef idx="1">
+            <a:schemeClr val="accent1"/>
+          </a:lnRef>
+          <a:fillRef idx="0">
+            <a:schemeClr val="accent1"/>
+          </a:fillRef>
+          <a:effectRef idx="0">
+            <a:schemeClr val="accent1"/>
+          </a:effectRef>
+          <a:fontRef idx="minor">
+            <a:schemeClr val="tx1"/>
+          </a:fontRef>
+        </p:style>
+      </p:cxnSp>
     </p:spTree>
     <p:extLst>
       <p:ext uri="{BB962C8B-B14F-4D97-AF65-F5344CB8AC3E}">
         <p14:creationId xmlns:p14="http://schemas.microsoft.com/office/powerpoint/2010/main" val="230942849"/>
-      </p:ext>
-    </p:extLst>
-  </p:cSld>
-  <p:clrMapOvr>
-    <a:masterClrMapping/>
-  </p:clrMapOvr>
-  <p:timing>
-    <p:tnLst>
-      <p:par>
-        <p:cTn id="1" dur="indefinite" restart="never" nodeType="tmRoot"/>
-      </p:par>
-    </p:tnLst>
-  </p:timing>
-</p:sld>
-</file>
-
-<file path=ppt/slides/slide26.xml><?xml version="1.0" encoding="utf-8"?>
-<p:sld xmlns:a="http://schemas.openxmlformats.org/drawingml/2006/main" xmlns:r="http://schemas.openxmlformats.org/officeDocument/2006/relationships" xmlns:p="http://schemas.openxmlformats.org/presentationml/2006/main">
-  <p:cSld>
-    <p:spTree>
-      <p:nvGrpSpPr>
-        <p:cNvPr id="1" name=""/>
-        <p:cNvGrpSpPr/>
-        <p:nvPr/>
-      </p:nvGrpSpPr>
-      <p:grpSpPr>
-        <a:xfrm>
-          <a:off x="0" y="0"/>
-          <a:ext cx="0" cy="0"/>
-          <a:chOff x="0" y="0"/>
-          <a:chExt cx="0" cy="0"/>
-        </a:xfrm>
-      </p:grpSpPr>
-      <p:sp>
-        <p:nvSpPr>
-          <p:cNvPr id="2" name="标题 1"/>
-          <p:cNvSpPr>
-            <a:spLocks noGrp="1"/>
-          </p:cNvSpPr>
-          <p:nvPr>
-            <p:ph type="title"/>
-          </p:nvPr>
-        </p:nvSpPr>
-        <p:spPr/>
-        <p:txBody>
-          <a:bodyPr/>
-          <a:lstStyle/>
-          <a:p>
-            <a:endParaRPr kumimoji="1" lang="zh-CN" altLang="en-US"/>
-          </a:p>
-        </p:txBody>
-      </p:sp>
-      <p:pic>
-        <p:nvPicPr>
-          <p:cNvPr id="2050" name="Picture 2" descr="https://git-scm.com/figures/18333fig0317-tn.png"/>
-          <p:cNvPicPr>
-            <a:picLocks noChangeAspect="1" noChangeArrowheads="1"/>
-          </p:cNvPicPr>
-          <p:nvPr/>
-        </p:nvPicPr>
-        <p:blipFill>
-          <a:blip r:embed="rId2">
-            <a:extLst>
-              <a:ext uri="{28A0092B-C50C-407E-A947-70E740481C1C}">
-                <a14:useLocalDpi xmlns:a14="http://schemas.microsoft.com/office/drawing/2010/main" val="0"/>
-              </a:ext>
-            </a:extLst>
-          </a:blip>
-          <a:srcRect/>
-          <a:stretch>
-            <a:fillRect/>
-          </a:stretch>
-        </p:blipFill>
-        <p:spPr bwMode="auto">
-          <a:xfrm>
-            <a:off x="1473201" y="1957225"/>
-            <a:ext cx="8229600" cy="4366727"/>
-          </a:xfrm>
-          <a:prstGeom prst="rect">
-            <a:avLst/>
-          </a:prstGeom>
-          <a:noFill/>
-          <a:extLst>
-            <a:ext uri="{909E8E84-426E-40DD-AFC4-6F175D3DCCD1}">
-              <a14:hiddenFill xmlns:a14="http://schemas.microsoft.com/office/drawing/2010/main">
-                <a:solidFill>
-                  <a:srgbClr val="FFFFFF"/>
-                </a:solidFill>
-              </a14:hiddenFill>
-            </a:ext>
-          </a:extLst>
-        </p:spPr>
-      </p:pic>
-    </p:spTree>
-    <p:extLst>
-      <p:ext uri="{BB962C8B-B14F-4D97-AF65-F5344CB8AC3E}">
-        <p14:creationId xmlns:p14="http://schemas.microsoft.com/office/powerpoint/2010/main" val="1722555869"/>
-      </p:ext>
-    </p:extLst>
-  </p:cSld>
-  <p:clrMapOvr>
-    <a:masterClrMapping/>
-  </p:clrMapOvr>
-  <p:timing>
-    <p:tnLst>
-      <p:par>
-        <p:cTn id="1" dur="indefinite" restart="never" nodeType="tmRoot"/>
-      </p:par>
-    </p:tnLst>
-  </p:timing>
-</p:sld>
-</file>
-
-<file path=ppt/slides/slide27.xml><?xml version="1.0" encoding="utf-8"?>
-<p:sld xmlns:a="http://schemas.openxmlformats.org/drawingml/2006/main" xmlns:r="http://schemas.openxmlformats.org/officeDocument/2006/relationships" xmlns:p="http://schemas.openxmlformats.org/presentationml/2006/main">
-  <p:cSld>
-    <p:spTree>
-      <p:nvGrpSpPr>
-        <p:cNvPr id="1" name=""/>
-        <p:cNvGrpSpPr/>
-        <p:nvPr/>
-      </p:nvGrpSpPr>
-      <p:grpSpPr>
-        <a:xfrm>
-          <a:off x="0" y="0"/>
-          <a:ext cx="0" cy="0"/>
-          <a:chOff x="0" y="0"/>
-          <a:chExt cx="0" cy="0"/>
-        </a:xfrm>
-      </p:grpSpPr>
-      <p:sp>
-        <p:nvSpPr>
-          <p:cNvPr id="2" name="标题 1"/>
-          <p:cNvSpPr>
-            <a:spLocks noGrp="1"/>
-          </p:cNvSpPr>
-          <p:nvPr>
-            <p:ph type="title"/>
-          </p:nvPr>
-        </p:nvSpPr>
-        <p:spPr/>
-        <p:txBody>
-          <a:bodyPr/>
-          <a:lstStyle/>
-          <a:p>
-            <a:r>
-              <a:rPr kumimoji="1" lang="en-US" altLang="zh-CN" dirty="0" smtClean="0"/>
-              <a:t>Rebase</a:t>
-            </a:r>
-            <a:r>
-              <a:rPr kumimoji="1" lang="zh-CN" altLang="en-US" dirty="0" smtClean="0"/>
-              <a:t>变基</a:t>
-            </a:r>
-            <a:endParaRPr kumimoji="1" lang="zh-CN" altLang="en-US" dirty="0"/>
-          </a:p>
-        </p:txBody>
-      </p:sp>
-      <p:sp>
-        <p:nvSpPr>
-          <p:cNvPr id="3" name="内容占位符 2"/>
-          <p:cNvSpPr>
-            <a:spLocks noGrp="1"/>
-          </p:cNvSpPr>
-          <p:nvPr>
-            <p:ph idx="1"/>
-          </p:nvPr>
-        </p:nvSpPr>
-        <p:spPr/>
-        <p:txBody>
-          <a:bodyPr/>
-          <a:lstStyle/>
-          <a:p>
-            <a:endParaRPr kumimoji="1" lang="zh-CN" altLang="en-US"/>
-          </a:p>
-        </p:txBody>
-      </p:sp>
-    </p:spTree>
-    <p:extLst>
-      <p:ext uri="{BB962C8B-B14F-4D97-AF65-F5344CB8AC3E}">
-        <p14:creationId xmlns:p14="http://schemas.microsoft.com/office/powerpoint/2010/main" val="2127317854"/>
       </p:ext>
     </p:extLst>
   </p:cSld>
@@ -7147,69 +8126,185 @@
           <a:bodyPr/>
           <a:lstStyle/>
           <a:p>
-            <a:r>
-              <a:rPr kumimoji="1" lang="zh-CN" altLang="en-US" dirty="0" smtClean="0"/>
-              <a:t>取消修改</a:t>
-            </a:r>
             <a:endParaRPr kumimoji="1" lang="zh-CN" altLang="en-US" dirty="0"/>
           </a:p>
         </p:txBody>
       </p:sp>
-      <p:sp>
-        <p:nvSpPr>
-          <p:cNvPr id="3" name="内容占位符 2"/>
-          <p:cNvSpPr>
-            <a:spLocks noGrp="1"/>
-          </p:cNvSpPr>
-          <p:nvPr>
-            <p:ph idx="1"/>
-          </p:nvPr>
-        </p:nvSpPr>
-        <p:spPr/>
-        <p:txBody>
-          <a:bodyPr/>
-          <a:lstStyle/>
-          <a:p>
-            <a:r>
-              <a:rPr kumimoji="1" lang="zh-CN" altLang="en-US" dirty="0" smtClean="0"/>
-              <a:t>取消暂存</a:t>
-            </a:r>
-          </a:p>
-          <a:p>
-            <a:r>
-              <a:rPr kumimoji="1" lang="zh-CN" altLang="en-US" dirty="0" smtClean="0"/>
-              <a:t>取消对文件的修改</a:t>
-            </a:r>
-          </a:p>
-          <a:p>
-            <a:r>
-              <a:rPr kumimoji="1" lang="zh-CN" altLang="en-US" dirty="0" smtClean="0"/>
-              <a:t>取消</a:t>
-            </a:r>
-            <a:r>
-              <a:rPr kumimoji="1" lang="en-US" altLang="zh-CN" dirty="0" smtClean="0"/>
-              <a:t>commit</a:t>
-            </a:r>
-            <a:endParaRPr kumimoji="1" lang="zh-CN" altLang="en-US" dirty="0" smtClean="0"/>
-          </a:p>
-          <a:p>
-            <a:endParaRPr kumimoji="1" lang="zh-CN" altLang="en-US" dirty="0"/>
-          </a:p>
-          <a:p>
-            <a:r>
-              <a:rPr kumimoji="1" lang="en-US" altLang="zh-CN" dirty="0" smtClean="0"/>
-              <a:t>reset, revert, checkout</a:t>
-            </a:r>
-          </a:p>
-          <a:p>
-            <a:endParaRPr kumimoji="1" lang="en-US" altLang="zh-CN" dirty="0" smtClean="0"/>
-          </a:p>
-        </p:txBody>
-      </p:sp>
+      <p:pic>
+        <p:nvPicPr>
+          <p:cNvPr id="2050" name="Picture 2" descr="https://git-scm.com/figures/18333fig0317-tn.png"/>
+          <p:cNvPicPr>
+            <a:picLocks noChangeAspect="1" noChangeArrowheads="1"/>
+          </p:cNvPicPr>
+          <p:nvPr/>
+        </p:nvPicPr>
+        <p:blipFill>
+          <a:blip r:embed="rId2">
+            <a:extLst>
+              <a:ext uri="{28A0092B-C50C-407E-A947-70E740481C1C}">
+                <a14:useLocalDpi xmlns:a14="http://schemas.microsoft.com/office/drawing/2010/main" val="0"/>
+              </a:ext>
+            </a:extLst>
+          </a:blip>
+          <a:srcRect/>
+          <a:stretch>
+            <a:fillRect/>
+          </a:stretch>
+        </p:blipFill>
+        <p:spPr bwMode="auto">
+          <a:xfrm>
+            <a:off x="6604494" y="2257424"/>
+            <a:ext cx="4812189" cy="2553407"/>
+          </a:xfrm>
+          <a:prstGeom prst="rect">
+            <a:avLst/>
+          </a:prstGeom>
+          <a:noFill/>
+          <a:extLst>
+            <a:ext uri="{909E8E84-426E-40DD-AFC4-6F175D3DCCD1}">
+              <a14:hiddenFill xmlns:a14="http://schemas.microsoft.com/office/drawing/2010/main">
+                <a:solidFill>
+                  <a:srgbClr val="FFFFFF"/>
+                </a:solidFill>
+              </a14:hiddenFill>
+            </a:ext>
+          </a:extLst>
+        </p:spPr>
+      </p:pic>
+      <p:sp>
+        <p:nvSpPr>
+          <p:cNvPr id="4" name="文本框 3">
+            <a:extLst>
+              <a:ext uri="{FF2B5EF4-FFF2-40B4-BE49-F238E27FC236}">
+                <a16:creationId xmlns:a16="http://schemas.microsoft.com/office/drawing/2014/main" id="{3869B2B8-0F69-498E-BAF6-4D525C60AEAD}"/>
+              </a:ext>
+            </a:extLst>
+          </p:cNvPr>
+          <p:cNvSpPr txBox="1"/>
+          <p:nvPr/>
+        </p:nvSpPr>
+        <p:spPr>
+          <a:xfrm>
+            <a:off x="4622242" y="2844793"/>
+            <a:ext cx="1589167" cy="523220"/>
+          </a:xfrm>
+          <a:prstGeom prst="rect">
+            <a:avLst/>
+          </a:prstGeom>
+          <a:blipFill>
+            <a:blip r:embed="rId3"/>
+            <a:tile tx="0" ty="0" sx="100000" sy="100000" flip="none" algn="tl"/>
+          </a:blipFill>
+        </p:spPr>
+        <p:txBody>
+          <a:bodyPr wrap="square" rtlCol="0">
+            <a:spAutoFit/>
+          </a:bodyPr>
+          <a:lstStyle/>
+          <a:p>
+            <a:r>
+              <a:rPr lang="en-US" altLang="zh-CN" sz="1400" dirty="0"/>
+              <a:t>git checkout master</a:t>
+            </a:r>
+          </a:p>
+          <a:p>
+            <a:r>
+              <a:rPr lang="en-US" altLang="zh-CN" sz="1400" dirty="0"/>
+              <a:t>git merge iss53</a:t>
+            </a:r>
+          </a:p>
+        </p:txBody>
+      </p:sp>
+      <p:pic>
+        <p:nvPicPr>
+          <p:cNvPr id="5" name="Picture 12" descr="https://git-scm.com/figures/18333fig0315-tn.png">
+            <a:extLst>
+              <a:ext uri="{FF2B5EF4-FFF2-40B4-BE49-F238E27FC236}">
+                <a16:creationId xmlns:a16="http://schemas.microsoft.com/office/drawing/2014/main" id="{15EA08BE-578F-41F0-B8E2-6793C0559DF7}"/>
+              </a:ext>
+            </a:extLst>
+          </p:cNvPr>
+          <p:cNvPicPr>
+            <a:picLocks noChangeAspect="1" noChangeArrowheads="1"/>
+          </p:cNvPicPr>
+          <p:nvPr/>
+        </p:nvPicPr>
+        <p:blipFill>
+          <a:blip r:embed="rId4">
+            <a:extLst>
+              <a:ext uri="{28A0092B-C50C-407E-A947-70E740481C1C}">
+                <a14:useLocalDpi xmlns:a14="http://schemas.microsoft.com/office/drawing/2010/main" val="0"/>
+              </a:ext>
+            </a:extLst>
+          </a:blip>
+          <a:srcRect/>
+          <a:stretch>
+            <a:fillRect/>
+          </a:stretch>
+        </p:blipFill>
+        <p:spPr bwMode="auto">
+          <a:xfrm>
+            <a:off x="444212" y="2257424"/>
+            <a:ext cx="3695700" cy="2343150"/>
+          </a:xfrm>
+          <a:prstGeom prst="rect">
+            <a:avLst/>
+          </a:prstGeom>
+          <a:noFill/>
+          <a:extLst>
+            <a:ext uri="{909E8E84-426E-40DD-AFC4-6F175D3DCCD1}">
+              <a14:hiddenFill xmlns:a14="http://schemas.microsoft.com/office/drawing/2010/main">
+                <a:solidFill>
+                  <a:srgbClr val="FFFFFF"/>
+                </a:solidFill>
+              </a14:hiddenFill>
+            </a:ext>
+          </a:extLst>
+        </p:spPr>
+      </p:pic>
+      <p:cxnSp>
+        <p:nvCxnSpPr>
+          <p:cNvPr id="6" name="直接箭头连接符 5">
+            <a:extLst>
+              <a:ext uri="{FF2B5EF4-FFF2-40B4-BE49-F238E27FC236}">
+                <a16:creationId xmlns:a16="http://schemas.microsoft.com/office/drawing/2014/main" id="{258D765F-37AD-423F-8EDC-469318825150}"/>
+              </a:ext>
+            </a:extLst>
+          </p:cNvPr>
+          <p:cNvCxnSpPr/>
+          <p:nvPr/>
+        </p:nvCxnSpPr>
+        <p:spPr>
+          <a:xfrm>
+            <a:off x="4536489" y="3509712"/>
+            <a:ext cx="1674920" cy="0"/>
+          </a:xfrm>
+          <a:prstGeom prst="straightConnector1">
+            <a:avLst/>
+          </a:prstGeom>
+          <a:ln>
+            <a:tailEnd type="triangle"/>
+          </a:ln>
+        </p:spPr>
+        <p:style>
+          <a:lnRef idx="1">
+            <a:schemeClr val="accent1"/>
+          </a:lnRef>
+          <a:fillRef idx="0">
+            <a:schemeClr val="accent1"/>
+          </a:fillRef>
+          <a:effectRef idx="0">
+            <a:schemeClr val="accent1"/>
+          </a:effectRef>
+          <a:fontRef idx="minor">
+            <a:schemeClr val="tx1"/>
+          </a:fontRef>
+        </p:style>
+      </p:cxnSp>
     </p:spTree>
     <p:extLst>
       <p:ext uri="{BB962C8B-B14F-4D97-AF65-F5344CB8AC3E}">
-        <p14:creationId xmlns:p14="http://schemas.microsoft.com/office/powerpoint/2010/main" val="1566712902"/>
+        <p14:creationId xmlns:p14="http://schemas.microsoft.com/office/powerpoint/2010/main" val="1722555869"/>
       </p:ext>
     </p:extLst>
   </p:cSld>
@@ -7238,13 +8333,7 @@
       </p:grpSpPr>
       <p:sp>
         <p:nvSpPr>
-          <p:cNvPr id="2" name="标题 1">
-            <a:extLst>
-              <a:ext uri="{FF2B5EF4-FFF2-40B4-BE49-F238E27FC236}">
-                <a16:creationId xmlns:a16="http://schemas.microsoft.com/office/drawing/2014/main" xmlns="" id="{18D9C9C7-1AB1-4C5B-8DE9-1AB9713C0CA4}"/>
-              </a:ext>
-            </a:extLst>
-          </p:cNvPr>
+          <p:cNvPr id="2" name="标题 1"/>
           <p:cNvSpPr>
             <a:spLocks noGrp="1"/>
           </p:cNvSpPr>
@@ -7258,45 +8347,458 @@
           <a:lstStyle/>
           <a:p>
             <a:r>
-              <a:rPr lang="en-US" altLang="zh-CN" dirty="0"/>
-              <a:t>Git</a:t>
-            </a:r>
-            <a:r>
-              <a:rPr lang="zh-CN" altLang="en-US" dirty="0"/>
-              <a:t>储藏区</a:t>
-            </a:r>
-          </a:p>
-        </p:txBody>
-      </p:sp>
-      <p:sp>
-        <p:nvSpPr>
-          <p:cNvPr id="3" name="内容占位符 2">
-            <a:extLst>
-              <a:ext uri="{FF2B5EF4-FFF2-40B4-BE49-F238E27FC236}">
-                <a16:creationId xmlns:a16="http://schemas.microsoft.com/office/drawing/2014/main" xmlns="" id="{ED789114-E2A3-4CE3-9748-2C64FE76AA1F}"/>
-              </a:ext>
-            </a:extLst>
-          </p:cNvPr>
-          <p:cNvSpPr>
-            <a:spLocks noGrp="1"/>
-          </p:cNvSpPr>
-          <p:nvPr>
-            <p:ph idx="1"/>
-          </p:nvPr>
-        </p:nvSpPr>
-        <p:spPr/>
-        <p:txBody>
-          <a:bodyPr/>
-          <a:lstStyle/>
-          <a:p>
-            <a:endParaRPr lang="zh-CN" altLang="en-US" dirty="0"/>
+              <a:rPr kumimoji="1" lang="en-US" altLang="zh-CN" dirty="0"/>
+              <a:t>Rebase</a:t>
+            </a:r>
+            <a:r>
+              <a:rPr kumimoji="1" lang="zh-CN" altLang="en-US" dirty="0"/>
+              <a:t>变基</a:t>
+            </a:r>
+          </a:p>
+        </p:txBody>
+      </p:sp>
+      <p:pic>
+        <p:nvPicPr>
+          <p:cNvPr id="1026" name="Picture 2" descr="https://git-scm.com/figures/18333fig0327-tn.png">
+            <a:extLst>
+              <a:ext uri="{FF2B5EF4-FFF2-40B4-BE49-F238E27FC236}">
+                <a16:creationId xmlns:a16="http://schemas.microsoft.com/office/drawing/2014/main" id="{2E447C63-EFD4-4D64-A27B-B4068DCD2367}"/>
+              </a:ext>
+            </a:extLst>
+          </p:cNvPr>
+          <p:cNvPicPr>
+            <a:picLocks noChangeAspect="1" noChangeArrowheads="1"/>
+          </p:cNvPicPr>
+          <p:nvPr/>
+        </p:nvPicPr>
+        <p:blipFill>
+          <a:blip r:embed="rId2">
+            <a:extLst>
+              <a:ext uri="{28A0092B-C50C-407E-A947-70E740481C1C}">
+                <a14:useLocalDpi xmlns:a14="http://schemas.microsoft.com/office/drawing/2010/main" val="0"/>
+              </a:ext>
+            </a:extLst>
+          </a:blip>
+          <a:srcRect/>
+          <a:stretch>
+            <a:fillRect/>
+          </a:stretch>
+        </p:blipFill>
+        <p:spPr bwMode="auto">
+          <a:xfrm>
+            <a:off x="124292" y="1745127"/>
+            <a:ext cx="2529466" cy="1999094"/>
+          </a:xfrm>
+          <a:prstGeom prst="rect">
+            <a:avLst/>
+          </a:prstGeom>
+          <a:ln w="19050">
+            <a:noFill/>
+          </a:ln>
+          <a:extLst>
+            <a:ext uri="{909E8E84-426E-40DD-AFC4-6F175D3DCCD1}">
+              <a14:hiddenFill xmlns:a14="http://schemas.microsoft.com/office/drawing/2010/main">
+                <a:solidFill>
+                  <a:srgbClr val="FFFFFF"/>
+                </a:solidFill>
+              </a14:hiddenFill>
+            </a:ext>
+          </a:extLst>
+        </p:spPr>
+      </p:pic>
+      <p:pic>
+        <p:nvPicPr>
+          <p:cNvPr id="1028" name="Picture 4" descr="https://git-scm.com/figures/18333fig0328-tn.png">
+            <a:extLst>
+              <a:ext uri="{FF2B5EF4-FFF2-40B4-BE49-F238E27FC236}">
+                <a16:creationId xmlns:a16="http://schemas.microsoft.com/office/drawing/2014/main" id="{C94CB887-8BB9-41CD-949A-866282BE22C0}"/>
+              </a:ext>
+            </a:extLst>
+          </p:cNvPr>
+          <p:cNvPicPr>
+            <a:picLocks noChangeAspect="1" noChangeArrowheads="1"/>
+          </p:cNvPicPr>
+          <p:nvPr/>
+        </p:nvPicPr>
+        <p:blipFill>
+          <a:blip r:embed="rId3">
+            <a:extLst>
+              <a:ext uri="{28A0092B-C50C-407E-A947-70E740481C1C}">
+                <a14:useLocalDpi xmlns:a14="http://schemas.microsoft.com/office/drawing/2010/main" val="0"/>
+              </a:ext>
+            </a:extLst>
+          </a:blip>
+          <a:srcRect/>
+          <a:stretch>
+            <a:fillRect/>
+          </a:stretch>
+        </p:blipFill>
+        <p:spPr bwMode="auto">
+          <a:xfrm>
+            <a:off x="6594723" y="547688"/>
+            <a:ext cx="3714750" cy="2286000"/>
+          </a:xfrm>
+          <a:prstGeom prst="rect">
+            <a:avLst/>
+          </a:prstGeom>
+          <a:extLst>
+            <a:ext uri="{909E8E84-426E-40DD-AFC4-6F175D3DCCD1}">
+              <a14:hiddenFill xmlns:a14="http://schemas.microsoft.com/office/drawing/2010/main">
+                <a:solidFill>
+                  <a:srgbClr val="FFFFFF"/>
+                </a:solidFill>
+              </a14:hiddenFill>
+            </a:ext>
+          </a:extLst>
+        </p:spPr>
+      </p:pic>
+      <p:pic>
+        <p:nvPicPr>
+          <p:cNvPr id="1030" name="Picture 6" descr="https://git-scm.com/figures/18333fig0329-tn.png">
+            <a:extLst>
+              <a:ext uri="{FF2B5EF4-FFF2-40B4-BE49-F238E27FC236}">
+                <a16:creationId xmlns:a16="http://schemas.microsoft.com/office/drawing/2014/main" id="{D8F91654-3745-4D55-8C6F-B837A142052E}"/>
+              </a:ext>
+            </a:extLst>
+          </p:cNvPr>
+          <p:cNvPicPr>
+            <a:picLocks noChangeAspect="1" noChangeArrowheads="1"/>
+          </p:cNvPicPr>
+          <p:nvPr/>
+        </p:nvPicPr>
+        <p:blipFill>
+          <a:blip r:embed="rId4">
+            <a:extLst>
+              <a:ext uri="{28A0092B-C50C-407E-A947-70E740481C1C}">
+                <a14:useLocalDpi xmlns:a14="http://schemas.microsoft.com/office/drawing/2010/main" val="0"/>
+              </a:ext>
+            </a:extLst>
+          </a:blip>
+          <a:srcRect/>
+          <a:stretch>
+            <a:fillRect/>
+          </a:stretch>
+        </p:blipFill>
+        <p:spPr bwMode="auto">
+          <a:xfrm>
+            <a:off x="6722060" y="3519580"/>
+            <a:ext cx="3714750" cy="1762125"/>
+          </a:xfrm>
+          <a:prstGeom prst="rect">
+            <a:avLst/>
+          </a:prstGeom>
+          <a:extLst>
+            <a:ext uri="{909E8E84-426E-40DD-AFC4-6F175D3DCCD1}">
+              <a14:hiddenFill xmlns:a14="http://schemas.microsoft.com/office/drawing/2010/main">
+                <a:solidFill>
+                  <a:srgbClr val="FFFFFF"/>
+                </a:solidFill>
+              </a14:hiddenFill>
+            </a:ext>
+          </a:extLst>
+        </p:spPr>
+      </p:pic>
+      <p:pic>
+        <p:nvPicPr>
+          <p:cNvPr id="1032" name="Picture 8" descr="https://git-scm.com/figures/18333fig0330-tn.png">
+            <a:extLst>
+              <a:ext uri="{FF2B5EF4-FFF2-40B4-BE49-F238E27FC236}">
+                <a16:creationId xmlns:a16="http://schemas.microsoft.com/office/drawing/2014/main" id="{EF20FEB9-815F-4A7F-9DF8-DC8AADEE46E7}"/>
+              </a:ext>
+            </a:extLst>
+          </p:cNvPr>
+          <p:cNvPicPr>
+            <a:picLocks noChangeAspect="1" noChangeArrowheads="1"/>
+          </p:cNvPicPr>
+          <p:nvPr/>
+        </p:nvPicPr>
+        <p:blipFill>
+          <a:blip r:embed="rId5">
+            <a:extLst>
+              <a:ext uri="{28A0092B-C50C-407E-A947-70E740481C1C}">
+                <a14:useLocalDpi xmlns:a14="http://schemas.microsoft.com/office/drawing/2010/main" val="0"/>
+              </a:ext>
+            </a:extLst>
+          </a:blip>
+          <a:srcRect/>
+          <a:stretch>
+            <a:fillRect/>
+          </a:stretch>
+        </p:blipFill>
+        <p:spPr bwMode="auto">
+          <a:xfrm>
+            <a:off x="599891" y="5044136"/>
+            <a:ext cx="3714750" cy="1714500"/>
+          </a:xfrm>
+          <a:prstGeom prst="rect">
+            <a:avLst/>
+          </a:prstGeom>
+          <a:extLst>
+            <a:ext uri="{909E8E84-426E-40DD-AFC4-6F175D3DCCD1}">
+              <a14:hiddenFill xmlns:a14="http://schemas.microsoft.com/office/drawing/2010/main">
+                <a:solidFill>
+                  <a:srgbClr val="FFFFFF"/>
+                </a:solidFill>
+              </a14:hiddenFill>
+            </a:ext>
+          </a:extLst>
+        </p:spPr>
+      </p:pic>
+      <p:cxnSp>
+        <p:nvCxnSpPr>
+          <p:cNvPr id="5" name="直接箭头连接符 4">
+            <a:extLst>
+              <a:ext uri="{FF2B5EF4-FFF2-40B4-BE49-F238E27FC236}">
+                <a16:creationId xmlns:a16="http://schemas.microsoft.com/office/drawing/2014/main" id="{67722155-B302-47E1-AFF7-51F9A80E6A4A}"/>
+              </a:ext>
+            </a:extLst>
+          </p:cNvPr>
+          <p:cNvCxnSpPr>
+            <a:cxnSpLocks/>
+          </p:cNvCxnSpPr>
+          <p:nvPr/>
+        </p:nvCxnSpPr>
+        <p:spPr>
+          <a:xfrm flipV="1">
+            <a:off x="2902998" y="2068497"/>
+            <a:ext cx="3193002" cy="834502"/>
+          </a:xfrm>
+          <a:prstGeom prst="straightConnector1">
+            <a:avLst/>
+          </a:prstGeom>
+          <a:ln>
+            <a:tailEnd type="triangle"/>
+          </a:ln>
+        </p:spPr>
+        <p:style>
+          <a:lnRef idx="1">
+            <a:schemeClr val="accent1"/>
+          </a:lnRef>
+          <a:fillRef idx="0">
+            <a:schemeClr val="accent1"/>
+          </a:fillRef>
+          <a:effectRef idx="0">
+            <a:schemeClr val="accent1"/>
+          </a:effectRef>
+          <a:fontRef idx="minor">
+            <a:schemeClr val="tx1"/>
+          </a:fontRef>
+        </p:style>
+      </p:cxnSp>
+      <p:sp>
+        <p:nvSpPr>
+          <p:cNvPr id="11" name="文本框 10">
+            <a:extLst>
+              <a:ext uri="{FF2B5EF4-FFF2-40B4-BE49-F238E27FC236}">
+                <a16:creationId xmlns:a16="http://schemas.microsoft.com/office/drawing/2014/main" id="{7512DEC0-D5D4-48A4-9B52-2ACD247309CE}"/>
+              </a:ext>
+            </a:extLst>
+          </p:cNvPr>
+          <p:cNvSpPr txBox="1"/>
+          <p:nvPr/>
+        </p:nvSpPr>
+        <p:spPr>
+          <a:xfrm rot="20672740">
+            <a:off x="3028189" y="1806887"/>
+            <a:ext cx="1948791" cy="523220"/>
+          </a:xfrm>
+          <a:prstGeom prst="rect">
+            <a:avLst/>
+          </a:prstGeom>
+          <a:blipFill>
+            <a:blip r:embed="rId6"/>
+            <a:tile tx="0" ty="0" sx="100000" sy="100000" flip="none" algn="tl"/>
+          </a:blipFill>
+        </p:spPr>
+        <p:txBody>
+          <a:bodyPr wrap="square" rtlCol="0">
+            <a:spAutoFit/>
+          </a:bodyPr>
+          <a:lstStyle/>
+          <a:p>
+            <a:r>
+              <a:rPr lang="en-US" altLang="zh-CN" sz="1400" dirty="0"/>
+              <a:t>git checkout master</a:t>
+            </a:r>
+          </a:p>
+          <a:p>
+            <a:r>
+              <a:rPr lang="en-US" altLang="zh-CN" sz="1400" dirty="0"/>
+              <a:t>git merge experiment</a:t>
+            </a:r>
+          </a:p>
+        </p:txBody>
+      </p:sp>
+      <p:cxnSp>
+        <p:nvCxnSpPr>
+          <p:cNvPr id="9" name="直接箭头连接符 8">
+            <a:extLst>
+              <a:ext uri="{FF2B5EF4-FFF2-40B4-BE49-F238E27FC236}">
+                <a16:creationId xmlns:a16="http://schemas.microsoft.com/office/drawing/2014/main" id="{E9B763C3-A3EF-4272-A2C5-B6945B9949B4}"/>
+              </a:ext>
+            </a:extLst>
+          </p:cNvPr>
+          <p:cNvCxnSpPr/>
+          <p:nvPr/>
+        </p:nvCxnSpPr>
+        <p:spPr>
+          <a:xfrm>
+            <a:off x="2902998" y="3231472"/>
+            <a:ext cx="3071674" cy="878889"/>
+          </a:xfrm>
+          <a:prstGeom prst="straightConnector1">
+            <a:avLst/>
+          </a:prstGeom>
+          <a:ln>
+            <a:tailEnd type="triangle"/>
+          </a:ln>
+        </p:spPr>
+        <p:style>
+          <a:lnRef idx="1">
+            <a:schemeClr val="accent1"/>
+          </a:lnRef>
+          <a:fillRef idx="0">
+            <a:schemeClr val="accent1"/>
+          </a:fillRef>
+          <a:effectRef idx="0">
+            <a:schemeClr val="accent1"/>
+          </a:effectRef>
+          <a:fontRef idx="minor">
+            <a:schemeClr val="tx1"/>
+          </a:fontRef>
+        </p:style>
+      </p:cxnSp>
+      <p:sp>
+        <p:nvSpPr>
+          <p:cNvPr id="15" name="文本框 14">
+            <a:extLst>
+              <a:ext uri="{FF2B5EF4-FFF2-40B4-BE49-F238E27FC236}">
+                <a16:creationId xmlns:a16="http://schemas.microsoft.com/office/drawing/2014/main" id="{75DACBD8-06C0-4D98-B566-D5B72D1618F2}"/>
+              </a:ext>
+            </a:extLst>
+          </p:cNvPr>
+          <p:cNvSpPr txBox="1"/>
+          <p:nvPr/>
+        </p:nvSpPr>
+        <p:spPr>
+          <a:xfrm rot="904862">
+            <a:off x="3028191" y="3683119"/>
+            <a:ext cx="1948791" cy="523220"/>
+          </a:xfrm>
+          <a:prstGeom prst="rect">
+            <a:avLst/>
+          </a:prstGeom>
+          <a:blipFill>
+            <a:blip r:embed="rId6"/>
+            <a:tile tx="0" ty="0" sx="100000" sy="100000" flip="none" algn="tl"/>
+          </a:blipFill>
+        </p:spPr>
+        <p:txBody>
+          <a:bodyPr wrap="square" rtlCol="0">
+            <a:spAutoFit/>
+          </a:bodyPr>
+          <a:lstStyle/>
+          <a:p>
+            <a:r>
+              <a:rPr lang="en-US" altLang="zh-CN" sz="1400" dirty="0"/>
+              <a:t>git checkout experiment</a:t>
+            </a:r>
+          </a:p>
+          <a:p>
+            <a:r>
+              <a:rPr lang="en-US" altLang="zh-CN" sz="1400" dirty="0"/>
+              <a:t>git rebase master</a:t>
+            </a:r>
+          </a:p>
+        </p:txBody>
+      </p:sp>
+      <p:cxnSp>
+        <p:nvCxnSpPr>
+          <p:cNvPr id="12" name="直接箭头连接符 11">
+            <a:extLst>
+              <a:ext uri="{FF2B5EF4-FFF2-40B4-BE49-F238E27FC236}">
+                <a16:creationId xmlns:a16="http://schemas.microsoft.com/office/drawing/2014/main" id="{548D13F8-98E7-45A4-AC2E-92B744E73B5E}"/>
+              </a:ext>
+            </a:extLst>
+          </p:cNvPr>
+          <p:cNvCxnSpPr/>
+          <p:nvPr/>
+        </p:nvCxnSpPr>
+        <p:spPr>
+          <a:xfrm flipH="1">
+            <a:off x="4634144" y="5211192"/>
+            <a:ext cx="3497802" cy="736847"/>
+          </a:xfrm>
+          <a:prstGeom prst="straightConnector1">
+            <a:avLst/>
+          </a:prstGeom>
+          <a:ln>
+            <a:tailEnd type="triangle"/>
+          </a:ln>
+        </p:spPr>
+        <p:style>
+          <a:lnRef idx="1">
+            <a:schemeClr val="accent1"/>
+          </a:lnRef>
+          <a:fillRef idx="0">
+            <a:schemeClr val="accent1"/>
+          </a:fillRef>
+          <a:effectRef idx="0">
+            <a:schemeClr val="accent1"/>
+          </a:effectRef>
+          <a:fontRef idx="minor">
+            <a:schemeClr val="tx1"/>
+          </a:fontRef>
+        </p:style>
+      </p:cxnSp>
+      <p:sp>
+        <p:nvSpPr>
+          <p:cNvPr id="18" name="文本框 17">
+            <a:extLst>
+              <a:ext uri="{FF2B5EF4-FFF2-40B4-BE49-F238E27FC236}">
+                <a16:creationId xmlns:a16="http://schemas.microsoft.com/office/drawing/2014/main" id="{637CFD57-65E0-4868-B27D-7948D87A2684}"/>
+              </a:ext>
+            </a:extLst>
+          </p:cNvPr>
+          <p:cNvSpPr txBox="1"/>
+          <p:nvPr/>
+        </p:nvSpPr>
+        <p:spPr>
+          <a:xfrm rot="20672740">
+            <a:off x="5408650" y="5835052"/>
+            <a:ext cx="1948791" cy="523220"/>
+          </a:xfrm>
+          <a:prstGeom prst="rect">
+            <a:avLst/>
+          </a:prstGeom>
+          <a:blipFill>
+            <a:blip r:embed="rId6"/>
+            <a:tile tx="0" ty="0" sx="100000" sy="100000" flip="none" algn="tl"/>
+          </a:blipFill>
+        </p:spPr>
+        <p:txBody>
+          <a:bodyPr wrap="square" rtlCol="0">
+            <a:spAutoFit/>
+          </a:bodyPr>
+          <a:lstStyle/>
+          <a:p>
+            <a:r>
+              <a:rPr lang="en-US" altLang="zh-CN" sz="1400" dirty="0"/>
+              <a:t>git checkout master</a:t>
+            </a:r>
+          </a:p>
+          <a:p>
+            <a:r>
+              <a:rPr lang="en-US" altLang="zh-CN" sz="1400" dirty="0"/>
+              <a:t>git merge experiment</a:t>
+            </a:r>
           </a:p>
         </p:txBody>
       </p:sp>
     </p:spTree>
     <p:extLst>
       <p:ext uri="{BB962C8B-B14F-4D97-AF65-F5344CB8AC3E}">
-        <p14:creationId xmlns:p14="http://schemas.microsoft.com/office/powerpoint/2010/main" val="3947759081"/>
+        <p14:creationId xmlns:p14="http://schemas.microsoft.com/office/powerpoint/2010/main" val="2127317854"/>
       </p:ext>
     </p:extLst>
   </p:cSld>
@@ -7328,7 +8830,7 @@
           <p:cNvPr id="2" name="标题 1">
             <a:extLst>
               <a:ext uri="{FF2B5EF4-FFF2-40B4-BE49-F238E27FC236}">
-                <a16:creationId xmlns:a16="http://schemas.microsoft.com/office/drawing/2014/main" xmlns="" id="{FE61C1F9-8DFF-49A9-AB72-A799748B089A}"/>
+                <a16:creationId xmlns:a16="http://schemas.microsoft.com/office/drawing/2014/main" id="{FE61C1F9-8DFF-49A9-AB72-A799748B089A}"/>
               </a:ext>
             </a:extLst>
           </p:cNvPr>
@@ -7356,7 +8858,7 @@
           <p:cNvPr id="3" name="内容占位符 2">
             <a:extLst>
               <a:ext uri="{FF2B5EF4-FFF2-40B4-BE49-F238E27FC236}">
-                <a16:creationId xmlns:a16="http://schemas.microsoft.com/office/drawing/2014/main" xmlns="" id="{F663EEF2-6DE8-4B23-931A-A41E765AD903}"/>
+                <a16:creationId xmlns:a16="http://schemas.microsoft.com/office/drawing/2014/main" id="{F663EEF2-6DE8-4B23-931A-A41E765AD903}"/>
               </a:ext>
             </a:extLst>
           </p:cNvPr>
@@ -7407,7 +8909,7 @@
           <p:cNvPr id="1026" name="Picture 2" descr="https://www.git-tower.com/learn/content/01-git/01-ebook/cn/01-command-line/02-basics/01-what-is-version-control/what-is-vcs.png">
             <a:extLst>
               <a:ext uri="{FF2B5EF4-FFF2-40B4-BE49-F238E27FC236}">
-                <a16:creationId xmlns:a16="http://schemas.microsoft.com/office/drawing/2014/main" xmlns="" id="{C40CA247-58FF-47F7-A89F-42B360A53647}"/>
+                <a16:creationId xmlns:a16="http://schemas.microsoft.com/office/drawing/2014/main" id="{C40CA247-58FF-47F7-A89F-42B360A53647}"/>
               </a:ext>
             </a:extLst>
           </p:cNvPr>
@@ -7484,7 +8986,7 @@
           <p:cNvPr id="2" name="标题 1">
             <a:extLst>
               <a:ext uri="{FF2B5EF4-FFF2-40B4-BE49-F238E27FC236}">
-                <a16:creationId xmlns:a16="http://schemas.microsoft.com/office/drawing/2014/main" xmlns="" id="{F1947EB6-856B-4314-919B-8C4E1B9400F9}"/>
+                <a16:creationId xmlns:a16="http://schemas.microsoft.com/office/drawing/2014/main" id="{BABA8B19-364F-46D2-A9D4-FA85C653074C}"/>
               </a:ext>
             </a:extLst>
           </p:cNvPr>
@@ -7502,44 +9004,338 @@
           <a:p>
             <a:r>
               <a:rPr lang="en-US" altLang="zh-CN" dirty="0"/>
-              <a:t>HEAD--</a:t>
-            </a:r>
-            <a:r>
-              <a:rPr lang="zh-CN" altLang="en-US" dirty="0"/>
-              <a:t>听过见过但是不知道是什么</a:t>
-            </a:r>
-          </a:p>
-        </p:txBody>
-      </p:sp>
-      <p:sp>
-        <p:nvSpPr>
-          <p:cNvPr id="3" name="内容占位符 2">
-            <a:extLst>
-              <a:ext uri="{FF2B5EF4-FFF2-40B4-BE49-F238E27FC236}">
-                <a16:creationId xmlns:a16="http://schemas.microsoft.com/office/drawing/2014/main" xmlns="" id="{1B510397-2BFF-421F-958E-8B9545D13250}"/>
-              </a:ext>
-            </a:extLst>
-          </p:cNvPr>
-          <p:cNvSpPr>
-            <a:spLocks noGrp="1"/>
-          </p:cNvSpPr>
+              <a:t>Merge vs Rebase</a:t>
+            </a:r>
+            <a:endParaRPr lang="zh-CN" altLang="en-US" dirty="0"/>
+          </a:p>
+        </p:txBody>
+      </p:sp>
+      <p:graphicFrame>
+        <p:nvGraphicFramePr>
+          <p:cNvPr id="4" name="内容占位符 3">
+            <a:extLst>
+              <a:ext uri="{FF2B5EF4-FFF2-40B4-BE49-F238E27FC236}">
+                <a16:creationId xmlns:a16="http://schemas.microsoft.com/office/drawing/2014/main" id="{C1EBABB9-F1A3-465D-AE21-43D37BDAB1BA}"/>
+              </a:ext>
+            </a:extLst>
+          </p:cNvPr>
+          <p:cNvGraphicFramePr>
+            <a:graphicFrameLocks noGrp="1"/>
+          </p:cNvGraphicFramePr>
           <p:nvPr>
             <p:ph idx="1"/>
-          </p:nvPr>
-        </p:nvSpPr>
-        <p:spPr/>
-        <p:txBody>
-          <a:bodyPr/>
-          <a:lstStyle/>
-          <a:p>
-            <a:endParaRPr lang="zh-CN" altLang="en-US"/>
+            <p:extLst>
+              <p:ext uri="{D42A27DB-BD31-4B8C-83A1-F6EECF244321}">
+                <p14:modId xmlns:p14="http://schemas.microsoft.com/office/powerpoint/2010/main" val="3705112038"/>
+              </p:ext>
+            </p:extLst>
+          </p:nvPr>
+        </p:nvGraphicFramePr>
+        <p:xfrm>
+          <a:off x="838200" y="1825625"/>
+          <a:ext cx="10515600" cy="1483360"/>
+        </p:xfrm>
+        <a:graphic>
+          <a:graphicData uri="http://schemas.openxmlformats.org/drawingml/2006/table">
+            <a:tbl>
+              <a:tblPr firstRow="1" bandRow="1">
+                <a:tableStyleId>{7DF18680-E054-41AD-8BC1-D1AEF772440D}</a:tableStyleId>
+              </a:tblPr>
+              <a:tblGrid>
+                <a:gridCol w="1576526">
+                  <a:extLst>
+                    <a:ext uri="{9D8B030D-6E8A-4147-A177-3AD203B41FA5}">
+                      <a16:colId xmlns:a16="http://schemas.microsoft.com/office/drawing/2014/main" val="3631754508"/>
+                    </a:ext>
+                  </a:extLst>
+                </a:gridCol>
+                <a:gridCol w="4057095">
+                  <a:extLst>
+                    <a:ext uri="{9D8B030D-6E8A-4147-A177-3AD203B41FA5}">
+                      <a16:colId xmlns:a16="http://schemas.microsoft.com/office/drawing/2014/main" val="1622972538"/>
+                    </a:ext>
+                  </a:extLst>
+                </a:gridCol>
+                <a:gridCol w="4881979">
+                  <a:extLst>
+                    <a:ext uri="{9D8B030D-6E8A-4147-A177-3AD203B41FA5}">
+                      <a16:colId xmlns:a16="http://schemas.microsoft.com/office/drawing/2014/main" val="2190875268"/>
+                    </a:ext>
+                  </a:extLst>
+                </a:gridCol>
+              </a:tblGrid>
+              <a:tr h="370840">
+                <a:tc>
+                  <a:txBody>
+                    <a:bodyPr/>
+                    <a:lstStyle/>
+                    <a:p>
+                      <a:pPr algn="ctr"/>
+                      <a:endParaRPr lang="zh-CN" altLang="en-US" dirty="0"/>
+                    </a:p>
+                  </a:txBody>
+                  <a:tcPr anchor="ctr"/>
+                </a:tc>
+                <a:tc>
+                  <a:txBody>
+                    <a:bodyPr/>
+                    <a:lstStyle/>
+                    <a:p>
+                      <a:pPr algn="ctr"/>
+                      <a:r>
+                        <a:rPr lang="en-US" altLang="zh-CN" dirty="0"/>
+                        <a:t>Merge</a:t>
+                      </a:r>
+                      <a:endParaRPr lang="zh-CN" altLang="en-US" dirty="0"/>
+                    </a:p>
+                  </a:txBody>
+                  <a:tcPr anchor="ctr"/>
+                </a:tc>
+                <a:tc>
+                  <a:txBody>
+                    <a:bodyPr/>
+                    <a:lstStyle/>
+                    <a:p>
+                      <a:pPr algn="ctr"/>
+                      <a:r>
+                        <a:rPr lang="en-US" altLang="zh-CN" dirty="0"/>
+                        <a:t>Rebase</a:t>
+                      </a:r>
+                      <a:endParaRPr lang="zh-CN" altLang="en-US" dirty="0"/>
+                    </a:p>
+                  </a:txBody>
+                  <a:tcPr anchor="ctr"/>
+                </a:tc>
+                <a:extLst>
+                  <a:ext uri="{0D108BD9-81ED-4DB2-BD59-A6C34878D82A}">
+                    <a16:rowId xmlns:a16="http://schemas.microsoft.com/office/drawing/2014/main" val="2678720748"/>
+                  </a:ext>
+                </a:extLst>
+              </a:tr>
+              <a:tr h="370840">
+                <a:tc>
+                  <a:txBody>
+                    <a:bodyPr/>
+                    <a:lstStyle/>
+                    <a:p>
+                      <a:pPr algn="ctr"/>
+                      <a:r>
+                        <a:rPr lang="zh-CN" altLang="en-US" dirty="0"/>
+                        <a:t>优点</a:t>
+                      </a:r>
+                    </a:p>
+                  </a:txBody>
+                  <a:tcPr anchor="ctr"/>
+                </a:tc>
+                <a:tc>
+                  <a:txBody>
+                    <a:bodyPr/>
+                    <a:lstStyle/>
+                    <a:p>
+                      <a:pPr algn="ctr"/>
+                      <a:r>
+                        <a:rPr lang="zh-CN" altLang="en-US" dirty="0"/>
+                        <a:t>容易理解，保留了完整的提交历史</a:t>
+                      </a:r>
+                    </a:p>
+                  </a:txBody>
+                  <a:tcPr anchor="ctr"/>
+                </a:tc>
+                <a:tc>
+                  <a:txBody>
+                    <a:bodyPr/>
+                    <a:lstStyle/>
+                    <a:p>
+                      <a:pPr algn="ctr"/>
+                      <a:r>
+                        <a:rPr lang="zh-CN" altLang="en-US" dirty="0"/>
+                        <a:t>分支清析，利于提交代码给合作者</a:t>
+                      </a:r>
+                    </a:p>
+                  </a:txBody>
+                  <a:tcPr anchor="ctr"/>
+                </a:tc>
+                <a:extLst>
+                  <a:ext uri="{0D108BD9-81ED-4DB2-BD59-A6C34878D82A}">
+                    <a16:rowId xmlns:a16="http://schemas.microsoft.com/office/drawing/2014/main" val="3683003558"/>
+                  </a:ext>
+                </a:extLst>
+              </a:tr>
+              <a:tr h="370840">
+                <a:tc>
+                  <a:txBody>
+                    <a:bodyPr/>
+                    <a:lstStyle/>
+                    <a:p>
+                      <a:pPr algn="ctr"/>
+                      <a:r>
+                        <a:rPr lang="zh-CN" altLang="en-US" dirty="0"/>
+                        <a:t>缺点</a:t>
+                      </a:r>
+                    </a:p>
+                  </a:txBody>
+                  <a:tcPr anchor="ctr"/>
+                </a:tc>
+                <a:tc>
+                  <a:txBody>
+                    <a:bodyPr/>
+                    <a:lstStyle/>
+                    <a:p>
+                      <a:pPr algn="ctr"/>
+                      <a:r>
+                        <a:rPr lang="zh-CN" altLang="en-US" dirty="0"/>
+                        <a:t>分支比较复杂，不利于其他的理解</a:t>
+                      </a:r>
+                    </a:p>
+                  </a:txBody>
+                  <a:tcPr anchor="ctr"/>
+                </a:tc>
+                <a:tc>
+                  <a:txBody>
+                    <a:bodyPr/>
+                    <a:lstStyle/>
+                    <a:p>
+                      <a:pPr algn="ctr"/>
+                      <a:r>
+                        <a:rPr lang="zh-CN" altLang="en-US" dirty="0"/>
+                        <a:t>重写了提交历史，无法完整的回溯</a:t>
+                      </a:r>
+                    </a:p>
+                  </a:txBody>
+                  <a:tcPr anchor="ctr"/>
+                </a:tc>
+                <a:extLst>
+                  <a:ext uri="{0D108BD9-81ED-4DB2-BD59-A6C34878D82A}">
+                    <a16:rowId xmlns:a16="http://schemas.microsoft.com/office/drawing/2014/main" val="493528683"/>
+                  </a:ext>
+                </a:extLst>
+              </a:tr>
+              <a:tr h="370840">
+                <a:tc>
+                  <a:txBody>
+                    <a:bodyPr/>
+                    <a:lstStyle/>
+                    <a:p>
+                      <a:pPr algn="ctr"/>
+                      <a:r>
+                        <a:rPr lang="zh-CN" altLang="en-US" dirty="0"/>
+                        <a:t>适用场景</a:t>
+                      </a:r>
+                    </a:p>
+                  </a:txBody>
+                  <a:tcPr anchor="ctr"/>
+                </a:tc>
+                <a:tc>
+                  <a:txBody>
+                    <a:bodyPr/>
+                    <a:lstStyle/>
+                    <a:p>
+                      <a:pPr algn="ctr"/>
+                      <a:r>
+                        <a:rPr lang="zh-CN" altLang="en-US" dirty="0"/>
+                        <a:t>一般场景都适用</a:t>
+                      </a:r>
+                    </a:p>
+                  </a:txBody>
+                  <a:tcPr anchor="ctr"/>
+                </a:tc>
+                <a:tc>
+                  <a:txBody>
+                    <a:bodyPr/>
+                    <a:lstStyle/>
+                    <a:p>
+                      <a:pPr algn="ctr"/>
+                      <a:r>
+                        <a:rPr lang="zh-CN" altLang="en-US" dirty="0"/>
+                        <a:t>个人开发</a:t>
+                      </a:r>
+                    </a:p>
+                  </a:txBody>
+                  <a:tcPr anchor="ctr"/>
+                </a:tc>
+                <a:extLst>
+                  <a:ext uri="{0D108BD9-81ED-4DB2-BD59-A6C34878D82A}">
+                    <a16:rowId xmlns:a16="http://schemas.microsoft.com/office/drawing/2014/main" val="1030177737"/>
+                  </a:ext>
+                </a:extLst>
+              </a:tr>
+            </a:tbl>
+          </a:graphicData>
+        </a:graphic>
+      </p:graphicFrame>
+      <p:sp>
+        <p:nvSpPr>
+          <p:cNvPr id="6" name="文本框 5">
+            <a:extLst>
+              <a:ext uri="{FF2B5EF4-FFF2-40B4-BE49-F238E27FC236}">
+                <a16:creationId xmlns:a16="http://schemas.microsoft.com/office/drawing/2014/main" id="{7F8A9ADD-8A97-4C02-8BFB-24E655C81105}"/>
+              </a:ext>
+            </a:extLst>
+          </p:cNvPr>
+          <p:cNvSpPr txBox="1"/>
+          <p:nvPr/>
+        </p:nvSpPr>
+        <p:spPr>
+          <a:xfrm>
+            <a:off x="2077376" y="4341181"/>
+            <a:ext cx="8754320" cy="1569660"/>
+          </a:xfrm>
+          <a:prstGeom prst="rect">
+            <a:avLst/>
+          </a:prstGeom>
+          <a:noFill/>
+        </p:spPr>
+        <p:txBody>
+          <a:bodyPr wrap="none" rtlCol="0">
+            <a:spAutoFit/>
+          </a:bodyPr>
+          <a:lstStyle/>
+          <a:p>
+            <a:r>
+              <a:rPr lang="en-US" altLang="zh-CN" sz="3200" dirty="0">
+                <a:solidFill>
+                  <a:srgbClr val="FF0000"/>
+                </a:solidFill>
+              </a:rPr>
+              <a:t>Never use git rebase on public branches</a:t>
+            </a:r>
+            <a:r>
+              <a:rPr lang="zh-CN" altLang="en-US" sz="3200" dirty="0">
+                <a:solidFill>
+                  <a:srgbClr val="FF0000"/>
+                </a:solidFill>
+              </a:rPr>
+              <a:t>！</a:t>
+            </a:r>
+            <a:endParaRPr lang="en-US" altLang="zh-CN" sz="3200" dirty="0">
+              <a:solidFill>
+                <a:srgbClr val="FF0000"/>
+              </a:solidFill>
+            </a:endParaRPr>
+          </a:p>
+          <a:p>
+            <a:r>
+              <a:rPr lang="en-US" altLang="zh-CN" sz="3200" dirty="0"/>
+              <a:t>						--</a:t>
+            </a:r>
+            <a:r>
+              <a:rPr lang="en-US" altLang="zh-CN" dirty="0"/>
+              <a:t>The Golden Rule of Rebasing</a:t>
+            </a:r>
+          </a:p>
+          <a:p>
+            <a:endParaRPr lang="zh-CN" altLang="en-US" sz="3200" dirty="0">
+              <a:solidFill>
+                <a:srgbClr val="FF0000"/>
+              </a:solidFill>
+            </a:endParaRPr>
           </a:p>
         </p:txBody>
       </p:sp>
     </p:spTree>
     <p:extLst>
       <p:ext uri="{BB962C8B-B14F-4D97-AF65-F5344CB8AC3E}">
-        <p14:creationId xmlns:p14="http://schemas.microsoft.com/office/powerpoint/2010/main" val="2387848163"/>
+        <p14:creationId xmlns:p14="http://schemas.microsoft.com/office/powerpoint/2010/main" val="2202250649"/>
       </p:ext>
     </p:extLst>
   </p:cSld>
@@ -7571,7 +9367,7 @@
           <p:cNvPr id="2" name="标题 1">
             <a:extLst>
               <a:ext uri="{FF2B5EF4-FFF2-40B4-BE49-F238E27FC236}">
-                <a16:creationId xmlns:a16="http://schemas.microsoft.com/office/drawing/2014/main" xmlns="" id="{26DA51C3-C06C-44DD-95F3-A2C7F6759BEE}"/>
+                <a16:creationId xmlns:a16="http://schemas.microsoft.com/office/drawing/2014/main" id="{F1947EB6-856B-4314-919B-8C4E1B9400F9}"/>
               </a:ext>
             </a:extLst>
           </p:cNvPr>
@@ -7589,44 +9385,157 @@
           <a:p>
             <a:r>
               <a:rPr lang="en-US" altLang="zh-CN" dirty="0"/>
-              <a:t>Cherry Pick--</a:t>
-            </a:r>
-            <a:r>
-              <a:rPr lang="zh-CN" altLang="en-US" dirty="0"/>
-              <a:t>不知道怎么翻成中文</a:t>
-            </a:r>
-          </a:p>
-        </p:txBody>
-      </p:sp>
-      <p:sp>
-        <p:nvSpPr>
-          <p:cNvPr id="3" name="内容占位符 2">
-            <a:extLst>
-              <a:ext uri="{FF2B5EF4-FFF2-40B4-BE49-F238E27FC236}">
-                <a16:creationId xmlns:a16="http://schemas.microsoft.com/office/drawing/2014/main" xmlns="" id="{BAF4612B-5658-43D7-B132-930900102701}"/>
-              </a:ext>
-            </a:extLst>
-          </p:cNvPr>
-          <p:cNvSpPr>
-            <a:spLocks noGrp="1"/>
-          </p:cNvSpPr>
-          <p:nvPr>
-            <p:ph idx="1"/>
-          </p:nvPr>
-        </p:nvSpPr>
-        <p:spPr/>
-        <p:txBody>
-          <a:bodyPr/>
-          <a:lstStyle/>
-          <a:p>
-            <a:endParaRPr lang="zh-CN" altLang="en-US"/>
-          </a:p>
-        </p:txBody>
-      </p:sp>
+              <a:t>HEAD</a:t>
+            </a:r>
+            <a:endParaRPr lang="zh-CN" altLang="en-US" dirty="0"/>
+          </a:p>
+        </p:txBody>
+      </p:sp>
+      <p:pic>
+        <p:nvPicPr>
+          <p:cNvPr id="3074" name="Picture 2" descr="https://img-blog.csdn.net/20141230143856975?watermark/2/text/aHR0cDovL2Jsb2cuY3Nkbi5uZXQvYmRzczU4/font/5a6L5L2T/fontsize/400/fill/I0JBQkFCMA==/dissolve/70/gravity/Center">
+            <a:extLst>
+              <a:ext uri="{FF2B5EF4-FFF2-40B4-BE49-F238E27FC236}">
+                <a16:creationId xmlns:a16="http://schemas.microsoft.com/office/drawing/2014/main" id="{D05F56F0-D025-4EF5-8496-5A5689571FEA}"/>
+              </a:ext>
+            </a:extLst>
+          </p:cNvPr>
+          <p:cNvPicPr>
+            <a:picLocks noChangeAspect="1" noChangeArrowheads="1"/>
+          </p:cNvPicPr>
+          <p:nvPr/>
+        </p:nvPicPr>
+        <p:blipFill>
+          <a:blip r:embed="rId2">
+            <a:extLst>
+              <a:ext uri="{28A0092B-C50C-407E-A947-70E740481C1C}">
+                <a14:useLocalDpi xmlns:a14="http://schemas.microsoft.com/office/drawing/2010/main" val="0"/>
+              </a:ext>
+            </a:extLst>
+          </a:blip>
+          <a:srcRect/>
+          <a:stretch>
+            <a:fillRect/>
+          </a:stretch>
+        </p:blipFill>
+        <p:spPr bwMode="auto">
+          <a:xfrm>
+            <a:off x="232532" y="1990725"/>
+            <a:ext cx="2867025" cy="1438275"/>
+          </a:xfrm>
+          <a:prstGeom prst="rect">
+            <a:avLst/>
+          </a:prstGeom>
+          <a:noFill/>
+          <a:extLst>
+            <a:ext uri="{909E8E84-426E-40DD-AFC4-6F175D3DCCD1}">
+              <a14:hiddenFill xmlns:a14="http://schemas.microsoft.com/office/drawing/2010/main">
+                <a:solidFill>
+                  <a:srgbClr val="FFFFFF"/>
+                </a:solidFill>
+              </a14:hiddenFill>
+            </a:ext>
+          </a:extLst>
+        </p:spPr>
+      </p:pic>
+      <p:pic>
+        <p:nvPicPr>
+          <p:cNvPr id="3076" name="Picture 4" descr="https://img-blog.csdn.net/20141230143916421?watermark/2/text/aHR0cDovL2Jsb2cuY3Nkbi5uZXQvYmRzczU4/font/5a6L5L2T/fontsize/400/fill/I0JBQkFCMA==/dissolve/70/gravity/Center">
+            <a:extLst>
+              <a:ext uri="{FF2B5EF4-FFF2-40B4-BE49-F238E27FC236}">
+                <a16:creationId xmlns:a16="http://schemas.microsoft.com/office/drawing/2014/main" id="{51242876-C870-4046-A63D-2483AEFA3A0C}"/>
+              </a:ext>
+            </a:extLst>
+          </p:cNvPr>
+          <p:cNvPicPr>
+            <a:picLocks noChangeAspect="1" noChangeArrowheads="1"/>
+          </p:cNvPicPr>
+          <p:nvPr/>
+        </p:nvPicPr>
+        <p:blipFill>
+          <a:blip r:embed="rId3">
+            <a:extLst>
+              <a:ext uri="{28A0092B-C50C-407E-A947-70E740481C1C}">
+                <a14:useLocalDpi xmlns:a14="http://schemas.microsoft.com/office/drawing/2010/main" val="0"/>
+              </a:ext>
+            </a:extLst>
+          </a:blip>
+          <a:srcRect/>
+          <a:stretch>
+            <a:fillRect/>
+          </a:stretch>
+        </p:blipFill>
+        <p:spPr bwMode="auto">
+          <a:xfrm>
+            <a:off x="3513755" y="2416900"/>
+            <a:ext cx="3495675" cy="2219325"/>
+          </a:xfrm>
+          <a:prstGeom prst="rect">
+            <a:avLst/>
+          </a:prstGeom>
+          <a:noFill/>
+          <a:extLst>
+            <a:ext uri="{909E8E84-426E-40DD-AFC4-6F175D3DCCD1}">
+              <a14:hiddenFill xmlns:a14="http://schemas.microsoft.com/office/drawing/2010/main">
+                <a:solidFill>
+                  <a:srgbClr val="FFFFFF"/>
+                </a:solidFill>
+              </a14:hiddenFill>
+            </a:ext>
+          </a:extLst>
+        </p:spPr>
+      </p:pic>
+      <p:pic>
+        <p:nvPicPr>
+          <p:cNvPr id="3078" name="Picture 6" descr="https://img-blog.csdn.net/20141230143942948?watermark/2/text/aHR0cDovL2Jsb2cuY3Nkbi5uZXQvYmRzczU4/font/5a6L5L2T/fontsize/400/fill/I0JBQkFCMA==/dissolve/70/gravity/Center">
+            <a:extLst>
+              <a:ext uri="{FF2B5EF4-FFF2-40B4-BE49-F238E27FC236}">
+                <a16:creationId xmlns:a16="http://schemas.microsoft.com/office/drawing/2014/main" id="{8081BB8E-3487-485C-82F4-FCEF9CEE35B9}"/>
+              </a:ext>
+            </a:extLst>
+          </p:cNvPr>
+          <p:cNvPicPr>
+            <a:picLocks noChangeAspect="1" noChangeArrowheads="1"/>
+          </p:cNvPicPr>
+          <p:nvPr/>
+        </p:nvPicPr>
+        <p:blipFill>
+          <a:blip r:embed="rId4">
+            <a:extLst>
+              <a:ext uri="{28A0092B-C50C-407E-A947-70E740481C1C}">
+                <a14:useLocalDpi xmlns:a14="http://schemas.microsoft.com/office/drawing/2010/main" val="0"/>
+              </a:ext>
+            </a:extLst>
+          </a:blip>
+          <a:srcRect/>
+          <a:stretch>
+            <a:fillRect/>
+          </a:stretch>
+        </p:blipFill>
+        <p:spPr bwMode="auto">
+          <a:xfrm>
+            <a:off x="7009430" y="2416900"/>
+            <a:ext cx="4705350" cy="2219325"/>
+          </a:xfrm>
+          <a:prstGeom prst="rect">
+            <a:avLst/>
+          </a:prstGeom>
+          <a:noFill/>
+          <a:extLst>
+            <a:ext uri="{909E8E84-426E-40DD-AFC4-6F175D3DCCD1}">
+              <a14:hiddenFill xmlns:a14="http://schemas.microsoft.com/office/drawing/2010/main">
+                <a:solidFill>
+                  <a:srgbClr val="FFFFFF"/>
+                </a:solidFill>
+              </a14:hiddenFill>
+            </a:ext>
+          </a:extLst>
+        </p:spPr>
+      </p:pic>
     </p:spTree>
     <p:extLst>
       <p:ext uri="{BB962C8B-B14F-4D97-AF65-F5344CB8AC3E}">
-        <p14:creationId xmlns:p14="http://schemas.microsoft.com/office/powerpoint/2010/main" val="3849983147"/>
+        <p14:creationId xmlns:p14="http://schemas.microsoft.com/office/powerpoint/2010/main" val="2387848163"/>
       </p:ext>
     </p:extLst>
   </p:cSld>
@@ -7653,12 +9562,888 @@
           <a:chExt cx="0" cy="0"/>
         </a:xfrm>
       </p:grpSpPr>
+      <p:pic>
+        <p:nvPicPr>
+          <p:cNvPr id="4" name="图片 3">
+            <a:extLst>
+              <a:ext uri="{FF2B5EF4-FFF2-40B4-BE49-F238E27FC236}">
+                <a16:creationId xmlns:a16="http://schemas.microsoft.com/office/drawing/2014/main" id="{554A5D4F-3F79-495C-A8EC-58D1E93AF933}"/>
+              </a:ext>
+            </a:extLst>
+          </p:cNvPr>
+          <p:cNvPicPr>
+            <a:picLocks noChangeAspect="1"/>
+          </p:cNvPicPr>
+          <p:nvPr/>
+        </p:nvPicPr>
+        <p:blipFill>
+          <a:blip r:embed="rId2"/>
+          <a:stretch>
+            <a:fillRect/>
+          </a:stretch>
+        </p:blipFill>
+        <p:spPr>
+          <a:xfrm>
+            <a:off x="4129456" y="370553"/>
+            <a:ext cx="7260593" cy="1362188"/>
+          </a:xfrm>
+          <a:prstGeom prst="rect">
+            <a:avLst/>
+          </a:prstGeom>
+        </p:spPr>
+      </p:pic>
+      <p:sp>
+        <p:nvSpPr>
+          <p:cNvPr id="5" name="矩形 4">
+            <a:extLst>
+              <a:ext uri="{FF2B5EF4-FFF2-40B4-BE49-F238E27FC236}">
+                <a16:creationId xmlns:a16="http://schemas.microsoft.com/office/drawing/2014/main" id="{81DE91DC-FF79-48F7-87DE-B817AD7ED5EF}"/>
+              </a:ext>
+            </a:extLst>
+          </p:cNvPr>
+          <p:cNvSpPr/>
+          <p:nvPr/>
+        </p:nvSpPr>
+        <p:spPr>
+          <a:xfrm>
+            <a:off x="233778" y="612844"/>
+            <a:ext cx="3130859" cy="5632311"/>
+          </a:xfrm>
+          <a:prstGeom prst="rect">
+            <a:avLst/>
+          </a:prstGeom>
+        </p:spPr>
+        <p:txBody>
+          <a:bodyPr wrap="square">
+            <a:spAutoFit/>
+          </a:bodyPr>
+          <a:lstStyle/>
+          <a:p>
+            <a:r>
+              <a:rPr lang="zh-CN" altLang="en-US" dirty="0"/>
+              <a:t>.git</a:t>
+            </a:r>
+          </a:p>
+          <a:p>
+            <a:r>
+              <a:rPr lang="zh-CN" altLang="en-US" dirty="0"/>
+              <a:t>├── COMMIT_EDITMSG</a:t>
+            </a:r>
+          </a:p>
+          <a:p>
+            <a:r>
+              <a:rPr lang="zh-CN" altLang="en-US" dirty="0"/>
+              <a:t>├── </a:t>
+            </a:r>
+            <a:r>
+              <a:rPr lang="zh-CN" altLang="en-US" dirty="0">
+                <a:solidFill>
+                  <a:srgbClr val="FF0000"/>
+                </a:solidFill>
+              </a:rPr>
+              <a:t>HEAD</a:t>
+            </a:r>
+          </a:p>
+          <a:p>
+            <a:r>
+              <a:rPr lang="zh-CN" altLang="en-US" dirty="0"/>
+              <a:t>├── branches</a:t>
+            </a:r>
+          </a:p>
+          <a:p>
+            <a:r>
+              <a:rPr lang="zh-CN" altLang="en-US" dirty="0"/>
+              <a:t>├── config</a:t>
+            </a:r>
+          </a:p>
+          <a:p>
+            <a:r>
+              <a:rPr lang="zh-CN" altLang="en-US" dirty="0"/>
+              <a:t>├── description</a:t>
+            </a:r>
+          </a:p>
+          <a:p>
+            <a:r>
+              <a:rPr lang="zh-CN" altLang="en-US" dirty="0"/>
+              <a:t>├── hooks</a:t>
+            </a:r>
+          </a:p>
+          <a:p>
+            <a:r>
+              <a:rPr lang="zh-CN" altLang="en-US" dirty="0"/>
+              <a:t>├── index</a:t>
+            </a:r>
+          </a:p>
+          <a:p>
+            <a:r>
+              <a:rPr lang="zh-CN" altLang="en-US" dirty="0"/>
+              <a:t>├── info</a:t>
+            </a:r>
+          </a:p>
+          <a:p>
+            <a:r>
+              <a:rPr lang="zh-CN" altLang="en-US" dirty="0"/>
+              <a:t>├── logs</a:t>
+            </a:r>
+          </a:p>
+          <a:p>
+            <a:r>
+              <a:rPr lang="zh-CN" altLang="en-US" dirty="0"/>
+              <a:t>├── objects</a:t>
+            </a:r>
+          </a:p>
+          <a:p>
+            <a:r>
+              <a:rPr lang="zh-CN" altLang="en-US" dirty="0"/>
+              <a:t>├── packed-refs</a:t>
+            </a:r>
+          </a:p>
+          <a:p>
+            <a:r>
+              <a:rPr lang="zh-CN" altLang="en-US" dirty="0"/>
+              <a:t>└── refs</a:t>
+            </a:r>
+          </a:p>
+          <a:p>
+            <a:r>
+              <a:rPr lang="zh-CN" altLang="en-US" dirty="0"/>
+              <a:t>    ├── </a:t>
+            </a:r>
+            <a:r>
+              <a:rPr lang="zh-CN" altLang="en-US" dirty="0">
+                <a:solidFill>
+                  <a:srgbClr val="FF0000"/>
+                </a:solidFill>
+              </a:rPr>
+              <a:t>heads</a:t>
+            </a:r>
+          </a:p>
+          <a:p>
+            <a:r>
+              <a:rPr lang="zh-CN" altLang="en-US" dirty="0"/>
+              <a:t>    │   ├── dev</a:t>
+            </a:r>
+          </a:p>
+          <a:p>
+            <a:r>
+              <a:rPr lang="zh-CN" altLang="en-US" dirty="0"/>
+              <a:t>    │   └── master</a:t>
+            </a:r>
+          </a:p>
+          <a:p>
+            <a:r>
+              <a:rPr lang="zh-CN" altLang="en-US" dirty="0"/>
+              <a:t>    ├── remotes</a:t>
+            </a:r>
+          </a:p>
+          <a:p>
+            <a:r>
+              <a:rPr lang="zh-CN" altLang="en-US" dirty="0"/>
+              <a:t>    │   └── origin</a:t>
+            </a:r>
+          </a:p>
+          <a:p>
+            <a:r>
+              <a:rPr lang="zh-CN" altLang="en-US" dirty="0"/>
+              <a:t>    │       └── HEAD</a:t>
+            </a:r>
+          </a:p>
+          <a:p>
+            <a:r>
+              <a:rPr lang="zh-CN" altLang="en-US" dirty="0"/>
+              <a:t>    └── tags</a:t>
+            </a:r>
+          </a:p>
+        </p:txBody>
+      </p:sp>
+      <p:pic>
+        <p:nvPicPr>
+          <p:cNvPr id="6" name="图片 5">
+            <a:extLst>
+              <a:ext uri="{FF2B5EF4-FFF2-40B4-BE49-F238E27FC236}">
+                <a16:creationId xmlns:a16="http://schemas.microsoft.com/office/drawing/2014/main" id="{769CA084-07C8-49CE-A4F4-BD641DC90AA9}"/>
+              </a:ext>
+            </a:extLst>
+          </p:cNvPr>
+          <p:cNvPicPr>
+            <a:picLocks noChangeAspect="1"/>
+          </p:cNvPicPr>
+          <p:nvPr/>
+        </p:nvPicPr>
+        <p:blipFill>
+          <a:blip r:embed="rId3"/>
+          <a:stretch>
+            <a:fillRect/>
+          </a:stretch>
+        </p:blipFill>
+        <p:spPr>
+          <a:xfrm>
+            <a:off x="4129456" y="3429000"/>
+            <a:ext cx="7205789" cy="1620962"/>
+          </a:xfrm>
+          <a:prstGeom prst="rect">
+            <a:avLst/>
+          </a:prstGeom>
+        </p:spPr>
+      </p:pic>
+    </p:spTree>
+    <p:extLst>
+      <p:ext uri="{BB962C8B-B14F-4D97-AF65-F5344CB8AC3E}">
+        <p14:creationId xmlns:p14="http://schemas.microsoft.com/office/powerpoint/2010/main" val="2595738905"/>
+      </p:ext>
+    </p:extLst>
+  </p:cSld>
+  <p:clrMapOvr>
+    <a:masterClrMapping/>
+  </p:clrMapOvr>
+</p:sld>
+</file>
+
+<file path=ppt/slides/slide33.xml><?xml version="1.0" encoding="utf-8"?>
+<p:sld xmlns:a="http://schemas.openxmlformats.org/drawingml/2006/main" xmlns:r="http://schemas.openxmlformats.org/officeDocument/2006/relationships" xmlns:p="http://schemas.openxmlformats.org/presentationml/2006/main">
+  <p:cSld>
+    <p:spTree>
+      <p:nvGrpSpPr>
+        <p:cNvPr id="1" name=""/>
+        <p:cNvGrpSpPr/>
+        <p:nvPr/>
+      </p:nvGrpSpPr>
+      <p:grpSpPr>
+        <a:xfrm>
+          <a:off x="0" y="0"/>
+          <a:ext cx="0" cy="0"/>
+          <a:chOff x="0" y="0"/>
+          <a:chExt cx="0" cy="0"/>
+        </a:xfrm>
+      </p:grpSpPr>
+      <p:sp>
+        <p:nvSpPr>
+          <p:cNvPr id="2" name="标题 1"/>
+          <p:cNvSpPr>
+            <a:spLocks noGrp="1"/>
+          </p:cNvSpPr>
+          <p:nvPr>
+            <p:ph type="title"/>
+          </p:nvPr>
+        </p:nvSpPr>
+        <p:spPr/>
+        <p:txBody>
+          <a:bodyPr/>
+          <a:lstStyle/>
+          <a:p>
+            <a:r>
+              <a:rPr kumimoji="1" lang="zh-CN" altLang="en-US" dirty="0"/>
+              <a:t>撤消更改</a:t>
+            </a:r>
+          </a:p>
+        </p:txBody>
+      </p:sp>
+      <p:sp>
+        <p:nvSpPr>
+          <p:cNvPr id="3" name="内容占位符 2"/>
+          <p:cNvSpPr>
+            <a:spLocks noGrp="1"/>
+          </p:cNvSpPr>
+          <p:nvPr>
+            <p:ph idx="1"/>
+          </p:nvPr>
+        </p:nvSpPr>
+        <p:spPr>
+          <a:xfrm>
+            <a:off x="838200" y="1411550"/>
+            <a:ext cx="10515600" cy="5344357"/>
+          </a:xfrm>
+        </p:spPr>
+        <p:txBody>
+          <a:bodyPr>
+            <a:normAutofit/>
+          </a:bodyPr>
+          <a:lstStyle/>
+          <a:p>
+            <a:r>
+              <a:rPr kumimoji="1" lang="zh-CN" altLang="en-US" dirty="0"/>
+              <a:t>取消对文件的修改  </a:t>
+            </a:r>
+            <a:r>
+              <a:rPr kumimoji="1" lang="en-US" altLang="zh-CN" dirty="0"/>
+              <a:t>git checkout -- &lt;file&gt;</a:t>
+            </a:r>
+          </a:p>
+          <a:p>
+            <a:pPr marL="457200" lvl="1" indent="0">
+              <a:buNone/>
+            </a:pPr>
+            <a:endParaRPr kumimoji="1" lang="en-US" altLang="zh-CN" dirty="0"/>
+          </a:p>
+          <a:p>
+            <a:pPr lvl="1"/>
+            <a:endParaRPr kumimoji="1" lang="en-US" altLang="zh-CN" dirty="0"/>
+          </a:p>
+          <a:p>
+            <a:pPr lvl="1"/>
+            <a:endParaRPr kumimoji="1" lang="en-US" altLang="zh-CN" dirty="0"/>
+          </a:p>
+          <a:p>
+            <a:pPr lvl="1"/>
+            <a:endParaRPr kumimoji="1" lang="en-US" altLang="zh-CN" dirty="0"/>
+          </a:p>
+          <a:p>
+            <a:pPr lvl="1"/>
+            <a:endParaRPr kumimoji="1" lang="en-US" altLang="zh-CN" dirty="0"/>
+          </a:p>
+          <a:p>
+            <a:pPr marL="457200" lvl="1" indent="0">
+              <a:buNone/>
+            </a:pPr>
+            <a:endParaRPr kumimoji="1" lang="en-US" altLang="zh-CN" dirty="0"/>
+          </a:p>
+          <a:p>
+            <a:endParaRPr kumimoji="1" lang="en-US" altLang="zh-CN" dirty="0"/>
+          </a:p>
+          <a:p>
+            <a:r>
+              <a:rPr kumimoji="1" lang="zh-CN" altLang="en-US" dirty="0"/>
+              <a:t>取消暂存  </a:t>
+            </a:r>
+            <a:r>
+              <a:rPr kumimoji="1" lang="en-US" altLang="zh-CN" dirty="0"/>
+              <a:t>git reset HEAD &lt;file&gt;</a:t>
+            </a:r>
+            <a:endParaRPr kumimoji="1" lang="zh-CN" altLang="en-US" dirty="0"/>
+          </a:p>
+          <a:p>
+            <a:pPr marL="0" indent="0">
+              <a:buNone/>
+            </a:pPr>
+            <a:endParaRPr kumimoji="1" lang="zh-CN" altLang="en-US" dirty="0"/>
+          </a:p>
+        </p:txBody>
+      </p:sp>
+      <p:pic>
+        <p:nvPicPr>
+          <p:cNvPr id="5" name="图片 4">
+            <a:extLst>
+              <a:ext uri="{FF2B5EF4-FFF2-40B4-BE49-F238E27FC236}">
+                <a16:creationId xmlns:a16="http://schemas.microsoft.com/office/drawing/2014/main" id="{BC50EA13-13AE-452E-B432-D1711EF7181D}"/>
+              </a:ext>
+            </a:extLst>
+          </p:cNvPr>
+          <p:cNvPicPr>
+            <a:picLocks noChangeAspect="1"/>
+          </p:cNvPicPr>
+          <p:nvPr/>
+        </p:nvPicPr>
+        <p:blipFill>
+          <a:blip r:embed="rId3"/>
+          <a:stretch>
+            <a:fillRect/>
+          </a:stretch>
+        </p:blipFill>
+        <p:spPr>
+          <a:xfrm>
+            <a:off x="1138607" y="5303113"/>
+            <a:ext cx="5724525" cy="1390650"/>
+          </a:xfrm>
+          <a:prstGeom prst="rect">
+            <a:avLst/>
+          </a:prstGeom>
+        </p:spPr>
+      </p:pic>
+      <p:pic>
+        <p:nvPicPr>
+          <p:cNvPr id="6" name="图片 5">
+            <a:extLst>
+              <a:ext uri="{FF2B5EF4-FFF2-40B4-BE49-F238E27FC236}">
+                <a16:creationId xmlns:a16="http://schemas.microsoft.com/office/drawing/2014/main" id="{0D7E287C-DFE0-48C3-BBA0-B3813A9FA698}"/>
+              </a:ext>
+            </a:extLst>
+          </p:cNvPr>
+          <p:cNvPicPr>
+            <a:picLocks noChangeAspect="1"/>
+          </p:cNvPicPr>
+          <p:nvPr/>
+        </p:nvPicPr>
+        <p:blipFill>
+          <a:blip r:embed="rId4"/>
+          <a:stretch>
+            <a:fillRect/>
+          </a:stretch>
+        </p:blipFill>
+        <p:spPr>
+          <a:xfrm>
+            <a:off x="1138607" y="1887175"/>
+            <a:ext cx="6048375" cy="2305050"/>
+          </a:xfrm>
+          <a:prstGeom prst="rect">
+            <a:avLst/>
+          </a:prstGeom>
+        </p:spPr>
+      </p:pic>
+      <p:cxnSp>
+        <p:nvCxnSpPr>
+          <p:cNvPr id="8" name="直接连接符 7">
+            <a:extLst>
+              <a:ext uri="{FF2B5EF4-FFF2-40B4-BE49-F238E27FC236}">
+                <a16:creationId xmlns:a16="http://schemas.microsoft.com/office/drawing/2014/main" id="{59400AF1-78CE-4265-B535-9CBDAA4BE703}"/>
+              </a:ext>
+            </a:extLst>
+          </p:cNvPr>
+          <p:cNvCxnSpPr/>
+          <p:nvPr/>
+        </p:nvCxnSpPr>
+        <p:spPr>
+          <a:xfrm>
+            <a:off x="1704512" y="3595456"/>
+            <a:ext cx="2911876" cy="0"/>
+          </a:xfrm>
+          <a:prstGeom prst="line">
+            <a:avLst/>
+          </a:prstGeom>
+        </p:spPr>
+        <p:style>
+          <a:lnRef idx="1">
+            <a:schemeClr val="accent4"/>
+          </a:lnRef>
+          <a:fillRef idx="0">
+            <a:schemeClr val="accent4"/>
+          </a:fillRef>
+          <a:effectRef idx="0">
+            <a:schemeClr val="accent4"/>
+          </a:effectRef>
+          <a:fontRef idx="minor">
+            <a:schemeClr val="tx1"/>
+          </a:fontRef>
+        </p:style>
+      </p:cxnSp>
+      <p:cxnSp>
+        <p:nvCxnSpPr>
+          <p:cNvPr id="10" name="直接连接符 9">
+            <a:extLst>
+              <a:ext uri="{FF2B5EF4-FFF2-40B4-BE49-F238E27FC236}">
+                <a16:creationId xmlns:a16="http://schemas.microsoft.com/office/drawing/2014/main" id="{94B42B12-5A3D-469C-AAA4-70E67BE0BFEF}"/>
+              </a:ext>
+            </a:extLst>
+          </p:cNvPr>
+          <p:cNvCxnSpPr/>
+          <p:nvPr/>
+        </p:nvCxnSpPr>
+        <p:spPr>
+          <a:xfrm>
+            <a:off x="1793289" y="6090082"/>
+            <a:ext cx="2734323" cy="0"/>
+          </a:xfrm>
+          <a:prstGeom prst="line">
+            <a:avLst/>
+          </a:prstGeom>
+        </p:spPr>
+        <p:style>
+          <a:lnRef idx="1">
+            <a:schemeClr val="accent4"/>
+          </a:lnRef>
+          <a:fillRef idx="0">
+            <a:schemeClr val="accent4"/>
+          </a:fillRef>
+          <a:effectRef idx="0">
+            <a:schemeClr val="accent4"/>
+          </a:effectRef>
+          <a:fontRef idx="minor">
+            <a:schemeClr val="tx1"/>
+          </a:fontRef>
+        </p:style>
+      </p:cxnSp>
+    </p:spTree>
+    <p:extLst>
+      <p:ext uri="{BB962C8B-B14F-4D97-AF65-F5344CB8AC3E}">
+        <p14:creationId xmlns:p14="http://schemas.microsoft.com/office/powerpoint/2010/main" val="1566712902"/>
+      </p:ext>
+    </p:extLst>
+  </p:cSld>
+  <p:clrMapOvr>
+    <a:masterClrMapping/>
+  </p:clrMapOvr>
+</p:sld>
+</file>
+
+<file path=ppt/slides/slide34.xml><?xml version="1.0" encoding="utf-8"?>
+<p:sld xmlns:a="http://schemas.openxmlformats.org/drawingml/2006/main" xmlns:r="http://schemas.openxmlformats.org/officeDocument/2006/relationships" xmlns:p="http://schemas.openxmlformats.org/presentationml/2006/main">
+  <p:cSld>
+    <p:spTree>
+      <p:nvGrpSpPr>
+        <p:cNvPr id="1" name=""/>
+        <p:cNvGrpSpPr/>
+        <p:nvPr/>
+      </p:nvGrpSpPr>
+      <p:grpSpPr>
+        <a:xfrm>
+          <a:off x="0" y="0"/>
+          <a:ext cx="0" cy="0"/>
+          <a:chOff x="0" y="0"/>
+          <a:chExt cx="0" cy="0"/>
+        </a:xfrm>
+      </p:grpSpPr>
       <p:sp>
         <p:nvSpPr>
           <p:cNvPr id="2" name="标题 1">
             <a:extLst>
               <a:ext uri="{FF2B5EF4-FFF2-40B4-BE49-F238E27FC236}">
-                <a16:creationId xmlns:a16="http://schemas.microsoft.com/office/drawing/2014/main" xmlns="" id="{90C61AC6-E442-4D1D-902E-82E05E57D11E}"/>
+                <a16:creationId xmlns:a16="http://schemas.microsoft.com/office/drawing/2014/main" id="{19ABA109-44DA-478D-A6AB-9C1FAC7CECB6}"/>
+              </a:ext>
+            </a:extLst>
+          </p:cNvPr>
+          <p:cNvSpPr>
+            <a:spLocks noGrp="1"/>
+          </p:cNvSpPr>
+          <p:nvPr>
+            <p:ph type="title"/>
+          </p:nvPr>
+        </p:nvSpPr>
+        <p:spPr/>
+        <p:txBody>
+          <a:bodyPr/>
+          <a:lstStyle/>
+          <a:p>
+            <a:r>
+              <a:rPr lang="zh-CN" altLang="en-US" dirty="0"/>
+              <a:t>回退版本</a:t>
+            </a:r>
+          </a:p>
+        </p:txBody>
+      </p:sp>
+      <p:sp>
+        <p:nvSpPr>
+          <p:cNvPr id="3" name="内容占位符 2">
+            <a:extLst>
+              <a:ext uri="{FF2B5EF4-FFF2-40B4-BE49-F238E27FC236}">
+                <a16:creationId xmlns:a16="http://schemas.microsoft.com/office/drawing/2014/main" id="{A0CE89C0-EDDD-4133-8B48-8F2DCED333D5}"/>
+              </a:ext>
+            </a:extLst>
+          </p:cNvPr>
+          <p:cNvSpPr>
+            <a:spLocks noGrp="1"/>
+          </p:cNvSpPr>
+          <p:nvPr>
+            <p:ph idx="1"/>
+          </p:nvPr>
+        </p:nvSpPr>
+        <p:spPr/>
+        <p:txBody>
+          <a:bodyPr/>
+          <a:lstStyle/>
+          <a:p>
+            <a:r>
+              <a:rPr lang="en-US" altLang="zh-CN" dirty="0"/>
+              <a:t>git reset </a:t>
+            </a:r>
+          </a:p>
+          <a:p>
+            <a:endParaRPr lang="en-US" altLang="zh-CN" dirty="0"/>
+          </a:p>
+          <a:p>
+            <a:r>
+              <a:rPr lang="en-US" altLang="zh-CN" dirty="0"/>
+              <a:t>git revert</a:t>
+            </a:r>
+            <a:endParaRPr lang="zh-CN" altLang="en-US" dirty="0"/>
+          </a:p>
+        </p:txBody>
+      </p:sp>
+    </p:spTree>
+    <p:extLst>
+      <p:ext uri="{BB962C8B-B14F-4D97-AF65-F5344CB8AC3E}">
+        <p14:creationId xmlns:p14="http://schemas.microsoft.com/office/powerpoint/2010/main" val="2424780078"/>
+      </p:ext>
+    </p:extLst>
+  </p:cSld>
+  <p:clrMapOvr>
+    <a:masterClrMapping/>
+  </p:clrMapOvr>
+</p:sld>
+</file>
+
+<file path=ppt/slides/slide35.xml><?xml version="1.0" encoding="utf-8"?>
+<p:sld xmlns:a="http://schemas.openxmlformats.org/drawingml/2006/main" xmlns:r="http://schemas.openxmlformats.org/officeDocument/2006/relationships" xmlns:p="http://schemas.openxmlformats.org/presentationml/2006/main">
+  <p:cSld>
+    <p:spTree>
+      <p:nvGrpSpPr>
+        <p:cNvPr id="1" name=""/>
+        <p:cNvGrpSpPr/>
+        <p:nvPr/>
+      </p:nvGrpSpPr>
+      <p:grpSpPr>
+        <a:xfrm>
+          <a:off x="0" y="0"/>
+          <a:ext cx="0" cy="0"/>
+          <a:chOff x="0" y="0"/>
+          <a:chExt cx="0" cy="0"/>
+        </a:xfrm>
+      </p:grpSpPr>
+      <p:sp>
+        <p:nvSpPr>
+          <p:cNvPr id="2" name="标题 1">
+            <a:extLst>
+              <a:ext uri="{FF2B5EF4-FFF2-40B4-BE49-F238E27FC236}">
+                <a16:creationId xmlns:a16="http://schemas.microsoft.com/office/drawing/2014/main" id="{4C1D957A-7D4E-4ADB-81F5-323643681A7A}"/>
+              </a:ext>
+            </a:extLst>
+          </p:cNvPr>
+          <p:cNvSpPr>
+            <a:spLocks noGrp="1"/>
+          </p:cNvSpPr>
+          <p:nvPr>
+            <p:ph type="title"/>
+          </p:nvPr>
+        </p:nvSpPr>
+        <p:spPr/>
+        <p:txBody>
+          <a:bodyPr/>
+          <a:lstStyle/>
+          <a:p>
+            <a:r>
+              <a:rPr lang="en-US" altLang="zh-CN" dirty="0"/>
+              <a:t>git log</a:t>
+            </a:r>
+            <a:r>
+              <a:rPr lang="zh-CN" altLang="en-US" dirty="0"/>
+              <a:t>查看提交日志</a:t>
+            </a:r>
+          </a:p>
+        </p:txBody>
+      </p:sp>
+      <p:pic>
+        <p:nvPicPr>
+          <p:cNvPr id="4" name="内容占位符 3">
+            <a:extLst>
+              <a:ext uri="{FF2B5EF4-FFF2-40B4-BE49-F238E27FC236}">
+                <a16:creationId xmlns:a16="http://schemas.microsoft.com/office/drawing/2014/main" id="{33ACD7B0-42BF-4C23-97C3-7F2D4CE2BEFC}"/>
+              </a:ext>
+            </a:extLst>
+          </p:cNvPr>
+          <p:cNvPicPr>
+            <a:picLocks noGrp="1" noChangeAspect="1"/>
+          </p:cNvPicPr>
+          <p:nvPr>
+            <p:ph idx="1"/>
+          </p:nvPr>
+        </p:nvPicPr>
+        <p:blipFill>
+          <a:blip r:embed="rId2"/>
+          <a:stretch>
+            <a:fillRect/>
+          </a:stretch>
+        </p:blipFill>
+        <p:spPr>
+          <a:xfrm>
+            <a:off x="1315652" y="1690688"/>
+            <a:ext cx="6915150" cy="3743325"/>
+          </a:xfrm>
+          <a:prstGeom prst="rect">
+            <a:avLst/>
+          </a:prstGeom>
+        </p:spPr>
+      </p:pic>
+    </p:spTree>
+    <p:extLst>
+      <p:ext uri="{BB962C8B-B14F-4D97-AF65-F5344CB8AC3E}">
+        <p14:creationId xmlns:p14="http://schemas.microsoft.com/office/powerpoint/2010/main" val="3384293863"/>
+      </p:ext>
+    </p:extLst>
+  </p:cSld>
+  <p:clrMapOvr>
+    <a:masterClrMapping/>
+  </p:clrMapOvr>
+</p:sld>
+</file>
+
+<file path=ppt/slides/slide36.xml><?xml version="1.0" encoding="utf-8"?>
+<p:sld xmlns:a="http://schemas.openxmlformats.org/drawingml/2006/main" xmlns:r="http://schemas.openxmlformats.org/officeDocument/2006/relationships" xmlns:p="http://schemas.openxmlformats.org/presentationml/2006/main">
+  <p:cSld>
+    <p:spTree>
+      <p:nvGrpSpPr>
+        <p:cNvPr id="1" name=""/>
+        <p:cNvGrpSpPr/>
+        <p:nvPr/>
+      </p:nvGrpSpPr>
+      <p:grpSpPr>
+        <a:xfrm>
+          <a:off x="0" y="0"/>
+          <a:ext cx="0" cy="0"/>
+          <a:chOff x="0" y="0"/>
+          <a:chExt cx="0" cy="0"/>
+        </a:xfrm>
+      </p:grpSpPr>
+      <p:sp>
+        <p:nvSpPr>
+          <p:cNvPr id="2" name="标题 1">
+            <a:extLst>
+              <a:ext uri="{FF2B5EF4-FFF2-40B4-BE49-F238E27FC236}">
+                <a16:creationId xmlns:a16="http://schemas.microsoft.com/office/drawing/2014/main" id="{26DA51C3-C06C-44DD-95F3-A2C7F6759BEE}"/>
+              </a:ext>
+            </a:extLst>
+          </p:cNvPr>
+          <p:cNvSpPr>
+            <a:spLocks noGrp="1"/>
+          </p:cNvSpPr>
+          <p:nvPr>
+            <p:ph type="title"/>
+          </p:nvPr>
+        </p:nvSpPr>
+        <p:spPr/>
+        <p:txBody>
+          <a:bodyPr/>
+          <a:lstStyle/>
+          <a:p>
+            <a:r>
+              <a:rPr lang="en-US" altLang="zh-CN" dirty="0"/>
+              <a:t>Cherry Pick</a:t>
+            </a:r>
+            <a:endParaRPr lang="zh-CN" altLang="en-US" dirty="0"/>
+          </a:p>
+        </p:txBody>
+      </p:sp>
+      <p:sp>
+        <p:nvSpPr>
+          <p:cNvPr id="3" name="内容占位符 2">
+            <a:extLst>
+              <a:ext uri="{FF2B5EF4-FFF2-40B4-BE49-F238E27FC236}">
+                <a16:creationId xmlns:a16="http://schemas.microsoft.com/office/drawing/2014/main" id="{BAF4612B-5658-43D7-B132-930900102701}"/>
+              </a:ext>
+            </a:extLst>
+          </p:cNvPr>
+          <p:cNvSpPr>
+            <a:spLocks noGrp="1"/>
+          </p:cNvSpPr>
+          <p:nvPr>
+            <p:ph idx="1"/>
+          </p:nvPr>
+        </p:nvSpPr>
+        <p:spPr/>
+        <p:txBody>
+          <a:bodyPr/>
+          <a:lstStyle/>
+          <a:p>
+            <a:endParaRPr lang="zh-CN" altLang="en-US" dirty="0"/>
+          </a:p>
+        </p:txBody>
+      </p:sp>
+    </p:spTree>
+    <p:extLst>
+      <p:ext uri="{BB962C8B-B14F-4D97-AF65-F5344CB8AC3E}">
+        <p14:creationId xmlns:p14="http://schemas.microsoft.com/office/powerpoint/2010/main" val="3849983147"/>
+      </p:ext>
+    </p:extLst>
+  </p:cSld>
+  <p:clrMapOvr>
+    <a:masterClrMapping/>
+  </p:clrMapOvr>
+</p:sld>
+</file>
+
+<file path=ppt/slides/slide37.xml><?xml version="1.0" encoding="utf-8"?>
+<p:sld xmlns:a="http://schemas.openxmlformats.org/drawingml/2006/main" xmlns:r="http://schemas.openxmlformats.org/officeDocument/2006/relationships" xmlns:p="http://schemas.openxmlformats.org/presentationml/2006/main">
+  <p:cSld>
+    <p:spTree>
+      <p:nvGrpSpPr>
+        <p:cNvPr id="1" name=""/>
+        <p:cNvGrpSpPr/>
+        <p:nvPr/>
+      </p:nvGrpSpPr>
+      <p:grpSpPr>
+        <a:xfrm>
+          <a:off x="0" y="0"/>
+          <a:ext cx="0" cy="0"/>
+          <a:chOff x="0" y="0"/>
+          <a:chExt cx="0" cy="0"/>
+        </a:xfrm>
+      </p:grpSpPr>
+      <p:sp>
+        <p:nvSpPr>
+          <p:cNvPr id="2" name="标题 1">
+            <a:extLst>
+              <a:ext uri="{FF2B5EF4-FFF2-40B4-BE49-F238E27FC236}">
+                <a16:creationId xmlns:a16="http://schemas.microsoft.com/office/drawing/2014/main" id="{3B0D1102-EE88-4653-ACC5-1004E772E952}"/>
+              </a:ext>
+            </a:extLst>
+          </p:cNvPr>
+          <p:cNvSpPr>
+            <a:spLocks noGrp="1"/>
+          </p:cNvSpPr>
+          <p:nvPr>
+            <p:ph type="title"/>
+          </p:nvPr>
+        </p:nvSpPr>
+        <p:spPr/>
+        <p:txBody>
+          <a:bodyPr/>
+          <a:lstStyle/>
+          <a:p>
+            <a:r>
+              <a:rPr lang="zh-CN" altLang="en-US" dirty="0"/>
+              <a:t>子模块</a:t>
+            </a:r>
+          </a:p>
+        </p:txBody>
+      </p:sp>
+      <p:sp>
+        <p:nvSpPr>
+          <p:cNvPr id="3" name="内容占位符 2">
+            <a:extLst>
+              <a:ext uri="{FF2B5EF4-FFF2-40B4-BE49-F238E27FC236}">
+                <a16:creationId xmlns:a16="http://schemas.microsoft.com/office/drawing/2014/main" id="{C35652FC-4D51-4F3A-A6D1-89E4B9B3643D}"/>
+              </a:ext>
+            </a:extLst>
+          </p:cNvPr>
+          <p:cNvSpPr>
+            <a:spLocks noGrp="1"/>
+          </p:cNvSpPr>
+          <p:nvPr>
+            <p:ph idx="1"/>
+          </p:nvPr>
+        </p:nvSpPr>
+        <p:spPr/>
+        <p:txBody>
+          <a:bodyPr/>
+          <a:lstStyle/>
+          <a:p>
+            <a:endParaRPr lang="zh-CN" altLang="en-US"/>
+          </a:p>
+        </p:txBody>
+      </p:sp>
+    </p:spTree>
+    <p:extLst>
+      <p:ext uri="{BB962C8B-B14F-4D97-AF65-F5344CB8AC3E}">
+        <p14:creationId xmlns:p14="http://schemas.microsoft.com/office/powerpoint/2010/main" val="2586935404"/>
+      </p:ext>
+    </p:extLst>
+  </p:cSld>
+  <p:clrMapOvr>
+    <a:masterClrMapping/>
+  </p:clrMapOvr>
+</p:sld>
+</file>
+
+<file path=ppt/slides/slide38.xml><?xml version="1.0" encoding="utf-8"?>
+<p:sld xmlns:a="http://schemas.openxmlformats.org/drawingml/2006/main" xmlns:r="http://schemas.openxmlformats.org/officeDocument/2006/relationships" xmlns:p="http://schemas.openxmlformats.org/presentationml/2006/main">
+  <p:cSld>
+    <p:spTree>
+      <p:nvGrpSpPr>
+        <p:cNvPr id="1" name=""/>
+        <p:cNvGrpSpPr/>
+        <p:nvPr/>
+      </p:nvGrpSpPr>
+      <p:grpSpPr>
+        <a:xfrm>
+          <a:off x="0" y="0"/>
+          <a:ext cx="0" cy="0"/>
+          <a:chOff x="0" y="0"/>
+          <a:chExt cx="0" cy="0"/>
+        </a:xfrm>
+      </p:grpSpPr>
+      <p:sp>
+        <p:nvSpPr>
+          <p:cNvPr id="2" name="标题 1">
+            <a:extLst>
+              <a:ext uri="{FF2B5EF4-FFF2-40B4-BE49-F238E27FC236}">
+                <a16:creationId xmlns:a16="http://schemas.microsoft.com/office/drawing/2014/main" id="{90C61AC6-E442-4D1D-902E-82E05E57D11E}"/>
               </a:ext>
             </a:extLst>
           </p:cNvPr>
@@ -7690,7 +10475,7 @@
           <p:cNvPr id="3" name="内容占位符 2">
             <a:extLst>
               <a:ext uri="{FF2B5EF4-FFF2-40B4-BE49-F238E27FC236}">
-                <a16:creationId xmlns:a16="http://schemas.microsoft.com/office/drawing/2014/main" xmlns="" id="{6AE86CCF-8597-45EE-875E-79B2C52F4E7D}"/>
+                <a16:creationId xmlns:a16="http://schemas.microsoft.com/office/drawing/2014/main" id="{6AE86CCF-8597-45EE-875E-79B2C52F4E7D}"/>
               </a:ext>
             </a:extLst>
           </p:cNvPr>
@@ -7745,7 +10530,7 @@
           <p:cNvPr id="2" name="标题 1">
             <a:extLst>
               <a:ext uri="{FF2B5EF4-FFF2-40B4-BE49-F238E27FC236}">
-                <a16:creationId xmlns:a16="http://schemas.microsoft.com/office/drawing/2014/main" xmlns="" id="{F9FC0932-31E4-4C4C-BB28-C73F17F3DFF2}"/>
+                <a16:creationId xmlns:a16="http://schemas.microsoft.com/office/drawing/2014/main" id="{F9FC0932-31E4-4C4C-BB28-C73F17F3DFF2}"/>
               </a:ext>
             </a:extLst>
           </p:cNvPr>
@@ -7773,7 +10558,7 @@
           <p:cNvPr id="3" name="内容占位符 2">
             <a:extLst>
               <a:ext uri="{FF2B5EF4-FFF2-40B4-BE49-F238E27FC236}">
-                <a16:creationId xmlns:a16="http://schemas.microsoft.com/office/drawing/2014/main" xmlns="" id="{E7726351-9B92-4A0E-934A-BA4E4D4FF6DF}"/>
+                <a16:creationId xmlns:a16="http://schemas.microsoft.com/office/drawing/2014/main" id="{E7726351-9B92-4A0E-934A-BA4E4D4FF6DF}"/>
               </a:ext>
             </a:extLst>
           </p:cNvPr>
@@ -7862,7 +10647,7 @@
           <p:cNvPr id="2" name="标题 1">
             <a:extLst>
               <a:ext uri="{FF2B5EF4-FFF2-40B4-BE49-F238E27FC236}">
-                <a16:creationId xmlns:a16="http://schemas.microsoft.com/office/drawing/2014/main" xmlns="" id="{5073E59A-B0F2-454F-962D-977B3510CDB3}"/>
+                <a16:creationId xmlns:a16="http://schemas.microsoft.com/office/drawing/2014/main" id="{5073E59A-B0F2-454F-962D-977B3510CDB3}"/>
               </a:ext>
             </a:extLst>
           </p:cNvPr>
@@ -7890,7 +10675,7 @@
           <p:cNvPr id="3" name="内容占位符 2">
             <a:extLst>
               <a:ext uri="{FF2B5EF4-FFF2-40B4-BE49-F238E27FC236}">
-                <a16:creationId xmlns:a16="http://schemas.microsoft.com/office/drawing/2014/main" xmlns="" id="{C50AE525-2934-41B4-AC8A-E77E29E4C692}"/>
+                <a16:creationId xmlns:a16="http://schemas.microsoft.com/office/drawing/2014/main" id="{C50AE525-2934-41B4-AC8A-E77E29E4C692}"/>
               </a:ext>
             </a:extLst>
           </p:cNvPr>
@@ -8022,7 +10807,7 @@
           <p:cNvPr id="9" name="Picture 4" descr="æ¬å°çæ¬æ§å¶å¾è§£">
             <a:extLst>
               <a:ext uri="{FF2B5EF4-FFF2-40B4-BE49-F238E27FC236}">
-                <a16:creationId xmlns:a16="http://schemas.microsoft.com/office/drawing/2014/main" xmlns="" id="{8E286639-30B8-4F07-AE94-D8333F4F8997}"/>
+                <a16:creationId xmlns:a16="http://schemas.microsoft.com/office/drawing/2014/main" id="{8E286639-30B8-4F07-AE94-D8333F4F8997}"/>
               </a:ext>
             </a:extLst>
           </p:cNvPr>
@@ -8099,7 +10884,7 @@
           <p:cNvPr id="2" name="标题 1">
             <a:extLst>
               <a:ext uri="{FF2B5EF4-FFF2-40B4-BE49-F238E27FC236}">
-                <a16:creationId xmlns:a16="http://schemas.microsoft.com/office/drawing/2014/main" xmlns="" id="{5073E59A-B0F2-454F-962D-977B3510CDB3}"/>
+                <a16:creationId xmlns:a16="http://schemas.microsoft.com/office/drawing/2014/main" id="{5073E59A-B0F2-454F-962D-977B3510CDB3}"/>
               </a:ext>
             </a:extLst>
           </p:cNvPr>
@@ -8127,7 +10912,7 @@
           <p:cNvPr id="3" name="内容占位符 2">
             <a:extLst>
               <a:ext uri="{FF2B5EF4-FFF2-40B4-BE49-F238E27FC236}">
-                <a16:creationId xmlns:a16="http://schemas.microsoft.com/office/drawing/2014/main" xmlns="" id="{C50AE525-2934-41B4-AC8A-E77E29E4C692}"/>
+                <a16:creationId xmlns:a16="http://schemas.microsoft.com/office/drawing/2014/main" id="{C50AE525-2934-41B4-AC8A-E77E29E4C692}"/>
               </a:ext>
             </a:extLst>
           </p:cNvPr>
@@ -8259,7 +11044,7 @@
           <p:cNvPr id="5" name="Picture 6" descr="éä¸­åççæ¬æ§å¶å¾è§£">
             <a:extLst>
               <a:ext uri="{FF2B5EF4-FFF2-40B4-BE49-F238E27FC236}">
-                <a16:creationId xmlns:a16="http://schemas.microsoft.com/office/drawing/2014/main" xmlns="" id="{949FB809-6430-488F-8861-11998F67EF3D}"/>
+                <a16:creationId xmlns:a16="http://schemas.microsoft.com/office/drawing/2014/main" id="{949FB809-6430-488F-8861-11998F67EF3D}"/>
               </a:ext>
             </a:extLst>
           </p:cNvPr>
@@ -8336,7 +11121,7 @@
           <p:cNvPr id="2" name="标题 1">
             <a:extLst>
               <a:ext uri="{FF2B5EF4-FFF2-40B4-BE49-F238E27FC236}">
-                <a16:creationId xmlns:a16="http://schemas.microsoft.com/office/drawing/2014/main" xmlns="" id="{5073E59A-B0F2-454F-962D-977B3510CDB3}"/>
+                <a16:creationId xmlns:a16="http://schemas.microsoft.com/office/drawing/2014/main" id="{5073E59A-B0F2-454F-962D-977B3510CDB3}"/>
               </a:ext>
             </a:extLst>
           </p:cNvPr>
@@ -8364,7 +11149,7 @@
           <p:cNvPr id="3" name="内容占位符 2">
             <a:extLst>
               <a:ext uri="{FF2B5EF4-FFF2-40B4-BE49-F238E27FC236}">
-                <a16:creationId xmlns:a16="http://schemas.microsoft.com/office/drawing/2014/main" xmlns="" id="{C50AE525-2934-41B4-AC8A-E77E29E4C692}"/>
+                <a16:creationId xmlns:a16="http://schemas.microsoft.com/office/drawing/2014/main" id="{C50AE525-2934-41B4-AC8A-E77E29E4C692}"/>
               </a:ext>
             </a:extLst>
           </p:cNvPr>
@@ -8496,7 +11281,7 @@
           <p:cNvPr id="5" name="Picture 2" descr="åå¸å¼çæ¬æ§å¶å¾è§£">
             <a:extLst>
               <a:ext uri="{FF2B5EF4-FFF2-40B4-BE49-F238E27FC236}">
-                <a16:creationId xmlns:a16="http://schemas.microsoft.com/office/drawing/2014/main" xmlns="" id="{BF4F4675-8F35-45EF-AAA1-E345E017DEEB}"/>
+                <a16:creationId xmlns:a16="http://schemas.microsoft.com/office/drawing/2014/main" id="{BF4F4675-8F35-45EF-AAA1-E345E017DEEB}"/>
               </a:ext>
             </a:extLst>
           </p:cNvPr>
@@ -8573,7 +11358,7 @@
           <p:cNvPr id="2" name="标题 1">
             <a:extLst>
               <a:ext uri="{FF2B5EF4-FFF2-40B4-BE49-F238E27FC236}">
-                <a16:creationId xmlns:a16="http://schemas.microsoft.com/office/drawing/2014/main" xmlns="" id="{8CAFD403-1136-4AB5-A311-057C6E6BB774}"/>
+                <a16:creationId xmlns:a16="http://schemas.microsoft.com/office/drawing/2014/main" id="{8CAFD403-1136-4AB5-A311-057C6E6BB774}"/>
               </a:ext>
             </a:extLst>
           </p:cNvPr>
@@ -8605,7 +11390,7 @@
           <p:cNvPr id="3" name="内容占位符 2">
             <a:extLst>
               <a:ext uri="{FF2B5EF4-FFF2-40B4-BE49-F238E27FC236}">
-                <a16:creationId xmlns:a16="http://schemas.microsoft.com/office/drawing/2014/main" xmlns="" id="{630E8192-35D5-4F9B-B7A1-9B5F4ECFEE39}"/>
+                <a16:creationId xmlns:a16="http://schemas.microsoft.com/office/drawing/2014/main" id="{630E8192-35D5-4F9B-B7A1-9B5F4ECFEE39}"/>
               </a:ext>
             </a:extLst>
           </p:cNvPr>
@@ -8979,7 +11764,7 @@
           <p:cNvPr id="2" name="标题 1">
             <a:extLst>
               <a:ext uri="{FF2B5EF4-FFF2-40B4-BE49-F238E27FC236}">
-                <a16:creationId xmlns:a16="http://schemas.microsoft.com/office/drawing/2014/main" xmlns="" id="{EC13CFE2-98EF-481F-8BBF-9FAD8FB5CA45}"/>
+                <a16:creationId xmlns:a16="http://schemas.microsoft.com/office/drawing/2014/main" id="{EC13CFE2-98EF-481F-8BBF-9FAD8FB5CA45}"/>
               </a:ext>
             </a:extLst>
           </p:cNvPr>
@@ -9011,7 +11796,7 @@
           <p:cNvPr id="3" name="内容占位符 2">
             <a:extLst>
               <a:ext uri="{FF2B5EF4-FFF2-40B4-BE49-F238E27FC236}">
-                <a16:creationId xmlns:a16="http://schemas.microsoft.com/office/drawing/2014/main" xmlns="" id="{0CA93FB1-F1B4-4B00-84A0-4598F351EE0B}"/>
+                <a16:creationId xmlns:a16="http://schemas.microsoft.com/office/drawing/2014/main" id="{0CA93FB1-F1B4-4B00-84A0-4598F351EE0B}"/>
               </a:ext>
             </a:extLst>
           </p:cNvPr>
